--- a/week13/第十一周多进程.pptx
+++ b/week13/第十一周多进程.pptx
@@ -6,21 +6,24 @@
   </p:sldMasterIdLst>
   <p:sldIdLst>
     <p:sldId id="256" r:id="rId2"/>
-    <p:sldId id="261" r:id="rId3"/>
-    <p:sldId id="260" r:id="rId4"/>
-    <p:sldId id="259" r:id="rId5"/>
-    <p:sldId id="263" r:id="rId6"/>
-    <p:sldId id="262" r:id="rId7"/>
-    <p:sldId id="264" r:id="rId8"/>
-    <p:sldId id="265" r:id="rId9"/>
-    <p:sldId id="269" r:id="rId10"/>
-    <p:sldId id="268" r:id="rId11"/>
-    <p:sldId id="267" r:id="rId12"/>
-    <p:sldId id="266" r:id="rId13"/>
-    <p:sldId id="270" r:id="rId14"/>
-    <p:sldId id="272" r:id="rId15"/>
-    <p:sldId id="271" r:id="rId16"/>
-    <p:sldId id="258" r:id="rId17"/>
+    <p:sldId id="273" r:id="rId3"/>
+    <p:sldId id="275" r:id="rId4"/>
+    <p:sldId id="261" r:id="rId5"/>
+    <p:sldId id="260" r:id="rId6"/>
+    <p:sldId id="259" r:id="rId7"/>
+    <p:sldId id="274" r:id="rId8"/>
+    <p:sldId id="263" r:id="rId9"/>
+    <p:sldId id="262" r:id="rId10"/>
+    <p:sldId id="264" r:id="rId11"/>
+    <p:sldId id="265" r:id="rId12"/>
+    <p:sldId id="269" r:id="rId13"/>
+    <p:sldId id="268" r:id="rId14"/>
+    <p:sldId id="267" r:id="rId15"/>
+    <p:sldId id="266" r:id="rId16"/>
+    <p:sldId id="270" r:id="rId17"/>
+    <p:sldId id="272" r:id="rId18"/>
+    <p:sldId id="271" r:id="rId19"/>
+    <p:sldId id="258" r:id="rId20"/>
   </p:sldIdLst>
   <p:sldSz cx="12192000" cy="6858000"/>
   <p:notesSz cx="6858000" cy="9144000"/>
@@ -258,7 +261,7 @@
           <a:p>
             <a:fld id="{572D11D0-88B8-4AFB-969C-9968A552E825}" type="datetimeFigureOut">
               <a:rPr lang="zh-CN" altLang="en-US" smtClean="0"/>
-              <a:t>2019/11/24</a:t>
+              <a:t>2019/12/1</a:t>
             </a:fld>
             <a:endParaRPr lang="zh-CN" altLang="en-US"/>
           </a:p>
@@ -428,7 +431,7 @@
           <a:p>
             <a:fld id="{572D11D0-88B8-4AFB-969C-9968A552E825}" type="datetimeFigureOut">
               <a:rPr lang="zh-CN" altLang="en-US" smtClean="0"/>
-              <a:t>2019/11/24</a:t>
+              <a:t>2019/12/1</a:t>
             </a:fld>
             <a:endParaRPr lang="zh-CN" altLang="en-US"/>
           </a:p>
@@ -608,7 +611,7 @@
           <a:p>
             <a:fld id="{572D11D0-88B8-4AFB-969C-9968A552E825}" type="datetimeFigureOut">
               <a:rPr lang="zh-CN" altLang="en-US" smtClean="0"/>
-              <a:t>2019/11/24</a:t>
+              <a:t>2019/12/1</a:t>
             </a:fld>
             <a:endParaRPr lang="zh-CN" altLang="en-US"/>
           </a:p>
@@ -778,7 +781,7 @@
           <a:p>
             <a:fld id="{572D11D0-88B8-4AFB-969C-9968A552E825}" type="datetimeFigureOut">
               <a:rPr lang="zh-CN" altLang="en-US" smtClean="0"/>
-              <a:t>2019/11/24</a:t>
+              <a:t>2019/12/1</a:t>
             </a:fld>
             <a:endParaRPr lang="zh-CN" altLang="en-US"/>
           </a:p>
@@ -1022,7 +1025,7 @@
           <a:p>
             <a:fld id="{572D11D0-88B8-4AFB-969C-9968A552E825}" type="datetimeFigureOut">
               <a:rPr lang="zh-CN" altLang="en-US" smtClean="0"/>
-              <a:t>2019/11/24</a:t>
+              <a:t>2019/12/1</a:t>
             </a:fld>
             <a:endParaRPr lang="zh-CN" altLang="en-US"/>
           </a:p>
@@ -1254,7 +1257,7 @@
           <a:p>
             <a:fld id="{572D11D0-88B8-4AFB-969C-9968A552E825}" type="datetimeFigureOut">
               <a:rPr lang="zh-CN" altLang="en-US" smtClean="0"/>
-              <a:t>2019/11/24</a:t>
+              <a:t>2019/12/1</a:t>
             </a:fld>
             <a:endParaRPr lang="zh-CN" altLang="en-US"/>
           </a:p>
@@ -1621,7 +1624,7 @@
           <a:p>
             <a:fld id="{572D11D0-88B8-4AFB-969C-9968A552E825}" type="datetimeFigureOut">
               <a:rPr lang="zh-CN" altLang="en-US" smtClean="0"/>
-              <a:t>2019/11/24</a:t>
+              <a:t>2019/12/1</a:t>
             </a:fld>
             <a:endParaRPr lang="zh-CN" altLang="en-US"/>
           </a:p>
@@ -1739,7 +1742,7 @@
           <a:p>
             <a:fld id="{572D11D0-88B8-4AFB-969C-9968A552E825}" type="datetimeFigureOut">
               <a:rPr lang="zh-CN" altLang="en-US" smtClean="0"/>
-              <a:t>2019/11/24</a:t>
+              <a:t>2019/12/1</a:t>
             </a:fld>
             <a:endParaRPr lang="zh-CN" altLang="en-US"/>
           </a:p>
@@ -1834,7 +1837,7 @@
           <a:p>
             <a:fld id="{572D11D0-88B8-4AFB-969C-9968A552E825}" type="datetimeFigureOut">
               <a:rPr lang="zh-CN" altLang="en-US" smtClean="0"/>
-              <a:t>2019/11/24</a:t>
+              <a:t>2019/12/1</a:t>
             </a:fld>
             <a:endParaRPr lang="zh-CN" altLang="en-US"/>
           </a:p>
@@ -2111,7 +2114,7 @@
           <a:p>
             <a:fld id="{572D11D0-88B8-4AFB-969C-9968A552E825}" type="datetimeFigureOut">
               <a:rPr lang="zh-CN" altLang="en-US" smtClean="0"/>
-              <a:t>2019/11/24</a:t>
+              <a:t>2019/12/1</a:t>
             </a:fld>
             <a:endParaRPr lang="zh-CN" altLang="en-US"/>
           </a:p>
@@ -2368,7 +2371,7 @@
           <a:p>
             <a:fld id="{572D11D0-88B8-4AFB-969C-9968A552E825}" type="datetimeFigureOut">
               <a:rPr lang="zh-CN" altLang="en-US" smtClean="0"/>
-              <a:t>2019/11/24</a:t>
+              <a:t>2019/12/1</a:t>
             </a:fld>
             <a:endParaRPr lang="zh-CN" altLang="en-US"/>
           </a:p>
@@ -2581,7 +2584,7 @@
           <a:p>
             <a:fld id="{572D11D0-88B8-4AFB-969C-9968A552E825}" type="datetimeFigureOut">
               <a:rPr lang="zh-CN" altLang="en-US" smtClean="0"/>
-              <a:t>2019/11/24</a:t>
+              <a:t>2019/12/1</a:t>
             </a:fld>
             <a:endParaRPr lang="zh-CN" altLang="en-US"/>
           </a:p>
@@ -3232,7 +3235,7 @@
           <p:cNvPr id="2" name="标题 1">
             <a:extLst>
               <a:ext uri="{FF2B5EF4-FFF2-40B4-BE49-F238E27FC236}">
-                <a16:creationId xmlns:a16="http://schemas.microsoft.com/office/drawing/2014/main" id="{AB2E29FB-AE84-4F05-A3D5-031CBDC85C1D}"/>
+                <a16:creationId xmlns:a16="http://schemas.microsoft.com/office/drawing/2014/main" id="{50D21A1A-2A40-43E2-8C2C-DEFA0B1E704F}"/>
               </a:ext>
             </a:extLst>
           </p:cNvPr>
@@ -3250,7 +3253,7 @@
           <a:p>
             <a:r>
               <a:rPr lang="zh-CN" altLang="zh-CN" b="1" dirty="0"/>
-              <a:t>进程的同步：</a:t>
+              <a:t>同步和异步：</a:t>
             </a:r>
             <a:br>
               <a:rPr lang="zh-CN" altLang="zh-CN" b="1" dirty="0"/>
@@ -3264,7 +3267,7 @@
           <p:cNvPr id="3" name="内容占位符 2">
             <a:extLst>
               <a:ext uri="{FF2B5EF4-FFF2-40B4-BE49-F238E27FC236}">
-                <a16:creationId xmlns:a16="http://schemas.microsoft.com/office/drawing/2014/main" id="{C7E372A6-33C0-4333-B6CF-CB0A47FF4A45}"/>
+                <a16:creationId xmlns:a16="http://schemas.microsoft.com/office/drawing/2014/main" id="{A49492AE-B6AB-4622-BCD1-C6F46D3F6C12}"/>
               </a:ext>
             </a:extLst>
           </p:cNvPr>
@@ -3275,7 +3278,12 @@
             <p:ph idx="1"/>
           </p:nvPr>
         </p:nvSpPr>
-        <p:spPr/>
+        <p:spPr>
+          <a:xfrm>
+            <a:off x="838200" y="1253331"/>
+            <a:ext cx="10515600" cy="4351338"/>
+          </a:xfrm>
+        </p:spPr>
         <p:txBody>
           <a:bodyPr>
             <a:normAutofit/>
@@ -3284,84 +3292,92 @@
           <a:p>
             <a:r>
               <a:rPr lang="zh-CN" altLang="zh-CN" dirty="0"/>
-              <a:t> 实现机制：</a:t>
-            </a:r>
-          </a:p>
-          <a:p>
-            <a:r>
-              <a:rPr lang="zh-CN" altLang="zh-CN" dirty="0"/>
-              <a:t>互斥锁</a:t>
-            </a:r>
-            <a:r>
-              <a:rPr lang="en-US" altLang="zh-CN" dirty="0"/>
-              <a:t>lock</a:t>
+              <a:t>同步：</a:t>
+            </a:r>
+          </a:p>
+          <a:p>
+            <a:r>
+              <a:rPr lang="zh-CN" altLang="zh-CN" dirty="0"/>
+              <a:t>主进程的多个子进程按预定的顺序先后执行，主进程调用子进程后</a:t>
+            </a:r>
+            <a:r>
+              <a:rPr lang="zh-CN" altLang="zh-CN" dirty="0">
+                <a:highlight>
+                  <a:srgbClr val="FFFF00"/>
+                </a:highlight>
+              </a:rPr>
+              <a:t>等待</a:t>
+            </a:r>
+            <a:r>
+              <a:rPr lang="zh-CN" altLang="zh-CN" dirty="0"/>
+              <a:t>返回结果。同步是保证多进程安全访问竞争资源的一种手段。</a:t>
+            </a:r>
+          </a:p>
+          <a:p>
+            <a:r>
+              <a:rPr lang="zh-CN" altLang="zh-CN" dirty="0"/>
+              <a:t>异步：</a:t>
+            </a:r>
+          </a:p>
+          <a:p>
+            <a:r>
+              <a:rPr lang="zh-CN" altLang="zh-CN" dirty="0"/>
+              <a:t>子进程不用挡住（阻塞）当前主进程来等待处理完成，</a:t>
+            </a:r>
+            <a:r>
+              <a:rPr lang="zh-CN" altLang="en-US" dirty="0"/>
+              <a:t>主进程</a:t>
+            </a:r>
+            <a:r>
+              <a:rPr lang="zh-CN" altLang="en-US" dirty="0">
+                <a:highlight>
+                  <a:srgbClr val="FFFF00"/>
+                </a:highlight>
+              </a:rPr>
+              <a:t>可以进行</a:t>
+            </a:r>
+            <a:r>
+              <a:rPr lang="zh-CN" altLang="zh-CN" dirty="0">
+                <a:highlight>
+                  <a:srgbClr val="FFFF00"/>
+                </a:highlight>
+              </a:rPr>
+              <a:t>后续操作</a:t>
+            </a:r>
+            <a:r>
+              <a:rPr lang="zh-CN" altLang="zh-CN" dirty="0"/>
+              <a:t>，给子进程一个回调函数</a:t>
+            </a:r>
+            <a:r>
+              <a:rPr lang="zh-CN" altLang="en-US" dirty="0"/>
+              <a:t>。</a:t>
+            </a:r>
+            <a:r>
+              <a:rPr lang="zh-CN" altLang="zh-CN" dirty="0"/>
+              <a:t>子进程执行结束后，调用回调函数，通知主进程</a:t>
+            </a:r>
+            <a:r>
+              <a:rPr lang="zh-CN" altLang="en-US" dirty="0"/>
+              <a:t>进行结果处理。</a:t>
             </a:r>
             <a:endParaRPr lang="zh-CN" altLang="zh-CN" dirty="0"/>
           </a:p>
           <a:p>
             <a:r>
               <a:rPr lang="zh-CN" altLang="zh-CN" dirty="0"/>
-              <a:t>信号量</a:t>
-            </a:r>
-            <a:r>
-              <a:rPr lang="en-US" altLang="zh-CN" dirty="0"/>
-              <a:t>semaphore</a:t>
-            </a:r>
-            <a:r>
-              <a:rPr lang="zh-CN" altLang="zh-CN" dirty="0"/>
-              <a:t>：允许</a:t>
-            </a:r>
-            <a:r>
-              <a:rPr lang="en-US" altLang="zh-CN" dirty="0"/>
-              <a:t>5</a:t>
-            </a:r>
-            <a:r>
-              <a:rPr lang="zh-CN" altLang="zh-CN" dirty="0"/>
-              <a:t>个人（多于一个）选课，数据库中有</a:t>
-            </a:r>
-            <a:r>
-              <a:rPr lang="en-US" altLang="zh-CN" dirty="0"/>
-              <a:t>5</a:t>
-            </a:r>
-            <a:r>
-              <a:rPr lang="zh-CN" altLang="zh-CN" dirty="0"/>
-              <a:t>个链接，进来一个少一个。</a:t>
-            </a:r>
-          </a:p>
-          <a:p>
-            <a:r>
-              <a:rPr lang="zh-CN" altLang="zh-CN" dirty="0"/>
-              <a:t>事件</a:t>
-            </a:r>
-            <a:r>
-              <a:rPr lang="en-US" altLang="zh-CN" dirty="0"/>
-              <a:t>event</a:t>
-            </a:r>
-            <a:r>
-              <a:rPr lang="zh-CN" altLang="zh-CN" dirty="0"/>
-              <a:t>：特定事件（变为绿灯）发生才执行，否则不执行。</a:t>
-            </a:r>
-          </a:p>
-          <a:p>
-            <a:r>
-              <a:rPr lang="zh-CN" altLang="zh-CN" dirty="0"/>
-              <a:t>条件</a:t>
-            </a:r>
-            <a:r>
-              <a:rPr lang="en-US" altLang="zh-CN" dirty="0"/>
-              <a:t>condition</a:t>
-            </a:r>
-            <a:r>
-              <a:rPr lang="zh-CN" altLang="zh-CN" dirty="0"/>
-              <a:t>：满足条件才能执行。即使拿到锁，条件不满足，继续等待。这个状态叫做</a:t>
-            </a:r>
-            <a:r>
-              <a:rPr lang="en-US" altLang="zh-CN" dirty="0"/>
-              <a:t>wait</a:t>
-            </a:r>
-            <a:r>
-              <a:rPr lang="zh-CN" altLang="zh-CN" dirty="0"/>
-              <a:t>阻塞状态。（等到多线程讲）</a:t>
+              <a:t>例如：网页</a:t>
+            </a:r>
+            <a:r>
+              <a:rPr lang="zh-CN" altLang="zh-CN" dirty="0">
+                <a:highlight>
+                  <a:srgbClr val="FFFF00"/>
+                </a:highlight>
+              </a:rPr>
+              <a:t>异步加载</a:t>
+            </a:r>
+            <a:r>
+              <a:rPr lang="zh-CN" altLang="zh-CN" dirty="0"/>
+              <a:t>，提升用户体验</a:t>
             </a:r>
           </a:p>
           <a:p>
@@ -3372,7 +3388,7 @@
     </p:spTree>
     <p:extLst>
       <p:ext uri="{BB962C8B-B14F-4D97-AF65-F5344CB8AC3E}">
-        <p14:creationId xmlns:p14="http://schemas.microsoft.com/office/powerpoint/2010/main" val="2507672022"/>
+        <p14:creationId xmlns:p14="http://schemas.microsoft.com/office/powerpoint/2010/main" val="810221684"/>
       </p:ext>
     </p:extLst>
   </p:cSld>
@@ -3404,7 +3420,7 @@
           <p:cNvPr id="2" name="标题 1">
             <a:extLst>
               <a:ext uri="{FF2B5EF4-FFF2-40B4-BE49-F238E27FC236}">
-                <a16:creationId xmlns:a16="http://schemas.microsoft.com/office/drawing/2014/main" id="{81835ED5-75C5-419D-8ACB-AE862239F865}"/>
+                <a16:creationId xmlns:a16="http://schemas.microsoft.com/office/drawing/2014/main" id="{1C8D1DF8-D369-4C9F-99AF-5F2EEC35606C}"/>
               </a:ext>
             </a:extLst>
           </p:cNvPr>
@@ -3420,7 +3436,22 @@
           <a:bodyPr/>
           <a:lstStyle/>
           <a:p>
-            <a:endParaRPr lang="zh-CN" altLang="en-US"/>
+            <a:r>
+              <a:rPr lang="zh-CN" altLang="zh-CN" b="1" dirty="0"/>
+              <a:t>临界区</a:t>
+            </a:r>
+            <a:r>
+              <a:rPr lang="en-US" altLang="zh-CN" b="1" dirty="0"/>
+              <a:t>critical section</a:t>
+            </a:r>
+            <a:r>
+              <a:rPr lang="zh-CN" altLang="zh-CN" b="1" dirty="0"/>
+              <a:t>：</a:t>
+            </a:r>
+            <a:br>
+              <a:rPr lang="zh-CN" altLang="zh-CN" b="1" dirty="0"/>
+            </a:br>
+            <a:endParaRPr lang="zh-CN" altLang="en-US" dirty="0"/>
           </a:p>
         </p:txBody>
       </p:sp>
@@ -3429,7 +3460,7 @@
           <p:cNvPr id="3" name="内容占位符 2">
             <a:extLst>
               <a:ext uri="{FF2B5EF4-FFF2-40B4-BE49-F238E27FC236}">
-                <a16:creationId xmlns:a16="http://schemas.microsoft.com/office/drawing/2014/main" id="{B6179610-6152-40C6-9E3F-270B39E15AA3}"/>
+                <a16:creationId xmlns:a16="http://schemas.microsoft.com/office/drawing/2014/main" id="{B746844E-68E6-471D-A6A6-83868A1E3F77}"/>
               </a:ext>
             </a:extLst>
           </p:cNvPr>
@@ -3440,116 +3471,149 @@
             <p:ph idx="1"/>
           </p:nvPr>
         </p:nvSpPr>
-        <p:spPr>
-          <a:xfrm>
-            <a:off x="838200" y="1825624"/>
-            <a:ext cx="10515600" cy="5032375"/>
-          </a:xfrm>
-        </p:spPr>
-        <p:txBody>
-          <a:bodyPr>
-            <a:normAutofit/>
-          </a:bodyPr>
-          <a:lstStyle/>
-          <a:p>
-            <a:r>
-              <a:rPr lang="en-US" altLang="zh-CN" dirty="0"/>
-              <a:t>demo</a:t>
-            </a:r>
-            <a:r>
-              <a:rPr lang="zh-CN" altLang="zh-CN" dirty="0"/>
-              <a:t>：买票。会导致数据不唯一（都买到票了，结果还剩</a:t>
-            </a:r>
-            <a:r>
-              <a:rPr lang="en-US" altLang="zh-CN" dirty="0"/>
-              <a:t>5</a:t>
-            </a:r>
-            <a:r>
-              <a:rPr lang="zh-CN" altLang="zh-CN" dirty="0"/>
-              <a:t>张票）！</a:t>
-            </a:r>
-          </a:p>
-          <a:p>
-            <a:r>
-              <a:rPr lang="zh-CN" altLang="zh-CN" dirty="0"/>
-              <a:t>方法：尝试拿锁：</a:t>
-            </a:r>
-            <a:r>
-              <a:rPr lang="en-US" altLang="zh-CN" dirty="0"/>
-              <a:t>acquire---</a:t>
-            </a:r>
-            <a:r>
-              <a:rPr lang="zh-CN" altLang="zh-CN" dirty="0"/>
-              <a:t>拿到后，进入临界区（否则等待）</a:t>
-            </a:r>
-            <a:r>
-              <a:rPr lang="en-US" altLang="zh-CN" dirty="0"/>
-              <a:t>---</a:t>
-            </a:r>
-            <a:r>
-              <a:rPr lang="zh-CN" altLang="zh-CN" dirty="0"/>
-              <a:t>用</a:t>
-            </a:r>
-            <a:r>
-              <a:rPr lang="en-US" altLang="zh-CN" dirty="0"/>
-              <a:t>try</a:t>
-            </a:r>
-            <a:r>
-              <a:rPr lang="zh-CN" altLang="zh-CN" dirty="0"/>
-              <a:t>来实现用完释放锁的清理操作。</a:t>
-            </a:r>
-            <a:r>
-              <a:rPr lang="en-US" altLang="zh-CN" dirty="0"/>
-              <a:t>---</a:t>
-            </a:r>
-            <a:r>
-              <a:rPr lang="zh-CN" altLang="zh-CN" dirty="0"/>
-              <a:t>任务完成释放锁</a:t>
-            </a:r>
-            <a:r>
-              <a:rPr lang="en-US" altLang="zh-CN" dirty="0"/>
-              <a:t>release</a:t>
-            </a:r>
-            <a:endParaRPr lang="zh-CN" altLang="zh-CN" dirty="0"/>
-          </a:p>
-          <a:p>
-            <a:r>
-              <a:rPr lang="zh-CN" altLang="zh-CN" dirty="0"/>
-              <a:t>注意：</a:t>
-            </a:r>
-            <a:r>
-              <a:rPr lang="en-US" altLang="zh-CN" dirty="0"/>
-              <a:t>time</a:t>
-            </a:r>
-            <a:r>
-              <a:rPr lang="zh-CN" altLang="zh-CN" dirty="0"/>
-              <a:t>和</a:t>
-            </a:r>
-            <a:r>
-              <a:rPr lang="en-US" altLang="zh-CN" dirty="0"/>
-              <a:t>random</a:t>
-            </a:r>
-            <a:r>
-              <a:rPr lang="zh-CN" altLang="zh-CN" dirty="0"/>
-              <a:t>同时使用：随机休眠，模拟网络延迟，打乱进程执行的节奏。</a:t>
-            </a:r>
-          </a:p>
-          <a:p>
-            <a:r>
-              <a:rPr lang="zh-CN" altLang="zh-CN" dirty="0"/>
-              <a:t>注意：锁必须放在主进程里面，被所有的子进程共享。</a:t>
-            </a:r>
-          </a:p>
-          <a:p>
-            <a:r>
-              <a:rPr lang="zh-CN" altLang="zh-CN" dirty="0"/>
-              <a:t>注意：子进程在内存上是割裂的，本质上还是通过文件来协调的。</a:t>
-            </a:r>
-          </a:p>
-          <a:p>
-            <a:r>
-              <a:rPr lang="zh-CN" altLang="zh-CN" dirty="0"/>
-              <a:t>注意：加锁会降低效率，能不加锁尽量不加锁（查询不用加锁，降低成本）。</a:t>
+        <p:spPr/>
+        <p:txBody>
+          <a:bodyPr/>
+          <a:lstStyle/>
+          <a:p>
+            <a:r>
+              <a:rPr lang="zh-CN" altLang="zh-CN" dirty="0"/>
+              <a:t>临界资源：一次</a:t>
+            </a:r>
+            <a:r>
+              <a:rPr lang="zh-CN" altLang="zh-CN" dirty="0">
+                <a:highlight>
+                  <a:srgbClr val="FFFF00"/>
+                </a:highlight>
+              </a:rPr>
+              <a:t>只允许一个</a:t>
+            </a:r>
+            <a:r>
+              <a:rPr lang="zh-CN" altLang="zh-CN" dirty="0"/>
+              <a:t>进程（或者线程）使用的资源</a:t>
+            </a:r>
+          </a:p>
+          <a:p>
+            <a:r>
+              <a:rPr lang="zh-CN" altLang="zh-CN" dirty="0"/>
+              <a:t>临界区：</a:t>
+            </a:r>
+            <a:r>
+              <a:rPr lang="zh-CN" altLang="zh-CN" u="sng" dirty="0"/>
+              <a:t>存取临界资源</a:t>
+            </a:r>
+            <a:r>
+              <a:rPr lang="zh-CN" altLang="zh-CN" dirty="0"/>
+              <a:t>代码段，</a:t>
+            </a:r>
+            <a:r>
+              <a:rPr lang="zh-CN" altLang="zh-CN" dirty="0">
+                <a:highlight>
+                  <a:srgbClr val="FFFF00"/>
+                </a:highlight>
+              </a:rPr>
+              <a:t>可以形象地理解为一个</a:t>
+            </a:r>
+            <a:r>
+              <a:rPr lang="zh-CN" altLang="en-US" dirty="0">
+                <a:highlight>
+                  <a:srgbClr val="FFFF00"/>
+                </a:highlight>
+              </a:rPr>
+              <a:t>仓库</a:t>
+            </a:r>
+            <a:endParaRPr lang="zh-CN" altLang="zh-CN" dirty="0">
+              <a:highlight>
+                <a:srgbClr val="FFFF00"/>
+              </a:highlight>
+            </a:endParaRPr>
+          </a:p>
+          <a:p>
+            <a:r>
+              <a:rPr lang="zh-CN" altLang="zh-CN" dirty="0"/>
+              <a:t>过程：多进程要求进入空闲的临界区时，只允许其中一个</a:t>
+            </a:r>
+            <a:r>
+              <a:rPr lang="zh-CN" altLang="en-US" dirty="0"/>
+              <a:t>进程</a:t>
+            </a:r>
+            <a:r>
+              <a:rPr lang="zh-CN" altLang="zh-CN" dirty="0"/>
+              <a:t>拿到锁</a:t>
+            </a:r>
+            <a:r>
+              <a:rPr lang="zh-CN" altLang="en-US" dirty="0"/>
+              <a:t>。</a:t>
+            </a:r>
+            <a:r>
+              <a:rPr lang="zh-CN" altLang="zh-CN" dirty="0"/>
+              <a:t>进入后，</a:t>
+            </a:r>
+            <a:r>
+              <a:rPr lang="zh-CN" altLang="en-US" dirty="0"/>
+              <a:t>多进程</a:t>
+            </a:r>
+            <a:r>
+              <a:rPr lang="zh-CN" altLang="zh-CN" dirty="0"/>
+              <a:t>锁上这个区域，其他进程无法将进入</a:t>
+            </a:r>
+            <a:r>
+              <a:rPr lang="zh-CN" altLang="en-US" dirty="0"/>
+              <a:t>。</a:t>
+            </a:r>
+            <a:r>
+              <a:rPr lang="zh-CN" altLang="zh-CN" dirty="0"/>
+              <a:t>执行</a:t>
+            </a:r>
+            <a:r>
+              <a:rPr lang="zh-CN" altLang="zh-CN" dirty="0">
+                <a:highlight>
+                  <a:srgbClr val="FFFF00"/>
+                </a:highlight>
+              </a:rPr>
+              <a:t>完成释放锁</a:t>
+            </a:r>
+            <a:r>
+              <a:rPr lang="zh-CN" altLang="zh-CN" dirty="0"/>
+              <a:t>，其他进程再竞争临界资源。（其他进程只能在临界区外</a:t>
+            </a:r>
+            <a:r>
+              <a:rPr lang="zh-CN" altLang="zh-CN" dirty="0">
+                <a:highlight>
+                  <a:srgbClr val="FFFF00"/>
+                </a:highlight>
+              </a:rPr>
+              <a:t>等待</a:t>
+            </a:r>
+            <a:r>
+              <a:rPr lang="zh-CN" altLang="zh-CN" dirty="0"/>
+              <a:t>）</a:t>
+            </a:r>
+          </a:p>
+          <a:p>
+            <a:r>
+              <a:rPr lang="zh-CN" altLang="zh-CN" dirty="0"/>
+              <a:t>注意：进入临界</a:t>
+            </a:r>
+            <a:r>
+              <a:rPr lang="zh-CN" altLang="en-US" dirty="0"/>
+              <a:t>区</a:t>
+            </a:r>
+            <a:r>
+              <a:rPr lang="zh-CN" altLang="zh-CN" dirty="0"/>
+              <a:t>的进程需要在</a:t>
+            </a:r>
+            <a:r>
+              <a:rPr lang="zh-CN" altLang="zh-CN" dirty="0">
+                <a:highlight>
+                  <a:srgbClr val="FFFF00"/>
+                </a:highlight>
+              </a:rPr>
+              <a:t>有限时间内退出</a:t>
+            </a:r>
+            <a:r>
+              <a:rPr lang="zh-CN" altLang="zh-CN" dirty="0"/>
+              <a:t>。</a:t>
             </a:r>
           </a:p>
           <a:p>
@@ -3560,7 +3624,7 @@
     </p:spTree>
     <p:extLst>
       <p:ext uri="{BB962C8B-B14F-4D97-AF65-F5344CB8AC3E}">
-        <p14:creationId xmlns:p14="http://schemas.microsoft.com/office/powerpoint/2010/main" val="3778531797"/>
+        <p14:creationId xmlns:p14="http://schemas.microsoft.com/office/powerpoint/2010/main" val="3620355052"/>
       </p:ext>
     </p:extLst>
   </p:cSld>
@@ -3592,7 +3656,7 @@
           <p:cNvPr id="2" name="标题 1">
             <a:extLst>
               <a:ext uri="{FF2B5EF4-FFF2-40B4-BE49-F238E27FC236}">
-                <a16:creationId xmlns:a16="http://schemas.microsoft.com/office/drawing/2014/main" id="{2731124F-3F2B-49AF-8178-13EF1CB5A1B8}"/>
+                <a16:creationId xmlns:a16="http://schemas.microsoft.com/office/drawing/2014/main" id="{54762B30-9198-48F6-855A-4EFF6DEFFDFA}"/>
               </a:ext>
             </a:extLst>
           </p:cNvPr>
@@ -3617,7 +3681,7 @@
           <p:cNvPr id="3" name="内容占位符 2">
             <a:extLst>
               <a:ext uri="{FF2B5EF4-FFF2-40B4-BE49-F238E27FC236}">
-                <a16:creationId xmlns:a16="http://schemas.microsoft.com/office/drawing/2014/main" id="{B2015636-F4BE-477E-8E65-C083904A556D}"/>
+                <a16:creationId xmlns:a16="http://schemas.microsoft.com/office/drawing/2014/main" id="{8DDC6D78-49D0-4C07-B7F6-3D1AD2805D6F}"/>
               </a:ext>
             </a:extLst>
           </p:cNvPr>
@@ -3628,154 +3692,44 @@
             <p:ph idx="1"/>
           </p:nvPr>
         </p:nvSpPr>
-        <p:spPr>
-          <a:xfrm>
-            <a:off x="838200" y="1825624"/>
-            <a:ext cx="10515600" cy="5032375"/>
-          </a:xfrm>
-        </p:spPr>
-        <p:txBody>
-          <a:bodyPr>
-            <a:normAutofit fontScale="92500"/>
-          </a:bodyPr>
-          <a:lstStyle/>
-          <a:p>
+        <p:spPr/>
+        <p:txBody>
+          <a:bodyPr/>
+          <a:lstStyle/>
+          <a:p>
+            <a:r>
+              <a:rPr lang="zh-CN" altLang="zh-CN" dirty="0"/>
+              <a:t>互斥量：</a:t>
+            </a:r>
             <a:r>
               <a:rPr lang="en-US" altLang="zh-CN" dirty="0"/>
-              <a:t>demo</a:t>
-            </a:r>
-            <a:r>
-              <a:rPr lang="zh-CN" altLang="zh-CN" dirty="0"/>
-              <a:t>：信号量。任务是获得链接</a:t>
-            </a:r>
-          </a:p>
-          <a:p>
-            <a:r>
-              <a:rPr lang="zh-CN" altLang="zh-CN" dirty="0"/>
-              <a:t>方法：任务参数是信号量</a:t>
-            </a:r>
-            <a:r>
-              <a:rPr lang="en-US" altLang="zh-CN" dirty="0"/>
-              <a:t>semaphore</a:t>
-            </a:r>
-            <a:r>
-              <a:rPr lang="zh-CN" altLang="zh-CN" dirty="0"/>
-              <a:t>，</a:t>
-            </a:r>
-            <a:r>
-              <a:rPr lang="en-US" altLang="zh-CN" dirty="0" err="1"/>
-              <a:t>args</a:t>
-            </a:r>
-            <a:r>
-              <a:rPr lang="zh-CN" altLang="zh-CN" dirty="0"/>
-              <a:t>传入信号量实例对象。先请求</a:t>
-            </a:r>
-            <a:r>
-              <a:rPr lang="en-US" altLang="zh-CN" dirty="0"/>
-              <a:t>acquire</a:t>
-            </a:r>
-            <a:r>
-              <a:rPr lang="zh-CN" altLang="zh-CN" dirty="0"/>
-              <a:t>，使用完信号量要</a:t>
-            </a:r>
-            <a:r>
-              <a:rPr lang="en-US" altLang="zh-CN" dirty="0"/>
-              <a:t>release</a:t>
-            </a:r>
-            <a:r>
-              <a:rPr lang="zh-CN" altLang="zh-CN" dirty="0"/>
-              <a:t>。</a:t>
-            </a:r>
-          </a:p>
-          <a:p>
-            <a:r>
-              <a:rPr lang="en-US" altLang="zh-CN" dirty="0"/>
-              <a:t> </a:t>
-            </a:r>
-          </a:p>
-          <a:p>
-            <a:r>
-              <a:rPr lang="en-US" altLang="zh-CN" dirty="0"/>
-              <a:t>demo</a:t>
-            </a:r>
-            <a:r>
-              <a:rPr lang="zh-CN" altLang="zh-CN" dirty="0"/>
-              <a:t>：事件。等待过十字路口。当事件没有发生（不是绿灯）的时候，必须用</a:t>
-            </a:r>
-            <a:r>
-              <a:rPr lang="en-US" altLang="zh-CN" dirty="0"/>
-              <a:t>wait</a:t>
-            </a:r>
-            <a:r>
-              <a:rPr lang="zh-CN" altLang="zh-CN" dirty="0"/>
-              <a:t>。</a:t>
-            </a:r>
-          </a:p>
-          <a:p>
-            <a:r>
-              <a:rPr lang="zh-CN" altLang="zh-CN" dirty="0"/>
-              <a:t>方法：任务函数是红绿灯，绿灯和红灯的持续时间是随机的。任务函数参数是事件。</a:t>
-            </a:r>
-          </a:p>
-          <a:p>
-            <a:r>
-              <a:rPr lang="zh-CN" altLang="zh-CN" dirty="0"/>
-              <a:t>注意：</a:t>
-            </a:r>
-            <a:r>
-              <a:rPr lang="en-US" altLang="zh-CN" dirty="0"/>
-              <a:t>clear</a:t>
-            </a:r>
-            <a:r>
-              <a:rPr lang="zh-CN" altLang="zh-CN" dirty="0"/>
-              <a:t>消除事件，变成假（红灯）；</a:t>
-            </a:r>
-            <a:r>
-              <a:rPr lang="en-US" altLang="zh-CN" dirty="0"/>
-              <a:t>set</a:t>
-            </a:r>
-            <a:r>
-              <a:rPr lang="zh-CN" altLang="zh-CN" dirty="0"/>
-              <a:t>将事件变成真（绿灯）。</a:t>
-            </a:r>
-          </a:p>
-          <a:p>
-            <a:r>
-              <a:rPr lang="zh-CN" altLang="zh-CN" dirty="0"/>
-              <a:t>注意：</a:t>
-            </a:r>
-            <a:r>
-              <a:rPr lang="en-US" altLang="zh-CN" dirty="0" err="1"/>
-              <a:t>is_set</a:t>
-            </a:r>
-            <a:r>
-              <a:rPr lang="zh-CN" altLang="zh-CN" dirty="0"/>
-              <a:t>为</a:t>
-            </a:r>
-            <a:r>
-              <a:rPr lang="en-US" altLang="zh-CN" dirty="0"/>
-              <a:t>Ture</a:t>
-            </a:r>
-            <a:r>
-              <a:rPr lang="zh-CN" altLang="zh-CN" dirty="0"/>
-              <a:t>表示事件没有发生！</a:t>
-            </a:r>
-          </a:p>
-          <a:p>
-            <a:r>
-              <a:rPr lang="zh-CN" altLang="zh-CN" dirty="0"/>
-              <a:t>注意：类似于观察者模式。会获取状态的信息。</a:t>
-            </a:r>
-          </a:p>
-          <a:p>
-            <a:endParaRPr lang="zh-CN" altLang="en-US" dirty="0"/>
+              <a:t>mutex</a:t>
+            </a:r>
+            <a:r>
+              <a:rPr lang="zh-CN" altLang="zh-CN" dirty="0"/>
+              <a:t>，只处于两个状态之一：</a:t>
+            </a:r>
+            <a:r>
+              <a:rPr lang="zh-CN" altLang="zh-CN" dirty="0">
+                <a:highlight>
+                  <a:srgbClr val="FFFF00"/>
+                </a:highlight>
+              </a:rPr>
+              <a:t>解锁或者加锁</a:t>
+            </a:r>
+          </a:p>
+          <a:p>
+            <a:r>
+              <a:rPr lang="zh-CN" altLang="zh-CN" dirty="0"/>
+              <a:t>理解：原子操作（不能再被切分）</a:t>
+            </a:r>
           </a:p>
         </p:txBody>
       </p:sp>
     </p:spTree>
     <p:extLst>
       <p:ext uri="{BB962C8B-B14F-4D97-AF65-F5344CB8AC3E}">
-        <p14:creationId xmlns:p14="http://schemas.microsoft.com/office/powerpoint/2010/main" val="83351984"/>
+        <p14:creationId xmlns:p14="http://schemas.microsoft.com/office/powerpoint/2010/main" val="1346692587"/>
       </p:ext>
     </p:extLst>
   </p:cSld>
@@ -3807,7 +3761,7 @@
           <p:cNvPr id="2" name="标题 1">
             <a:extLst>
               <a:ext uri="{FF2B5EF4-FFF2-40B4-BE49-F238E27FC236}">
-                <a16:creationId xmlns:a16="http://schemas.microsoft.com/office/drawing/2014/main" id="{F0531284-B6AF-4E82-9129-10658539B20E}"/>
+                <a16:creationId xmlns:a16="http://schemas.microsoft.com/office/drawing/2014/main" id="{AB2E29FB-AE84-4F05-A3D5-031CBDC85C1D}"/>
               </a:ext>
             </a:extLst>
           </p:cNvPr>
@@ -3818,38 +3772,18 @@
             <p:ph type="title"/>
           </p:nvPr>
         </p:nvSpPr>
-        <p:spPr>
-          <a:xfrm>
-            <a:off x="0" y="464519"/>
-            <a:ext cx="12192000" cy="857386"/>
-          </a:xfrm>
-        </p:spPr>
-        <p:txBody>
-          <a:bodyPr>
-            <a:normAutofit fontScale="90000"/>
-          </a:bodyPr>
+        <p:spPr/>
+        <p:txBody>
+          <a:bodyPr/>
           <a:lstStyle/>
           <a:p>
             <a:r>
               <a:rPr lang="zh-CN" altLang="zh-CN" b="1" dirty="0"/>
-              <a:t>基于消息的</a:t>
-            </a:r>
-            <a:r>
-              <a:rPr lang="en-US" altLang="zh-CN" b="1" dirty="0"/>
-              <a:t>IPC</a:t>
-            </a:r>
-            <a:r>
+              <a:t>进程的同步：</a:t>
+            </a:r>
+            <a:br>
               <a:rPr lang="zh-CN" altLang="zh-CN" b="1" dirty="0"/>
-              <a:t>通讯机制</a:t>
-            </a:r>
-            <a:r>
-              <a:rPr lang="en-US" altLang="zh-CN" b="1" dirty="0"/>
-              <a:t>:</a:t>
-            </a:r>
-            <a:r>
-              <a:rPr lang="zh-CN" altLang="zh-CN" b="1" dirty="0"/>
-              <a:t>inter-process communication</a:t>
-            </a:r>
+            </a:br>
             <a:endParaRPr lang="zh-CN" altLang="en-US" dirty="0"/>
           </a:p>
         </p:txBody>
@@ -3859,7 +3793,7 @@
           <p:cNvPr id="3" name="内容占位符 2">
             <a:extLst>
               <a:ext uri="{FF2B5EF4-FFF2-40B4-BE49-F238E27FC236}">
-                <a16:creationId xmlns:a16="http://schemas.microsoft.com/office/drawing/2014/main" id="{44F4A17F-9627-4F3C-9AE3-32A7730AA0B1}"/>
+                <a16:creationId xmlns:a16="http://schemas.microsoft.com/office/drawing/2014/main" id="{C7E372A6-33C0-4333-B6CF-CB0A47FF4A45}"/>
               </a:ext>
             </a:extLst>
           </p:cNvPr>
@@ -3872,118 +3806,192 @@
         </p:nvSpPr>
         <p:spPr>
           <a:xfrm>
-            <a:off x="639418" y="1321904"/>
-            <a:ext cx="10515600" cy="5536095"/>
+            <a:off x="838200" y="1253331"/>
+            <a:ext cx="10515600" cy="4351338"/>
           </a:xfrm>
         </p:spPr>
         <p:txBody>
           <a:bodyPr>
-            <a:normAutofit fontScale="85000" lnSpcReduction="10000"/>
+            <a:normAutofit/>
           </a:bodyPr>
           <a:lstStyle/>
           <a:p>
             <a:r>
               <a:rPr lang="zh-CN" altLang="zh-CN" dirty="0"/>
-              <a:t>两种机制：队列和管道</a:t>
-            </a:r>
-          </a:p>
-          <a:p>
-            <a:pPr marL="0" indent="0">
-              <a:buNone/>
-            </a:pPr>
+              <a:t> 实现机制：</a:t>
+            </a:r>
+          </a:p>
+          <a:p>
+            <a:r>
+              <a:rPr lang="zh-CN" altLang="zh-CN" dirty="0"/>
+              <a:t>互斥锁</a:t>
+            </a:r>
+            <a:r>
+              <a:rPr lang="en-US" altLang="zh-CN" dirty="0"/>
+              <a:t>lock</a:t>
+            </a:r>
             <a:endParaRPr lang="zh-CN" altLang="zh-CN" dirty="0"/>
           </a:p>
           <a:p>
             <a:r>
-              <a:rPr lang="zh-CN" altLang="zh-CN" b="1" dirty="0"/>
-              <a:t>队列：除了加锁外保证同步的另外一种机制</a:t>
-            </a:r>
-          </a:p>
-          <a:p>
-            <a:r>
-              <a:rPr lang="zh-CN" altLang="zh-CN" dirty="0"/>
-              <a:t>场景：串行机制，将用的数据（源数据）或者产生的数据（新数据）放入队列，队列（包）提供方法控制进程。</a:t>
-            </a:r>
-          </a:p>
-          <a:p>
-            <a:r>
-              <a:rPr lang="zh-CN" altLang="zh-CN" dirty="0"/>
-              <a:t>函数参数：队列最大长度</a:t>
-            </a:r>
-          </a:p>
-          <a:p>
-            <a:r>
-              <a:rPr lang="zh-CN" altLang="zh-CN" dirty="0"/>
-              <a:t>方法：</a:t>
-            </a:r>
-          </a:p>
-          <a:p>
+              <a:rPr lang="zh-CN" altLang="zh-CN" dirty="0">
+                <a:highlight>
+                  <a:srgbClr val="FFFF00"/>
+                </a:highlight>
+              </a:rPr>
+              <a:t>信号量</a:t>
+            </a:r>
+            <a:r>
+              <a:rPr lang="en-US" altLang="zh-CN" dirty="0">
+                <a:highlight>
+                  <a:srgbClr val="FFFF00"/>
+                </a:highlight>
+              </a:rPr>
+              <a:t>semaphore</a:t>
+            </a:r>
+            <a:r>
+              <a:rPr lang="zh-CN" altLang="zh-CN" dirty="0"/>
+              <a:t>：允许</a:t>
+            </a:r>
+            <a:r>
+              <a:rPr lang="zh-CN" altLang="zh-CN" dirty="0">
+                <a:highlight>
+                  <a:srgbClr val="FFFF00"/>
+                </a:highlight>
+              </a:rPr>
+              <a:t>多于一个</a:t>
+            </a:r>
+            <a:r>
+              <a:rPr lang="zh-CN" altLang="en-US" dirty="0">
+                <a:highlight>
+                  <a:srgbClr val="FFFF00"/>
+                </a:highlight>
+              </a:rPr>
+              <a:t>进程</a:t>
+            </a:r>
+            <a:r>
+              <a:rPr lang="zh-CN" altLang="en-US" dirty="0"/>
+              <a:t>进入临界区。</a:t>
+            </a:r>
+            <a:endParaRPr lang="en-US" altLang="zh-CN" dirty="0"/>
+          </a:p>
+          <a:p>
+            <a:r>
+              <a:rPr lang="zh-CN" altLang="en-US" dirty="0"/>
+              <a:t>理解：</a:t>
+            </a:r>
+            <a:r>
+              <a:rPr lang="zh-CN" altLang="zh-CN" dirty="0"/>
+              <a:t>数据库中</a:t>
+            </a:r>
+            <a:r>
+              <a:rPr lang="zh-CN" altLang="zh-CN" dirty="0">
+                <a:highlight>
+                  <a:srgbClr val="FFFF00"/>
+                </a:highlight>
+              </a:rPr>
+              <a:t>有</a:t>
+            </a:r>
+            <a:r>
+              <a:rPr lang="en-US" altLang="zh-CN" dirty="0">
+                <a:highlight>
+                  <a:srgbClr val="FFFF00"/>
+                </a:highlight>
+              </a:rPr>
+              <a:t>5</a:t>
+            </a:r>
+            <a:r>
+              <a:rPr lang="zh-CN" altLang="zh-CN" dirty="0">
+                <a:highlight>
+                  <a:srgbClr val="FFFF00"/>
+                </a:highlight>
+              </a:rPr>
+              <a:t>个链接</a:t>
+            </a:r>
+            <a:r>
+              <a:rPr lang="zh-CN" altLang="zh-CN" dirty="0"/>
+              <a:t>，进来一个少一个。</a:t>
+            </a:r>
+          </a:p>
+          <a:p>
+            <a:r>
+              <a:rPr lang="zh-CN" altLang="zh-CN" dirty="0"/>
+              <a:t>事件</a:t>
+            </a:r>
             <a:r>
               <a:rPr lang="en-US" altLang="zh-CN" dirty="0"/>
-              <a:t>put</a:t>
-            </a:r>
-            <a:r>
-              <a:rPr lang="zh-CN" altLang="zh-CN" dirty="0"/>
-              <a:t>插入数据</a:t>
+              <a:t>event</a:t>
+            </a:r>
+            <a:r>
+              <a:rPr lang="zh-CN" altLang="zh-CN" dirty="0"/>
+              <a:t>：</a:t>
+            </a:r>
+            <a:r>
+              <a:rPr lang="zh-CN" altLang="zh-CN" dirty="0">
+                <a:highlight>
+                  <a:srgbClr val="FFFF00"/>
+                </a:highlight>
+              </a:rPr>
+              <a:t>特定事件（变为绿灯）发生才执行</a:t>
+            </a:r>
+            <a:r>
+              <a:rPr lang="zh-CN" altLang="zh-CN" dirty="0"/>
+              <a:t>，否则不执行。</a:t>
+            </a:r>
+          </a:p>
+          <a:p>
+            <a:r>
+              <a:rPr lang="zh-CN" altLang="zh-CN" dirty="0"/>
+              <a:t>条件</a:t>
             </a:r>
             <a:r>
               <a:rPr lang="en-US" altLang="zh-CN" dirty="0"/>
-              <a:t> FULL ERROR</a:t>
-            </a:r>
-            <a:endParaRPr lang="zh-CN" altLang="zh-CN" dirty="0"/>
-          </a:p>
-          <a:p>
-            <a:r>
-              <a:rPr lang="en-US" altLang="zh-CN" dirty="0"/>
-              <a:t>get</a:t>
-            </a:r>
-            <a:r>
-              <a:rPr lang="zh-CN" altLang="zh-CN" dirty="0"/>
-              <a:t>读取并且删除</a:t>
-            </a:r>
-            <a:r>
-              <a:rPr lang="en-US" altLang="zh-CN" dirty="0"/>
-              <a:t> EMPTY ERROR</a:t>
-            </a:r>
-            <a:endParaRPr lang="zh-CN" altLang="zh-CN" dirty="0"/>
-          </a:p>
-          <a:p>
-            <a:r>
-              <a:rPr lang="zh-CN" altLang="zh-CN" dirty="0"/>
-              <a:t>任务队列：取任务。取完自动删除。队列机制保证同一时间只能一个人取</a:t>
-            </a:r>
-          </a:p>
-          <a:p>
-            <a:r>
-              <a:rPr lang="zh-CN" altLang="zh-CN" dirty="0"/>
-              <a:t>结果队列：执行完插入数据，队列保证同一时间只能一个人放</a:t>
-            </a:r>
-          </a:p>
-          <a:p>
-            <a:r>
-              <a:rPr lang="zh-CN" altLang="zh-CN" dirty="0"/>
-              <a:t> </a:t>
-            </a:r>
-          </a:p>
-          <a:p>
-            <a:r>
-              <a:rPr lang="en-US" altLang="zh-CN" dirty="0"/>
-              <a:t>demo</a:t>
-            </a:r>
-            <a:r>
-              <a:rPr lang="zh-CN" altLang="zh-CN" dirty="0"/>
-              <a:t>模型：生产者</a:t>
-            </a:r>
-            <a:r>
-              <a:rPr lang="en-US" altLang="zh-CN" dirty="0"/>
-              <a:t>-</a:t>
-            </a:r>
-            <a:r>
-              <a:rPr lang="zh-CN" altLang="zh-CN" dirty="0"/>
-              <a:t>消费者（数据）模型。使用同一个数据结构，同步行为。</a:t>
-            </a:r>
-          </a:p>
-          <a:p>
+              <a:t>condition</a:t>
+            </a:r>
+            <a:r>
+              <a:rPr lang="zh-CN" altLang="zh-CN" dirty="0"/>
+              <a:t>：满足</a:t>
+            </a:r>
+            <a:r>
+              <a:rPr lang="zh-CN" altLang="zh-CN" dirty="0">
+                <a:highlight>
+                  <a:srgbClr val="FFFF00"/>
+                </a:highlight>
+              </a:rPr>
+              <a:t>条件</a:t>
+            </a:r>
+            <a:r>
+              <a:rPr lang="zh-CN" altLang="zh-CN" dirty="0"/>
+              <a:t>才能执行。即使拿到锁，条件不满足，继续等待</a:t>
+            </a:r>
+            <a:r>
+              <a:rPr lang="zh-CN" altLang="en-US" dirty="0"/>
+              <a:t>，即拿到了一个无用锁</a:t>
+            </a:r>
+            <a:r>
+              <a:rPr lang="zh-CN" altLang="zh-CN" dirty="0"/>
+              <a:t>。</a:t>
+            </a:r>
+            <a:r>
+              <a:rPr lang="zh-CN" altLang="en-US" dirty="0">
+                <a:highlight>
+                  <a:srgbClr val="FFFF00"/>
+                </a:highlight>
+              </a:rPr>
+              <a:t>等待</a:t>
+            </a:r>
+            <a:r>
+              <a:rPr lang="zh-CN" altLang="zh-CN" dirty="0">
+                <a:highlight>
+                  <a:srgbClr val="FFFF00"/>
+                </a:highlight>
+              </a:rPr>
+              <a:t>状态叫做阻塞状态</a:t>
+            </a:r>
+            <a:r>
+              <a:rPr lang="zh-CN" altLang="zh-CN" dirty="0"/>
+              <a:t>。</a:t>
+            </a:r>
             <a:endParaRPr lang="zh-CN" altLang="en-US" dirty="0"/>
           </a:p>
         </p:txBody>
@@ -3991,7 +3999,7 @@
     </p:spTree>
     <p:extLst>
       <p:ext uri="{BB962C8B-B14F-4D97-AF65-F5344CB8AC3E}">
-        <p14:creationId xmlns:p14="http://schemas.microsoft.com/office/powerpoint/2010/main" val="3511870318"/>
+        <p14:creationId xmlns:p14="http://schemas.microsoft.com/office/powerpoint/2010/main" val="2507672022"/>
       </p:ext>
     </p:extLst>
   </p:cSld>
@@ -4020,10 +4028,10 @@
       </p:grpSpPr>
       <p:sp>
         <p:nvSpPr>
-          <p:cNvPr id="2" name="标题 1">
+          <p:cNvPr id="3" name="内容占位符 2">
             <a:extLst>
               <a:ext uri="{FF2B5EF4-FFF2-40B4-BE49-F238E27FC236}">
-                <a16:creationId xmlns:a16="http://schemas.microsoft.com/office/drawing/2014/main" id="{B379C71F-E8F8-4570-A1FD-1CAD5F5E6C24}"/>
+                <a16:creationId xmlns:a16="http://schemas.microsoft.com/office/drawing/2014/main" id="{B6179610-6152-40C6-9E3F-270B39E15AA3}"/>
               </a:ext>
             </a:extLst>
           </p:cNvPr>
@@ -4031,54 +4039,191 @@
             <a:spLocks noGrp="1"/>
           </p:cNvSpPr>
           <p:nvPr>
-            <p:ph type="title"/>
-          </p:nvPr>
-        </p:nvSpPr>
-        <p:spPr/>
-        <p:txBody>
-          <a:bodyPr/>
-          <a:lstStyle/>
-          <a:p>
-            <a:endParaRPr lang="zh-CN" altLang="en-US"/>
-          </a:p>
-        </p:txBody>
-      </p:sp>
-      <p:sp>
-        <p:nvSpPr>
-          <p:cNvPr id="3" name="内容占位符 2">
-            <a:extLst>
-              <a:ext uri="{FF2B5EF4-FFF2-40B4-BE49-F238E27FC236}">
-                <a16:creationId xmlns:a16="http://schemas.microsoft.com/office/drawing/2014/main" id="{0E307157-CE25-4FAB-B137-51B6CD90B1B3}"/>
-              </a:ext>
-            </a:extLst>
-          </p:cNvPr>
-          <p:cNvSpPr>
-            <a:spLocks noGrp="1"/>
-          </p:cNvSpPr>
-          <p:nvPr>
             <p:ph idx="1"/>
           </p:nvPr>
         </p:nvSpPr>
-        <p:spPr/>
-        <p:txBody>
-          <a:bodyPr/>
-          <a:lstStyle/>
-          <a:p>
-            <a:r>
-              <a:rPr lang="zh-CN" altLang="zh-CN" dirty="0"/>
-              <a:t>痛点：怎么解决两者不协调，一直在等（工人数大于任务数，工人没有完成任务会一直等）</a:t>
-            </a:r>
-          </a:p>
-          <a:p>
-            <a:r>
-              <a:rPr lang="zh-CN" altLang="zh-CN" dirty="0"/>
-              <a:t>解决：生产者给消费者发送标记（结束信号），主动告诉消费者不再生产了，别再等了。或者在主进程里发送标记。消费者要及时检查状态，如果结束了，就不再等了。</a:t>
-            </a:r>
-          </a:p>
-          <a:p>
-            <a:r>
-              <a:rPr lang="zh-CN" altLang="zh-CN" dirty="0"/>
-              <a:t>注意：要为每个消费者放入一个标记。</a:t>
+        <p:spPr>
+          <a:xfrm>
+            <a:off x="838200" y="632929"/>
+            <a:ext cx="10515600" cy="6225071"/>
+          </a:xfrm>
+        </p:spPr>
+        <p:txBody>
+          <a:bodyPr>
+            <a:normAutofit/>
+          </a:bodyPr>
+          <a:lstStyle/>
+          <a:p>
+            <a:r>
+              <a:rPr lang="en-US" altLang="zh-CN" dirty="0"/>
+              <a:t>demo</a:t>
+            </a:r>
+            <a:r>
+              <a:rPr lang="zh-CN" altLang="zh-CN" dirty="0"/>
+              <a:t>：买票。</a:t>
+            </a:r>
+            <a:r>
+              <a:rPr lang="zh-CN" altLang="en-US" dirty="0"/>
+              <a:t>注意：</a:t>
+            </a:r>
+            <a:r>
+              <a:rPr lang="zh-CN" altLang="zh-CN" dirty="0"/>
+              <a:t>会导致数据不唯一</a:t>
+            </a:r>
+          </a:p>
+          <a:p>
+            <a:r>
+              <a:rPr lang="zh-CN" altLang="zh-CN" dirty="0"/>
+              <a:t>方法：</a:t>
+            </a:r>
+            <a:endParaRPr lang="en-US" altLang="zh-CN" dirty="0"/>
+          </a:p>
+          <a:p>
+            <a:r>
+              <a:rPr lang="zh-CN" altLang="en-US" dirty="0"/>
+              <a:t>三个</a:t>
+            </a:r>
+            <a:r>
+              <a:rPr lang="zh-CN" altLang="en-US" dirty="0">
+                <a:highlight>
+                  <a:srgbClr val="FFFF00"/>
+                </a:highlight>
+              </a:rPr>
+              <a:t>核心</a:t>
+            </a:r>
+            <a:r>
+              <a:rPr lang="zh-CN" altLang="en-US" dirty="0"/>
+              <a:t>：</a:t>
+            </a:r>
+            <a:endParaRPr lang="en-US" altLang="zh-CN" dirty="0"/>
+          </a:p>
+          <a:p>
+            <a:r>
+              <a:rPr lang="zh-CN" altLang="zh-CN" dirty="0"/>
+              <a:t>尝试拿锁：</a:t>
+            </a:r>
+            <a:r>
+              <a:rPr lang="en-US" altLang="zh-CN" dirty="0">
+                <a:highlight>
+                  <a:srgbClr val="FFFF00"/>
+                </a:highlight>
+              </a:rPr>
+              <a:t>acquire</a:t>
+            </a:r>
+          </a:p>
+          <a:p>
+            <a:r>
+              <a:rPr lang="zh-CN" altLang="zh-CN" dirty="0"/>
+              <a:t>用</a:t>
+            </a:r>
+            <a:r>
+              <a:rPr lang="en-US" altLang="zh-CN" dirty="0"/>
+              <a:t>try</a:t>
+            </a:r>
+            <a:r>
+              <a:rPr lang="zh-CN" altLang="zh-CN" dirty="0"/>
+              <a:t>来实现</a:t>
+            </a:r>
+            <a:r>
+              <a:rPr lang="zh-CN" altLang="en-US" dirty="0"/>
+              <a:t>进程退出时</a:t>
+            </a:r>
+            <a:r>
+              <a:rPr lang="zh-CN" altLang="zh-CN" dirty="0">
+                <a:highlight>
+                  <a:srgbClr val="FFFF00"/>
+                </a:highlight>
+              </a:rPr>
+              <a:t>释放锁的清理操作</a:t>
+            </a:r>
+            <a:r>
+              <a:rPr lang="zh-CN" altLang="zh-CN" dirty="0"/>
+              <a:t>。</a:t>
+            </a:r>
+            <a:r>
+              <a:rPr lang="en-US" altLang="zh-CN" dirty="0"/>
+              <a:t>release</a:t>
+            </a:r>
+            <a:endParaRPr lang="zh-CN" altLang="zh-CN" dirty="0"/>
+          </a:p>
+          <a:p>
+            <a:r>
+              <a:rPr lang="en-US" altLang="zh-CN" dirty="0"/>
+              <a:t>time</a:t>
+            </a:r>
+            <a:r>
+              <a:rPr lang="zh-CN" altLang="zh-CN" dirty="0"/>
+              <a:t>和</a:t>
+            </a:r>
+            <a:r>
+              <a:rPr lang="en-US" altLang="zh-CN" dirty="0"/>
+              <a:t>random</a:t>
+            </a:r>
+            <a:r>
+              <a:rPr lang="zh-CN" altLang="zh-CN" dirty="0"/>
+              <a:t>同时使用：</a:t>
+            </a:r>
+            <a:r>
+              <a:rPr lang="zh-CN" altLang="zh-CN" dirty="0">
+                <a:highlight>
+                  <a:srgbClr val="FFFF00"/>
+                </a:highlight>
+              </a:rPr>
+              <a:t>随机休眠，模拟网络延迟，打乱进程执行的节奏。</a:t>
+            </a:r>
+          </a:p>
+          <a:p>
+            <a:r>
+              <a:rPr lang="zh-CN" altLang="zh-CN" dirty="0"/>
+              <a:t>注意：锁必须放在主进程里面，被所有的子进程</a:t>
+            </a:r>
+            <a:r>
+              <a:rPr lang="zh-CN" altLang="zh-CN" dirty="0">
+                <a:highlight>
+                  <a:srgbClr val="FFFF00"/>
+                </a:highlight>
+              </a:rPr>
+              <a:t>共享</a:t>
+            </a:r>
+            <a:r>
+              <a:rPr lang="zh-CN" altLang="zh-CN" dirty="0"/>
+              <a:t>。</a:t>
+            </a:r>
+          </a:p>
+          <a:p>
+            <a:r>
+              <a:rPr lang="zh-CN" altLang="zh-CN" dirty="0"/>
+              <a:t>注意：子进程在内存上是割裂的，本质上还是通过</a:t>
+            </a:r>
+            <a:r>
+              <a:rPr lang="zh-CN" altLang="zh-CN" dirty="0">
+                <a:highlight>
+                  <a:srgbClr val="FFFF00"/>
+                </a:highlight>
+              </a:rPr>
+              <a:t>文件</a:t>
+            </a:r>
+            <a:r>
+              <a:rPr lang="zh-CN" altLang="zh-CN" dirty="0"/>
+              <a:t>来协调的。</a:t>
+            </a:r>
+          </a:p>
+          <a:p>
+            <a:r>
+              <a:rPr lang="zh-CN" altLang="zh-CN" dirty="0"/>
+              <a:t>注意：加锁会</a:t>
+            </a:r>
+            <a:r>
+              <a:rPr lang="zh-CN" altLang="zh-CN" dirty="0">
+                <a:highlight>
+                  <a:srgbClr val="FFFF00"/>
+                </a:highlight>
+              </a:rPr>
+              <a:t>降低效率</a:t>
+            </a:r>
+            <a:r>
+              <a:rPr lang="zh-CN" altLang="zh-CN" dirty="0"/>
+              <a:t>，能不加锁尽量不加锁（查询不用加锁，降低成本）。</a:t>
             </a:r>
           </a:p>
           <a:p>
@@ -4089,7 +4234,7 @@
     </p:spTree>
     <p:extLst>
       <p:ext uri="{BB962C8B-B14F-4D97-AF65-F5344CB8AC3E}">
-        <p14:creationId xmlns:p14="http://schemas.microsoft.com/office/powerpoint/2010/main" val="1530780060"/>
+        <p14:creationId xmlns:p14="http://schemas.microsoft.com/office/powerpoint/2010/main" val="3778531797"/>
       </p:ext>
     </p:extLst>
   </p:cSld>
@@ -4121,7 +4266,7 @@
           <p:cNvPr id="3" name="内容占位符 2">
             <a:extLst>
               <a:ext uri="{FF2B5EF4-FFF2-40B4-BE49-F238E27FC236}">
-                <a16:creationId xmlns:a16="http://schemas.microsoft.com/office/drawing/2014/main" id="{09BF4A97-3867-4B54-94FB-E66637A4C515}"/>
+                <a16:creationId xmlns:a16="http://schemas.microsoft.com/office/drawing/2014/main" id="{B2015636-F4BE-477E-8E65-C083904A556D}"/>
               </a:ext>
             </a:extLst>
           </p:cNvPr>
@@ -4134,8 +4279,8 @@
         </p:nvSpPr>
         <p:spPr>
           <a:xfrm>
-            <a:off x="838200" y="735495"/>
-            <a:ext cx="10515600" cy="5178287"/>
+            <a:off x="838200" y="275119"/>
+            <a:ext cx="10515600" cy="6165437"/>
           </a:xfrm>
         </p:spPr>
         <p:txBody>
@@ -4145,64 +4290,203 @@
           <a:lstStyle/>
           <a:p>
             <a:r>
-              <a:rPr lang="zh-CN" altLang="zh-CN" dirty="0"/>
-              <a:t> 解决：消费者发信号告诉消费完毕</a:t>
-            </a:r>
-          </a:p>
-          <a:p>
-            <a:r>
-              <a:rPr lang="en-US" altLang="zh-CN" dirty="0" err="1"/>
-              <a:t>joinablequeue</a:t>
-            </a:r>
-            <a:r>
-              <a:rPr lang="zh-CN" altLang="zh-CN" dirty="0"/>
-              <a:t>：</a:t>
-            </a:r>
-          </a:p>
-          <a:p>
-            <a:r>
-              <a:rPr lang="zh-CN" altLang="zh-CN" dirty="0"/>
-              <a:t>方法：通过共享信号和条件变量来实现通知。</a:t>
-            </a:r>
-          </a:p>
-          <a:p>
-            <a:r>
-              <a:rPr lang="en-US" altLang="zh-CN" dirty="0" err="1"/>
-              <a:t>task_done</a:t>
-            </a:r>
-            <a:r>
-              <a:rPr lang="zh-CN" altLang="zh-CN" dirty="0"/>
-              <a:t>函数：允许数据的消费者通知生成者队列中的数据已经被全部处理。</a:t>
-            </a:r>
-          </a:p>
-          <a:p>
-            <a:r>
               <a:rPr lang="en-US" altLang="zh-CN" dirty="0"/>
-              <a:t>join</a:t>
-            </a:r>
-            <a:r>
-              <a:rPr lang="zh-CN" altLang="zh-CN" dirty="0"/>
-              <a:t>函数：生产者调用此方法进行阻塞，直到队列中所有的项目均被处理，即阻塞将持续到队列中的每个数据均调用q.task_done()方法为止。</a:t>
-            </a:r>
-          </a:p>
-          <a:p>
-            <a:r>
-              <a:rPr lang="zh-CN" altLang="zh-CN" dirty="0"/>
-              <a:t>注意：如果调用</a:t>
-            </a:r>
-            <a:r>
-              <a:rPr lang="en-US" altLang="zh-CN" dirty="0" err="1"/>
-              <a:t>task_done</a:t>
-            </a:r>
-            <a:r>
-              <a:rPr lang="zh-CN" altLang="zh-CN" dirty="0"/>
-              <a:t>的次数大于从队列中删除数据的数量，将引发ValueError异常</a:t>
-            </a:r>
-          </a:p>
-          <a:p>
-            <a:r>
-              <a:rPr lang="zh-CN" altLang="zh-CN" dirty="0"/>
-              <a:t>理解：类似于观察者模式</a:t>
+              <a:t>demo</a:t>
+            </a:r>
+            <a:r>
+              <a:rPr lang="zh-CN" altLang="zh-CN" dirty="0"/>
+              <a:t>：信号量。</a:t>
+            </a:r>
+          </a:p>
+          <a:p>
+            <a:r>
+              <a:rPr lang="zh-CN" altLang="zh-CN" dirty="0"/>
+              <a:t>方法：任务</a:t>
+            </a:r>
+            <a:r>
+              <a:rPr lang="zh-CN" altLang="en-US" dirty="0"/>
+              <a:t>函数需要传入</a:t>
+            </a:r>
+            <a:r>
+              <a:rPr lang="zh-CN" altLang="zh-CN" dirty="0"/>
+              <a:t>参数</a:t>
+            </a:r>
+            <a:r>
+              <a:rPr lang="zh-CN" altLang="zh-CN" dirty="0">
+                <a:highlight>
+                  <a:srgbClr val="FFFF00"/>
+                </a:highlight>
+              </a:rPr>
+              <a:t>信号量</a:t>
+            </a:r>
+            <a:r>
+              <a:rPr lang="en-US" altLang="zh-CN" dirty="0">
+                <a:highlight>
+                  <a:srgbClr val="FFFF00"/>
+                </a:highlight>
+              </a:rPr>
+              <a:t>semaphore</a:t>
+            </a:r>
+            <a:r>
+              <a:rPr lang="zh-CN" altLang="en-US" dirty="0">
+                <a:highlight>
+                  <a:srgbClr val="FFFF00"/>
+                </a:highlight>
+              </a:rPr>
+              <a:t>实例对象</a:t>
+            </a:r>
+            <a:r>
+              <a:rPr lang="zh-CN" altLang="zh-CN" dirty="0"/>
+              <a:t>。</a:t>
+            </a:r>
+          </a:p>
+          <a:p>
+            <a:r>
+              <a:rPr lang="en-US" altLang="zh-CN" dirty="0"/>
+              <a:t> </a:t>
+            </a:r>
+          </a:p>
+          <a:p>
+            <a:r>
+              <a:rPr lang="en-US" altLang="zh-CN" dirty="0"/>
+              <a:t>demo</a:t>
+            </a:r>
+            <a:r>
+              <a:rPr lang="zh-CN" altLang="zh-CN" dirty="0"/>
+              <a:t>：事件。</a:t>
+            </a:r>
+            <a:r>
+              <a:rPr lang="zh-CN" altLang="en-US" dirty="0"/>
+              <a:t>模拟</a:t>
+            </a:r>
+            <a:r>
+              <a:rPr lang="zh-CN" altLang="zh-CN" dirty="0"/>
+              <a:t>等待过十字路口。</a:t>
+            </a:r>
+            <a:endParaRPr lang="en-US" altLang="zh-CN" dirty="0"/>
+          </a:p>
+          <a:p>
+            <a:r>
+              <a:rPr lang="zh-CN" altLang="zh-CN" dirty="0"/>
+              <a:t>当事件没有发生（</a:t>
+            </a:r>
+            <a:r>
+              <a:rPr lang="zh-CN" altLang="en-US" dirty="0"/>
+              <a:t>未变为绿灯</a:t>
+            </a:r>
+            <a:r>
+              <a:rPr lang="zh-CN" altLang="zh-CN" dirty="0"/>
+              <a:t>）的时候，必须</a:t>
+            </a:r>
+            <a:r>
+              <a:rPr lang="en-US" altLang="zh-CN" dirty="0"/>
+              <a:t>wait</a:t>
+            </a:r>
+            <a:r>
+              <a:rPr lang="zh-CN" altLang="zh-CN" dirty="0"/>
+              <a:t>。</a:t>
+            </a:r>
+          </a:p>
+          <a:p>
+            <a:r>
+              <a:rPr lang="zh-CN" altLang="zh-CN" dirty="0"/>
+              <a:t>方法：任务函数是红绿灯，绿灯和红灯的持续时间是随机的。</a:t>
+            </a:r>
+          </a:p>
+          <a:p>
+            <a:r>
+              <a:rPr lang="zh-CN" altLang="zh-CN" dirty="0"/>
+              <a:t>注意：</a:t>
+            </a:r>
+            <a:endParaRPr lang="en-US" altLang="zh-CN" dirty="0"/>
+          </a:p>
+          <a:p>
+            <a:r>
+              <a:rPr lang="en-US" altLang="zh-CN" dirty="0"/>
+              <a:t>set</a:t>
+            </a:r>
+            <a:r>
+              <a:rPr lang="zh-CN" altLang="en-US" dirty="0"/>
+              <a:t>发起</a:t>
+            </a:r>
+            <a:r>
+              <a:rPr lang="zh-CN" altLang="zh-CN" dirty="0"/>
+              <a:t>事件（绿灯）</a:t>
+            </a:r>
+            <a:endParaRPr lang="en-US" altLang="zh-CN" dirty="0"/>
+          </a:p>
+          <a:p>
+            <a:r>
+              <a:rPr lang="en-US" altLang="zh-CN" dirty="0">
+                <a:highlight>
+                  <a:srgbClr val="FFFF00"/>
+                </a:highlight>
+              </a:rPr>
+              <a:t>clear</a:t>
+            </a:r>
+            <a:r>
+              <a:rPr lang="zh-CN" altLang="zh-CN" dirty="0">
+                <a:highlight>
+                  <a:srgbClr val="FFFF00"/>
+                </a:highlight>
+              </a:rPr>
+              <a:t>消除事件</a:t>
+            </a:r>
+            <a:r>
+              <a:rPr lang="zh-CN" altLang="zh-CN" dirty="0"/>
+              <a:t>，</a:t>
+            </a:r>
+            <a:r>
+              <a:rPr lang="zh-CN" altLang="en-US" dirty="0"/>
+              <a:t>重新</a:t>
+            </a:r>
+            <a:r>
+              <a:rPr lang="zh-CN" altLang="zh-CN" dirty="0"/>
+              <a:t>变成</a:t>
+            </a:r>
+            <a:r>
+              <a:rPr lang="zh-CN" altLang="en-US" dirty="0"/>
+              <a:t>不发生</a:t>
+            </a:r>
+            <a:r>
+              <a:rPr lang="zh-CN" altLang="zh-CN" dirty="0"/>
+              <a:t>（红灯）</a:t>
+            </a:r>
+          </a:p>
+          <a:p>
+            <a:r>
+              <a:rPr lang="en-US" altLang="zh-CN" dirty="0" err="1">
+                <a:highlight>
+                  <a:srgbClr val="FFFF00"/>
+                </a:highlight>
+              </a:rPr>
+              <a:t>is_set</a:t>
+            </a:r>
+            <a:r>
+              <a:rPr lang="zh-CN" altLang="en-US" dirty="0">
+                <a:highlight>
+                  <a:srgbClr val="FFFF00"/>
+                </a:highlight>
+              </a:rPr>
+              <a:t>属性</a:t>
+            </a:r>
+            <a:r>
+              <a:rPr lang="zh-CN" altLang="zh-CN" dirty="0"/>
+              <a:t>为</a:t>
+            </a:r>
+            <a:r>
+              <a:rPr lang="en-US" altLang="zh-CN" dirty="0"/>
+              <a:t>Ture</a:t>
+            </a:r>
+            <a:r>
+              <a:rPr lang="zh-CN" altLang="zh-CN" dirty="0"/>
+              <a:t>表示事件发生</a:t>
+            </a:r>
+          </a:p>
+          <a:p>
+            <a:r>
+              <a:rPr lang="zh-CN" altLang="zh-CN" dirty="0"/>
+              <a:t>注意：类似于观察者模式。会获取状态的信息。</a:t>
             </a:r>
           </a:p>
           <a:p>
@@ -4213,7 +4497,7 @@
     </p:spTree>
     <p:extLst>
       <p:ext uri="{BB962C8B-B14F-4D97-AF65-F5344CB8AC3E}">
-        <p14:creationId xmlns:p14="http://schemas.microsoft.com/office/powerpoint/2010/main" val="291042101"/>
+        <p14:creationId xmlns:p14="http://schemas.microsoft.com/office/powerpoint/2010/main" val="83351984"/>
       </p:ext>
     </p:extLst>
   </p:cSld>
@@ -4245,6 +4529,526 @@
           <p:cNvPr id="2" name="标题 1">
             <a:extLst>
               <a:ext uri="{FF2B5EF4-FFF2-40B4-BE49-F238E27FC236}">
+                <a16:creationId xmlns:a16="http://schemas.microsoft.com/office/drawing/2014/main" id="{F0531284-B6AF-4E82-9129-10658539B20E}"/>
+              </a:ext>
+            </a:extLst>
+          </p:cNvPr>
+          <p:cNvSpPr>
+            <a:spLocks noGrp="1"/>
+          </p:cNvSpPr>
+          <p:nvPr>
+            <p:ph type="title"/>
+          </p:nvPr>
+        </p:nvSpPr>
+        <p:spPr>
+          <a:xfrm>
+            <a:off x="0" y="464519"/>
+            <a:ext cx="12192000" cy="857386"/>
+          </a:xfrm>
+        </p:spPr>
+        <p:txBody>
+          <a:bodyPr>
+            <a:normAutofit fontScale="90000"/>
+          </a:bodyPr>
+          <a:lstStyle/>
+          <a:p>
+            <a:r>
+              <a:rPr lang="zh-CN" altLang="zh-CN" b="1" dirty="0"/>
+              <a:t>基于消息的</a:t>
+            </a:r>
+            <a:r>
+              <a:rPr lang="en-US" altLang="zh-CN" b="1" dirty="0"/>
+              <a:t>IPC</a:t>
+            </a:r>
+            <a:r>
+              <a:rPr lang="zh-CN" altLang="zh-CN" b="1" dirty="0"/>
+              <a:t>通讯机制</a:t>
+            </a:r>
+            <a:r>
+              <a:rPr lang="en-US" altLang="zh-CN" b="1" dirty="0"/>
+              <a:t>:</a:t>
+            </a:r>
+            <a:r>
+              <a:rPr lang="zh-CN" altLang="zh-CN" b="1" dirty="0"/>
+              <a:t>inter-process communication</a:t>
+            </a:r>
+            <a:endParaRPr lang="zh-CN" altLang="en-US" dirty="0"/>
+          </a:p>
+        </p:txBody>
+      </p:sp>
+      <p:sp>
+        <p:nvSpPr>
+          <p:cNvPr id="3" name="内容占位符 2">
+            <a:extLst>
+              <a:ext uri="{FF2B5EF4-FFF2-40B4-BE49-F238E27FC236}">
+                <a16:creationId xmlns:a16="http://schemas.microsoft.com/office/drawing/2014/main" id="{44F4A17F-9627-4F3C-9AE3-32A7730AA0B1}"/>
+              </a:ext>
+            </a:extLst>
+          </p:cNvPr>
+          <p:cNvSpPr>
+            <a:spLocks noGrp="1"/>
+          </p:cNvSpPr>
+          <p:nvPr>
+            <p:ph idx="1"/>
+          </p:nvPr>
+        </p:nvSpPr>
+        <p:spPr>
+          <a:xfrm>
+            <a:off x="639418" y="1321904"/>
+            <a:ext cx="11552582" cy="5536095"/>
+          </a:xfrm>
+        </p:spPr>
+        <p:txBody>
+          <a:bodyPr>
+            <a:normAutofit/>
+          </a:bodyPr>
+          <a:lstStyle/>
+          <a:p>
+            <a:pPr marL="0" indent="0">
+              <a:buNone/>
+            </a:pPr>
+            <a:r>
+              <a:rPr lang="zh-CN" altLang="zh-CN" b="1" dirty="0"/>
+              <a:t>队列：</a:t>
+            </a:r>
+            <a:r>
+              <a:rPr lang="en-US" altLang="zh-CN" b="1" dirty="0"/>
+              <a:t>python</a:t>
+            </a:r>
+            <a:r>
+              <a:rPr lang="zh-CN" altLang="en-US" b="1" dirty="0"/>
+              <a:t>提供的异任务进程间通讯的数据结构</a:t>
+            </a:r>
+            <a:endParaRPr lang="zh-CN" altLang="zh-CN" b="1" dirty="0"/>
+          </a:p>
+          <a:p>
+            <a:r>
+              <a:rPr lang="zh-CN" altLang="zh-CN" dirty="0"/>
+              <a:t>场景：</a:t>
+            </a:r>
+            <a:r>
+              <a:rPr lang="zh-CN" altLang="en-US" dirty="0"/>
+              <a:t>有执行不同的任务间需要相互通讯的需求。这些进程共同操作</a:t>
+            </a:r>
+            <a:r>
+              <a:rPr lang="en-US" altLang="zh-CN" dirty="0"/>
+              <a:t>queue</a:t>
+            </a:r>
+            <a:r>
+              <a:rPr lang="zh-CN" altLang="en-US" dirty="0"/>
+              <a:t>，</a:t>
+            </a:r>
+            <a:r>
+              <a:rPr lang="zh-CN" altLang="zh-CN" dirty="0"/>
+              <a:t>将源数据或者产生的新数据放入</a:t>
+            </a:r>
+            <a:r>
+              <a:rPr lang="en-US" altLang="zh-CN" dirty="0"/>
+              <a:t>queue</a:t>
+            </a:r>
+            <a:r>
+              <a:rPr lang="zh-CN" altLang="zh-CN" dirty="0"/>
+              <a:t>，队列</a:t>
+            </a:r>
+            <a:r>
+              <a:rPr lang="zh-CN" altLang="zh-CN" dirty="0">
+                <a:highlight>
+                  <a:srgbClr val="FFFF00"/>
+                </a:highlight>
+              </a:rPr>
+              <a:t>提供方法控制进程</a:t>
+            </a:r>
+            <a:r>
+              <a:rPr lang="zh-CN" altLang="zh-CN" dirty="0"/>
+              <a:t>。</a:t>
+            </a:r>
+          </a:p>
+          <a:p>
+            <a:r>
+              <a:rPr lang="zh-CN" altLang="en-US" dirty="0"/>
+              <a:t>类</a:t>
+            </a:r>
+            <a:r>
+              <a:rPr lang="zh-CN" altLang="zh-CN" dirty="0"/>
+              <a:t>参数：队列最大长度</a:t>
+            </a:r>
+          </a:p>
+          <a:p>
+            <a:r>
+              <a:rPr lang="zh-CN" altLang="zh-CN" dirty="0"/>
+              <a:t>方法：</a:t>
+            </a:r>
+          </a:p>
+          <a:p>
+            <a:r>
+              <a:rPr lang="en-US" altLang="zh-CN" dirty="0"/>
+              <a:t>put</a:t>
+            </a:r>
+            <a:r>
+              <a:rPr lang="zh-CN" altLang="zh-CN" dirty="0"/>
+              <a:t>插入数据</a:t>
+            </a:r>
+            <a:r>
+              <a:rPr lang="en-US" altLang="zh-CN" dirty="0"/>
+              <a:t> FULL ERROR</a:t>
+            </a:r>
+            <a:endParaRPr lang="zh-CN" altLang="zh-CN" dirty="0"/>
+          </a:p>
+          <a:p>
+            <a:r>
+              <a:rPr lang="en-US" altLang="zh-CN" dirty="0"/>
+              <a:t>get</a:t>
+            </a:r>
+            <a:r>
+              <a:rPr lang="zh-CN" altLang="zh-CN" dirty="0"/>
+              <a:t>读取并且删除</a:t>
+            </a:r>
+            <a:r>
+              <a:rPr lang="en-US" altLang="zh-CN" dirty="0"/>
+              <a:t> EMPTY ERROR</a:t>
+            </a:r>
+            <a:endParaRPr lang="zh-CN" altLang="zh-CN" dirty="0"/>
+          </a:p>
+          <a:p>
+            <a:r>
+              <a:rPr lang="zh-CN" altLang="zh-CN" dirty="0"/>
+              <a:t>任务队列：取任务。取完自动删除。队列机制保证</a:t>
+            </a:r>
+            <a:r>
+              <a:rPr lang="zh-CN" altLang="zh-CN" dirty="0">
+                <a:highlight>
+                  <a:srgbClr val="FFFF00"/>
+                </a:highlight>
+              </a:rPr>
+              <a:t>同一时间只能一个人取</a:t>
+            </a:r>
+          </a:p>
+          <a:p>
+            <a:r>
+              <a:rPr lang="zh-CN" altLang="zh-CN" dirty="0"/>
+              <a:t>结果队列：执行完插入数据，队列保证</a:t>
+            </a:r>
+            <a:r>
+              <a:rPr lang="zh-CN" altLang="zh-CN" dirty="0">
+                <a:highlight>
+                  <a:srgbClr val="FFFF00"/>
+                </a:highlight>
+              </a:rPr>
+              <a:t>同一时间只能一个人放</a:t>
+            </a:r>
+            <a:endParaRPr lang="zh-CN" altLang="zh-CN" dirty="0"/>
+          </a:p>
+          <a:p>
+            <a:r>
+              <a:rPr lang="en-US" altLang="zh-CN" dirty="0"/>
+              <a:t>demo</a:t>
+            </a:r>
+            <a:r>
+              <a:rPr lang="zh-CN" altLang="zh-CN" dirty="0"/>
+              <a:t>模型：生产者</a:t>
+            </a:r>
+            <a:r>
+              <a:rPr lang="en-US" altLang="zh-CN" dirty="0"/>
+              <a:t>-</a:t>
+            </a:r>
+            <a:r>
+              <a:rPr lang="zh-CN" altLang="zh-CN" dirty="0"/>
+              <a:t>消费者（数据）模型。</a:t>
+            </a:r>
+            <a:endParaRPr lang="zh-CN" altLang="en-US" dirty="0"/>
+          </a:p>
+        </p:txBody>
+      </p:sp>
+    </p:spTree>
+    <p:extLst>
+      <p:ext uri="{BB962C8B-B14F-4D97-AF65-F5344CB8AC3E}">
+        <p14:creationId xmlns:p14="http://schemas.microsoft.com/office/powerpoint/2010/main" val="3511870318"/>
+      </p:ext>
+    </p:extLst>
+  </p:cSld>
+  <p:clrMapOvr>
+    <a:masterClrMapping/>
+  </p:clrMapOvr>
+</p:sld>
+</file>
+
+<file path=ppt/slides/slide17.xml><?xml version="1.0" encoding="utf-8"?>
+<p:sld xmlns:a="http://schemas.openxmlformats.org/drawingml/2006/main" xmlns:r="http://schemas.openxmlformats.org/officeDocument/2006/relationships" xmlns:p="http://schemas.openxmlformats.org/presentationml/2006/main">
+  <p:cSld>
+    <p:spTree>
+      <p:nvGrpSpPr>
+        <p:cNvPr id="1" name=""/>
+        <p:cNvGrpSpPr/>
+        <p:nvPr/>
+      </p:nvGrpSpPr>
+      <p:grpSpPr>
+        <a:xfrm>
+          <a:off x="0" y="0"/>
+          <a:ext cx="0" cy="0"/>
+          <a:chOff x="0" y="0"/>
+          <a:chExt cx="0" cy="0"/>
+        </a:xfrm>
+      </p:grpSpPr>
+      <p:sp>
+        <p:nvSpPr>
+          <p:cNvPr id="3" name="内容占位符 2">
+            <a:extLst>
+              <a:ext uri="{FF2B5EF4-FFF2-40B4-BE49-F238E27FC236}">
+                <a16:creationId xmlns:a16="http://schemas.microsoft.com/office/drawing/2014/main" id="{0E307157-CE25-4FAB-B137-51B6CD90B1B3}"/>
+              </a:ext>
+            </a:extLst>
+          </p:cNvPr>
+          <p:cNvSpPr>
+            <a:spLocks noGrp="1"/>
+          </p:cNvSpPr>
+          <p:nvPr>
+            <p:ph idx="1"/>
+          </p:nvPr>
+        </p:nvSpPr>
+        <p:spPr/>
+        <p:txBody>
+          <a:bodyPr/>
+          <a:lstStyle/>
+          <a:p>
+            <a:r>
+              <a:rPr lang="zh-CN" altLang="zh-CN" dirty="0"/>
+              <a:t>痛点：怎么解决两者不协调，一直在等（工人数大于任务数，工人没有完成任务会一直等）</a:t>
+            </a:r>
+          </a:p>
+          <a:p>
+            <a:r>
+              <a:rPr lang="zh-CN" altLang="zh-CN" dirty="0"/>
+              <a:t>解决：生产者给消费者发送标记（结束信号），主动告诉消费者不再生产了，别再等了。或者在主进程里发送标记。消费者要及时检查状态，如果结束了，就不再等了。</a:t>
+            </a:r>
+          </a:p>
+          <a:p>
+            <a:r>
+              <a:rPr lang="zh-CN" altLang="zh-CN" dirty="0"/>
+              <a:t>注意：</a:t>
+            </a:r>
+            <a:r>
+              <a:rPr lang="zh-CN" altLang="zh-CN" dirty="0">
+                <a:highlight>
+                  <a:srgbClr val="FFFF00"/>
+                </a:highlight>
+              </a:rPr>
+              <a:t>要为每个消费者放入一个标记</a:t>
+            </a:r>
+            <a:r>
+              <a:rPr lang="zh-CN" altLang="zh-CN" dirty="0"/>
+              <a:t>。</a:t>
+            </a:r>
+          </a:p>
+          <a:p>
+            <a:endParaRPr lang="zh-CN" altLang="en-US" dirty="0"/>
+          </a:p>
+        </p:txBody>
+      </p:sp>
+    </p:spTree>
+    <p:extLst>
+      <p:ext uri="{BB962C8B-B14F-4D97-AF65-F5344CB8AC3E}">
+        <p14:creationId xmlns:p14="http://schemas.microsoft.com/office/powerpoint/2010/main" val="1530780060"/>
+      </p:ext>
+    </p:extLst>
+  </p:cSld>
+  <p:clrMapOvr>
+    <a:masterClrMapping/>
+  </p:clrMapOvr>
+</p:sld>
+</file>
+
+<file path=ppt/slides/slide18.xml><?xml version="1.0" encoding="utf-8"?>
+<p:sld xmlns:a="http://schemas.openxmlformats.org/drawingml/2006/main" xmlns:r="http://schemas.openxmlformats.org/officeDocument/2006/relationships" xmlns:p="http://schemas.openxmlformats.org/presentationml/2006/main">
+  <p:cSld>
+    <p:spTree>
+      <p:nvGrpSpPr>
+        <p:cNvPr id="1" name=""/>
+        <p:cNvGrpSpPr/>
+        <p:nvPr/>
+      </p:nvGrpSpPr>
+      <p:grpSpPr>
+        <a:xfrm>
+          <a:off x="0" y="0"/>
+          <a:ext cx="0" cy="0"/>
+          <a:chOff x="0" y="0"/>
+          <a:chExt cx="0" cy="0"/>
+        </a:xfrm>
+      </p:grpSpPr>
+      <p:sp>
+        <p:nvSpPr>
+          <p:cNvPr id="3" name="内容占位符 2">
+            <a:extLst>
+              <a:ext uri="{FF2B5EF4-FFF2-40B4-BE49-F238E27FC236}">
+                <a16:creationId xmlns:a16="http://schemas.microsoft.com/office/drawing/2014/main" id="{09BF4A97-3867-4B54-94FB-E66637A4C515}"/>
+              </a:ext>
+            </a:extLst>
+          </p:cNvPr>
+          <p:cNvSpPr>
+            <a:spLocks noGrp="1"/>
+          </p:cNvSpPr>
+          <p:nvPr>
+            <p:ph idx="1"/>
+          </p:nvPr>
+        </p:nvSpPr>
+        <p:spPr>
+          <a:xfrm>
+            <a:off x="838200" y="735495"/>
+            <a:ext cx="10515600" cy="5178287"/>
+          </a:xfrm>
+        </p:spPr>
+        <p:txBody>
+          <a:bodyPr>
+            <a:normAutofit/>
+          </a:bodyPr>
+          <a:lstStyle/>
+          <a:p>
+            <a:r>
+              <a:rPr lang="en-US" altLang="zh-CN" dirty="0" err="1"/>
+              <a:t>joinablequeue</a:t>
+            </a:r>
+            <a:r>
+              <a:rPr lang="zh-CN" altLang="zh-CN" dirty="0"/>
+              <a:t>：</a:t>
+            </a:r>
+            <a:endParaRPr lang="en-US" altLang="zh-CN" dirty="0"/>
+          </a:p>
+          <a:p>
+            <a:r>
+              <a:rPr lang="zh-CN" altLang="zh-CN" dirty="0"/>
+              <a:t>解决：消费者</a:t>
+            </a:r>
+            <a:r>
+              <a:rPr lang="zh-CN" altLang="en-US" dirty="0"/>
+              <a:t>主动</a:t>
+            </a:r>
+            <a:r>
+              <a:rPr lang="zh-CN" altLang="zh-CN" dirty="0"/>
+              <a:t>发信号告诉</a:t>
+            </a:r>
+            <a:r>
+              <a:rPr lang="zh-CN" altLang="en-US" dirty="0"/>
+              <a:t>生产者</a:t>
+            </a:r>
+            <a:r>
+              <a:rPr lang="zh-CN" altLang="zh-CN" dirty="0"/>
+              <a:t>消费完毕</a:t>
+            </a:r>
+          </a:p>
+          <a:p>
+            <a:r>
+              <a:rPr lang="zh-CN" altLang="zh-CN" dirty="0"/>
+              <a:t>方法：通过共享信号和条件变量来实现通知。</a:t>
+            </a:r>
+          </a:p>
+          <a:p>
+            <a:r>
+              <a:rPr lang="en-US" altLang="zh-CN" dirty="0" err="1"/>
+              <a:t>task_done</a:t>
+            </a:r>
+            <a:r>
+              <a:rPr lang="zh-CN" altLang="zh-CN" dirty="0"/>
+              <a:t>函数：允许数据的消费者</a:t>
+            </a:r>
+            <a:r>
+              <a:rPr lang="zh-CN" altLang="zh-CN" dirty="0">
+                <a:highlight>
+                  <a:srgbClr val="FFFF00"/>
+                </a:highlight>
+              </a:rPr>
+              <a:t>通知生成者</a:t>
+            </a:r>
+            <a:r>
+              <a:rPr lang="zh-CN" altLang="zh-CN" dirty="0"/>
+              <a:t>队列中的数据已经被全部处理。</a:t>
+            </a:r>
+          </a:p>
+          <a:p>
+            <a:r>
+              <a:rPr lang="en-US" altLang="zh-CN" dirty="0"/>
+              <a:t>join</a:t>
+            </a:r>
+            <a:r>
+              <a:rPr lang="zh-CN" altLang="zh-CN" dirty="0"/>
+              <a:t>函数：</a:t>
+            </a:r>
+            <a:r>
+              <a:rPr lang="zh-CN" altLang="zh-CN" dirty="0">
+                <a:highlight>
+                  <a:srgbClr val="FFFF00"/>
+                </a:highlight>
+              </a:rPr>
+              <a:t>生产者调用此方法进行阻塞</a:t>
+            </a:r>
+            <a:r>
+              <a:rPr lang="zh-CN" altLang="zh-CN" dirty="0"/>
+              <a:t>，直到队列中所有的项目均被处理，即阻塞将持续到队列中的每个数据均调用q.task_done()方法为止。</a:t>
+            </a:r>
+          </a:p>
+          <a:p>
+            <a:r>
+              <a:rPr lang="zh-CN" altLang="zh-CN" dirty="0"/>
+              <a:t>注意：如果调用</a:t>
+            </a:r>
+            <a:r>
+              <a:rPr lang="en-US" altLang="zh-CN" dirty="0" err="1"/>
+              <a:t>task_done</a:t>
+            </a:r>
+            <a:r>
+              <a:rPr lang="zh-CN" altLang="zh-CN" dirty="0"/>
+              <a:t>的次数大于从队列中删除数据的数量，将引发ValueError异常</a:t>
+            </a:r>
+          </a:p>
+          <a:p>
+            <a:r>
+              <a:rPr lang="zh-CN" altLang="zh-CN" dirty="0"/>
+              <a:t>理解：类似于观察者模式</a:t>
+            </a:r>
+            <a:r>
+              <a:rPr lang="zh-CN" altLang="en-US" dirty="0"/>
+              <a:t>，生产者和消费者之间是相互观察的。</a:t>
+            </a:r>
+            <a:endParaRPr lang="zh-CN" altLang="zh-CN" dirty="0"/>
+          </a:p>
+          <a:p>
+            <a:endParaRPr lang="zh-CN" altLang="en-US" dirty="0"/>
+          </a:p>
+        </p:txBody>
+      </p:sp>
+    </p:spTree>
+    <p:extLst>
+      <p:ext uri="{BB962C8B-B14F-4D97-AF65-F5344CB8AC3E}">
+        <p14:creationId xmlns:p14="http://schemas.microsoft.com/office/powerpoint/2010/main" val="291042101"/>
+      </p:ext>
+    </p:extLst>
+  </p:cSld>
+  <p:clrMapOvr>
+    <a:masterClrMapping/>
+  </p:clrMapOvr>
+</p:sld>
+</file>
+
+<file path=ppt/slides/slide19.xml><?xml version="1.0" encoding="utf-8"?>
+<p:sld xmlns:a="http://schemas.openxmlformats.org/drawingml/2006/main" xmlns:r="http://schemas.openxmlformats.org/officeDocument/2006/relationships" xmlns:p="http://schemas.openxmlformats.org/presentationml/2006/main">
+  <p:cSld>
+    <p:spTree>
+      <p:nvGrpSpPr>
+        <p:cNvPr id="1" name=""/>
+        <p:cNvGrpSpPr/>
+        <p:nvPr/>
+      </p:nvGrpSpPr>
+      <p:grpSpPr>
+        <a:xfrm>
+          <a:off x="0" y="0"/>
+          <a:ext cx="0" cy="0"/>
+          <a:chOff x="0" y="0"/>
+          <a:chExt cx="0" cy="0"/>
+        </a:xfrm>
+      </p:grpSpPr>
+      <p:sp>
+        <p:nvSpPr>
+          <p:cNvPr id="2" name="标题 1">
+            <a:extLst>
+              <a:ext uri="{FF2B5EF4-FFF2-40B4-BE49-F238E27FC236}">
                 <a16:creationId xmlns:a16="http://schemas.microsoft.com/office/drawing/2014/main" id="{35ABE759-65C6-4017-BB58-5B16D0ECBD3D}"/>
               </a:ext>
             </a:extLst>
@@ -4268,12 +5072,89 @@
           </a:p>
         </p:txBody>
       </p:sp>
+      <p:sp>
+        <p:nvSpPr>
+          <p:cNvPr id="3" name="矩形 2">
+            <a:extLst>
+              <a:ext uri="{FF2B5EF4-FFF2-40B4-BE49-F238E27FC236}">
+                <a16:creationId xmlns:a16="http://schemas.microsoft.com/office/drawing/2014/main" id="{12E021EC-4051-41E5-8301-7B1CA78DB17D}"/>
+              </a:ext>
+            </a:extLst>
+          </p:cNvPr>
+          <p:cNvSpPr/>
+          <p:nvPr/>
+        </p:nvSpPr>
+        <p:spPr>
+          <a:xfrm>
+            <a:off x="1637272" y="3429000"/>
+            <a:ext cx="5111398" cy="1200329"/>
+          </a:xfrm>
+          <a:prstGeom prst="rect">
+            <a:avLst/>
+          </a:prstGeom>
+        </p:spPr>
+        <p:txBody>
+          <a:bodyPr wrap="square">
+            <a:spAutoFit/>
+          </a:bodyPr>
+          <a:lstStyle/>
+          <a:p>
+            <a:r>
+              <a:rPr lang="en-US" altLang="zh-CN" sz="3600" b="1" dirty="0" err="1">
+                <a:highlight>
+                  <a:srgbClr val="FFFF00"/>
+                </a:highlight>
+                <a:latin typeface="微软雅黑" panose="020B0503020204020204" pitchFamily="34" charset="-122"/>
+                <a:ea typeface="微软雅黑" panose="020B0503020204020204" pitchFamily="34" charset="-122"/>
+              </a:rPr>
+              <a:t>Github</a:t>
+            </a:r>
+            <a:r>
+              <a:rPr lang="en-US" altLang="zh-CN" sz="3600" b="1" dirty="0">
+                <a:highlight>
+                  <a:srgbClr val="FFFF00"/>
+                </a:highlight>
+                <a:latin typeface="微软雅黑" panose="020B0503020204020204" pitchFamily="34" charset="-122"/>
+                <a:ea typeface="微软雅黑" panose="020B0503020204020204" pitchFamily="34" charset="-122"/>
+              </a:rPr>
+              <a:t> repository</a:t>
+            </a:r>
+            <a:r>
+              <a:rPr lang="zh-CN" altLang="en-US" sz="3600" b="1" dirty="0">
+                <a:highlight>
+                  <a:srgbClr val="FFFF00"/>
+                </a:highlight>
+                <a:latin typeface="微软雅黑" panose="020B0503020204020204" pitchFamily="34" charset="-122"/>
+                <a:ea typeface="微软雅黑" panose="020B0503020204020204" pitchFamily="34" charset="-122"/>
+              </a:rPr>
+              <a:t>：</a:t>
+            </a:r>
+            <a:r>
+              <a:rPr lang="en-US" altLang="zh-CN" sz="3600" b="1" u="sng" dirty="0" err="1">
+                <a:highlight>
+                  <a:srgbClr val="FFFF00"/>
+                </a:highlight>
+                <a:latin typeface="微软雅黑" panose="020B0503020204020204" pitchFamily="34" charset="-122"/>
+                <a:ea typeface="微软雅黑" panose="020B0503020204020204" pitchFamily="34" charset="-122"/>
+              </a:rPr>
+              <a:t>pengbeifudao</a:t>
+            </a:r>
+            <a:endParaRPr lang="en-US" altLang="zh-CN" sz="3600" b="1" u="sng" dirty="0">
+              <a:highlight>
+                <a:srgbClr val="FFFF00"/>
+              </a:highlight>
+              <a:latin typeface="微软雅黑" panose="020B0503020204020204" pitchFamily="34" charset="-122"/>
+              <a:ea typeface="微软雅黑" panose="020B0503020204020204" pitchFamily="34" charset="-122"/>
+            </a:endParaRPr>
+          </a:p>
+        </p:txBody>
+      </p:sp>
       <p:pic>
         <p:nvPicPr>
-          <p:cNvPr id="5" name="内容占位符 4">
+          <p:cNvPr id="10" name="内容占位符 9">
             <a:extLst>
               <a:ext uri="{FF2B5EF4-FFF2-40B4-BE49-F238E27FC236}">
-                <a16:creationId xmlns:a16="http://schemas.microsoft.com/office/drawing/2014/main" id="{58E8701C-B370-44BC-A997-19C22FC3029E}"/>
+                <a16:creationId xmlns:a16="http://schemas.microsoft.com/office/drawing/2014/main" id="{CED1ABAF-2494-4C59-9538-516F9D5BAADB}"/>
               </a:ext>
             </a:extLst>
           </p:cNvPr>
@@ -4298,88 +5179,11 @@
         </p:blipFill>
         <p:spPr>
           <a:xfrm>
-            <a:off x="7002462" y="1954834"/>
-            <a:ext cx="4351338" cy="4351338"/>
+            <a:off x="7190305" y="1491178"/>
+            <a:ext cx="5001695" cy="5001695"/>
           </a:xfrm>
         </p:spPr>
       </p:pic>
-      <p:sp>
-        <p:nvSpPr>
-          <p:cNvPr id="3" name="矩形 2">
-            <a:extLst>
-              <a:ext uri="{FF2B5EF4-FFF2-40B4-BE49-F238E27FC236}">
-                <a16:creationId xmlns:a16="http://schemas.microsoft.com/office/drawing/2014/main" id="{12E021EC-4051-41E5-8301-7B1CA78DB17D}"/>
-              </a:ext>
-            </a:extLst>
-          </p:cNvPr>
-          <p:cNvSpPr/>
-          <p:nvPr/>
-        </p:nvSpPr>
-        <p:spPr>
-          <a:xfrm>
-            <a:off x="1637272" y="3429000"/>
-            <a:ext cx="5111398" cy="1200329"/>
-          </a:xfrm>
-          <a:prstGeom prst="rect">
-            <a:avLst/>
-          </a:prstGeom>
-        </p:spPr>
-        <p:txBody>
-          <a:bodyPr wrap="square">
-            <a:spAutoFit/>
-          </a:bodyPr>
-          <a:lstStyle/>
-          <a:p>
-            <a:r>
-              <a:rPr lang="en-US" altLang="zh-CN" sz="3600" b="1" dirty="0" err="1">
-                <a:highlight>
-                  <a:srgbClr val="FFFF00"/>
-                </a:highlight>
-                <a:latin typeface="微软雅黑" panose="020B0503020204020204" pitchFamily="34" charset="-122"/>
-                <a:ea typeface="微软雅黑" panose="020B0503020204020204" pitchFamily="34" charset="-122"/>
-              </a:rPr>
-              <a:t>Github</a:t>
-            </a:r>
-            <a:r>
-              <a:rPr lang="en-US" altLang="zh-CN" sz="3600" b="1" dirty="0">
-                <a:highlight>
-                  <a:srgbClr val="FFFF00"/>
-                </a:highlight>
-                <a:latin typeface="微软雅黑" panose="020B0503020204020204" pitchFamily="34" charset="-122"/>
-                <a:ea typeface="微软雅黑" panose="020B0503020204020204" pitchFamily="34" charset="-122"/>
-              </a:rPr>
-              <a:t> repository</a:t>
-            </a:r>
-            <a:r>
-              <a:rPr lang="zh-CN" altLang="en-US" sz="3600" b="1" dirty="0">
-                <a:highlight>
-                  <a:srgbClr val="FFFF00"/>
-                </a:highlight>
-                <a:latin typeface="微软雅黑" panose="020B0503020204020204" pitchFamily="34" charset="-122"/>
-                <a:ea typeface="微软雅黑" panose="020B0503020204020204" pitchFamily="34" charset="-122"/>
-              </a:rPr>
-              <a:t>：</a:t>
-            </a:r>
-            <a:r>
-              <a:rPr lang="en-US" altLang="zh-CN" sz="3600" b="1" u="sng" dirty="0" err="1">
-                <a:highlight>
-                  <a:srgbClr val="FFFF00"/>
-                </a:highlight>
-                <a:latin typeface="微软雅黑" panose="020B0503020204020204" pitchFamily="34" charset="-122"/>
-                <a:ea typeface="微软雅黑" panose="020B0503020204020204" pitchFamily="34" charset="-122"/>
-              </a:rPr>
-              <a:t>pengbeifudao</a:t>
-            </a:r>
-            <a:endParaRPr lang="en-US" altLang="zh-CN" sz="3600" b="1" u="sng" dirty="0">
-              <a:highlight>
-                <a:srgbClr val="FFFF00"/>
-              </a:highlight>
-              <a:latin typeface="微软雅黑" panose="020B0503020204020204" pitchFamily="34" charset="-122"/>
-              <a:ea typeface="微软雅黑" panose="020B0503020204020204" pitchFamily="34" charset="-122"/>
-            </a:endParaRPr>
-          </a:p>
-        </p:txBody>
-      </p:sp>
     </p:spTree>
     <p:extLst>
       <p:ext uri="{BB962C8B-B14F-4D97-AF65-F5344CB8AC3E}">
@@ -4415,7 +5219,7 @@
           <p:cNvPr id="2" name="标题 1">
             <a:extLst>
               <a:ext uri="{FF2B5EF4-FFF2-40B4-BE49-F238E27FC236}">
-                <a16:creationId xmlns:a16="http://schemas.microsoft.com/office/drawing/2014/main" id="{DE36963B-B8AA-4927-9456-F76329B842DD}"/>
+                <a16:creationId xmlns:a16="http://schemas.microsoft.com/office/drawing/2014/main" id="{53DDA9E7-2284-476F-8178-3E75AE08332F}"/>
               </a:ext>
             </a:extLst>
           </p:cNvPr>
@@ -4426,22 +5230,19 @@
             <p:ph type="title"/>
           </p:nvPr>
         </p:nvSpPr>
-        <p:spPr/>
+        <p:spPr>
+          <a:xfrm>
+            <a:off x="838200" y="248478"/>
+            <a:ext cx="10515600" cy="1325563"/>
+          </a:xfrm>
+        </p:spPr>
         <p:txBody>
           <a:bodyPr/>
           <a:lstStyle/>
           <a:p>
             <a:r>
-              <a:rPr lang="zh-CN" altLang="zh-CN" b="1" dirty="0"/>
-              <a:t>进程</a:t>
-            </a:r>
-            <a:r>
-              <a:rPr lang="en-US" altLang="zh-CN" b="1" dirty="0"/>
-              <a:t>process</a:t>
-            </a:r>
-            <a:r>
-              <a:rPr lang="zh-CN" altLang="zh-CN" b="1" dirty="0"/>
-              <a:t>：</a:t>
+              <a:rPr lang="zh-CN" altLang="en-US" dirty="0"/>
+              <a:t>进程和线程</a:t>
             </a:r>
           </a:p>
         </p:txBody>
@@ -4451,7 +5252,7 @@
           <p:cNvPr id="3" name="内容占位符 2">
             <a:extLst>
               <a:ext uri="{FF2B5EF4-FFF2-40B4-BE49-F238E27FC236}">
-                <a16:creationId xmlns:a16="http://schemas.microsoft.com/office/drawing/2014/main" id="{D890B757-4A7D-48DD-8CEF-D39F87DCD7C2}"/>
+                <a16:creationId xmlns:a16="http://schemas.microsoft.com/office/drawing/2014/main" id="{FD9AF1E0-3B30-4893-BFC8-4E1D7A791629}"/>
               </a:ext>
             </a:extLst>
           </p:cNvPr>
@@ -4464,8 +5265,8 @@
         </p:nvSpPr>
         <p:spPr>
           <a:xfrm>
-            <a:off x="838200" y="1825624"/>
-            <a:ext cx="10515600" cy="5032375"/>
+            <a:off x="838200" y="1699592"/>
+            <a:ext cx="10515600" cy="4383156"/>
           </a:xfrm>
         </p:spPr>
         <p:txBody>
@@ -4476,147 +5277,71 @@
           <a:p>
             <a:r>
               <a:rPr lang="zh-CN" altLang="zh-CN" dirty="0"/>
-              <a:t>进程号</a:t>
-            </a:r>
-            <a:r>
-              <a:rPr lang="en-US" altLang="zh-CN" dirty="0" err="1"/>
-              <a:t>os.getid</a:t>
+              <a:t>进程</a:t>
             </a:r>
             <a:r>
               <a:rPr lang="en-US" altLang="zh-CN" dirty="0"/>
-              <a:t>()</a:t>
-            </a:r>
-            <a:r>
-              <a:rPr lang="zh-CN" altLang="zh-CN" dirty="0"/>
-              <a:t>，和端口号匹配。</a:t>
-            </a:r>
-          </a:p>
-          <a:p>
-            <a:r>
-              <a:rPr lang="zh-CN" altLang="zh-CN" dirty="0"/>
-              <a:t>孤儿进程：</a:t>
-            </a:r>
-          </a:p>
-          <a:p>
-            <a:r>
-              <a:rPr lang="zh-CN" altLang="zh-CN" dirty="0"/>
-              <a:t>一个进程（零进程）</a:t>
-            </a:r>
-            <a:r>
-              <a:rPr lang="en-US" altLang="zh-CN" dirty="0"/>
-              <a:t>----</a:t>
-            </a:r>
-            <a:r>
-              <a:rPr lang="en-US" altLang="zh-CN" dirty="0" err="1"/>
-              <a:t>linux</a:t>
-            </a:r>
-            <a:r>
-              <a:rPr lang="zh-CN" altLang="zh-CN" dirty="0"/>
-              <a:t>，</a:t>
-            </a:r>
-            <a:r>
-              <a:rPr lang="en-US" altLang="zh-CN" dirty="0"/>
-              <a:t>fork</a:t>
-            </a:r>
-            <a:r>
-              <a:rPr lang="zh-CN" altLang="zh-CN" dirty="0"/>
-              <a:t>分叉</a:t>
-            </a:r>
-            <a:r>
-              <a:rPr lang="en-US" altLang="zh-CN" dirty="0"/>
-              <a:t>---</a:t>
-            </a:r>
-            <a:r>
-              <a:rPr lang="zh-CN" altLang="zh-CN" dirty="0"/>
-              <a:t>父进程，子进程</a:t>
-            </a:r>
-            <a:r>
-              <a:rPr lang="en-US" altLang="zh-CN" dirty="0"/>
-              <a:t>---</a:t>
-            </a:r>
-            <a:r>
-              <a:rPr lang="zh-CN" altLang="zh-CN" dirty="0"/>
-              <a:t>父进程启动子进程后，提前结束停止</a:t>
-            </a:r>
-            <a:r>
-              <a:rPr lang="en-US" altLang="zh-CN" dirty="0"/>
-              <a:t>---OS</a:t>
-            </a:r>
-            <a:r>
-              <a:rPr lang="zh-CN" altLang="zh-CN" dirty="0"/>
-              <a:t>接管子进程（</a:t>
-            </a:r>
-            <a:r>
-              <a:rPr lang="en-US" altLang="zh-CN" dirty="0" err="1"/>
-              <a:t>linux</a:t>
-            </a:r>
-            <a:r>
-              <a:rPr lang="zh-CN" altLang="zh-CN" dirty="0"/>
-              <a:t>中</a:t>
-            </a:r>
-            <a:r>
-              <a:rPr lang="en-US" altLang="zh-CN" dirty="0" err="1"/>
-              <a:t>init</a:t>
-            </a:r>
-            <a:r>
-              <a:rPr lang="zh-CN" altLang="zh-CN" dirty="0"/>
-              <a:t>零进程），待子进程结束后，消除信息（描述符）。因此，不用担心，有</a:t>
+              <a:t>process</a:t>
+            </a:r>
+            <a:r>
+              <a:rPr lang="zh-CN" altLang="zh-CN" dirty="0"/>
+              <a:t>：操作系统</a:t>
             </a:r>
             <a:r>
               <a:rPr lang="en-US" altLang="zh-CN" dirty="0"/>
               <a:t>OS</a:t>
             </a:r>
             <a:r>
-              <a:rPr lang="zh-CN" altLang="zh-CN" dirty="0"/>
-              <a:t>。</a:t>
-            </a:r>
-          </a:p>
-          <a:p>
-            <a:r>
-              <a:rPr lang="zh-CN" altLang="zh-CN" dirty="0"/>
-              <a:t>僵尸进程：</a:t>
-            </a:r>
-            <a:endParaRPr lang="en-US" altLang="zh-CN" dirty="0"/>
-          </a:p>
-          <a:p>
-            <a:r>
-              <a:rPr lang="zh-CN" altLang="zh-CN" dirty="0"/>
-              <a:t>父进程启动子进程</a:t>
+              <a:rPr lang="zh-CN" altLang="zh-CN" dirty="0">
+                <a:highlight>
+                  <a:srgbClr val="FFFF00"/>
+                </a:highlight>
+              </a:rPr>
+              <a:t>分配资源（内存）</a:t>
+            </a:r>
+            <a:r>
+              <a:rPr lang="zh-CN" altLang="zh-CN" dirty="0"/>
+              <a:t>的基本单位。任务管理器中是一行。</a:t>
+            </a:r>
+          </a:p>
+          <a:p>
+            <a:r>
+              <a:rPr lang="zh-CN" altLang="zh-CN" dirty="0"/>
+              <a:t>线程</a:t>
             </a:r>
             <a:r>
               <a:rPr lang="en-US" altLang="zh-CN" dirty="0"/>
-              <a:t>---</a:t>
-            </a:r>
-            <a:r>
-              <a:rPr lang="zh-CN" altLang="zh-CN" dirty="0"/>
-              <a:t>子进程很快执行完毕，退出</a:t>
-            </a:r>
-            <a:r>
-              <a:rPr lang="en-US" altLang="zh-CN" dirty="0"/>
-              <a:t>---</a:t>
-            </a:r>
-            <a:r>
-              <a:rPr lang="zh-CN" altLang="zh-CN" dirty="0"/>
-              <a:t>父进程没有用wait或waitoid获取子进程的状态信息，消除子进程的信息，信息一致保存在内存中，可能拖垮</a:t>
-            </a:r>
-            <a:r>
-              <a:rPr lang="en-US" altLang="zh-CN" dirty="0"/>
-              <a:t>OS</a:t>
-            </a:r>
-            <a:r>
-              <a:rPr lang="zh-CN" altLang="zh-CN" dirty="0"/>
-              <a:t>。（但是</a:t>
-            </a:r>
-            <a:r>
-              <a:rPr lang="en-US" altLang="zh-CN" dirty="0"/>
-              <a:t>python</a:t>
-            </a:r>
-            <a:r>
-              <a:rPr lang="zh-CN" altLang="zh-CN" dirty="0"/>
-              <a:t>大部分情况会清除信息！！！）这样的子进程叫做僵尸进程。</a:t>
-            </a:r>
-          </a:p>
-          <a:p>
+              <a:t>thread</a:t>
+            </a:r>
+            <a:r>
+              <a:rPr lang="zh-CN" altLang="zh-CN" dirty="0"/>
+              <a:t>：</a:t>
+            </a:r>
+            <a:r>
+              <a:rPr lang="en-US" altLang="zh-CN" dirty="0">
+                <a:highlight>
+                  <a:srgbClr val="FFFF00"/>
+                </a:highlight>
+              </a:rPr>
+              <a:t>CPU</a:t>
+            </a:r>
+            <a:r>
+              <a:rPr lang="zh-CN" altLang="zh-CN" dirty="0">
+                <a:highlight>
+                  <a:srgbClr val="FFFF00"/>
+                </a:highlight>
+              </a:rPr>
+              <a:t>调度和分派</a:t>
+            </a:r>
+            <a:r>
+              <a:rPr lang="zh-CN" altLang="zh-CN" dirty="0"/>
+              <a:t>的基本单位。</a:t>
+            </a:r>
+          </a:p>
+          <a:p>
+            <a:pPr marL="0" indent="0">
+              <a:buNone/>
+            </a:pPr>
             <a:endParaRPr lang="zh-CN" altLang="en-US" dirty="0"/>
           </a:p>
         </p:txBody>
@@ -4624,7 +5349,7 @@
     </p:spTree>
     <p:extLst>
       <p:ext uri="{BB962C8B-B14F-4D97-AF65-F5344CB8AC3E}">
-        <p14:creationId xmlns:p14="http://schemas.microsoft.com/office/powerpoint/2010/main" val="3864424469"/>
+        <p14:creationId xmlns:p14="http://schemas.microsoft.com/office/powerpoint/2010/main" val="880360588"/>
       </p:ext>
     </p:extLst>
   </p:cSld>
@@ -4651,147 +5376,175 @@
           <a:chExt cx="0" cy="0"/>
         </a:xfrm>
       </p:grpSpPr>
-      <p:sp>
-        <p:nvSpPr>
-          <p:cNvPr id="2" name="标题 1">
+      <p:pic>
+        <p:nvPicPr>
+          <p:cNvPr id="2052" name="Picture 4" descr="进 程 和 线 程 的 比 较 &#10;对 比 维 度 &#10;数 据 共 享 、 &#10;同 步 &#10;内 存 、 CPU &#10;创 建 销 毁 、 &#10;切 换 &#10;多 进 程 &#10;数 据 共 享 复 杂 ， 需 要 用 《 pc ； &#10;数 据 是 分 开 的 ， 同 步 简 单 &#10;占 用 内 存 多 ， 切 换 复 杂 ， CPU 利 用 率 低 &#10;创 建 销 毁 、 切 换 复 杂 ， 速 度 慢 &#10;编 程 、 调 试 编 程 简 单 ， 调 试 简 单 &#10;可 靠 性 &#10;分 布 式 &#10;进 程 间 不 会 互 相 影 响 &#10;适 用 于 多 核 、 多 机 分 布 式 &#10;多 线 程 &#10;共 享 进 程 数 据 ， 数 据 &#10;共 享 简 单 ， 但 导 致 同 &#10;步 复 杂 &#10;占 用 内 存 少 ， 切 换 简 &#10;单 ， CPU 利 用 率 高 &#10;创 建 销 毁 、 切 换 简 单 ， &#10;速 度 很 快 &#10;编 程 复 杂 ， 调 试 复 杂 &#10;一 个 线 程 出 错 将 导 致 &#10;整 个 进 程 中 止 &#10;适 用 于 多 核 分 布 式 &#10;总 结 &#10;各 有 优 势 &#10;线 程 占 优 &#10;线 程 占 优 &#10;进 程 占 优 &#10;进 程 占 优 &#10;进 程 占 优 ">
             <a:extLst>
               <a:ext uri="{FF2B5EF4-FFF2-40B4-BE49-F238E27FC236}">
-                <a16:creationId xmlns:a16="http://schemas.microsoft.com/office/drawing/2014/main" id="{D5F72FE8-8649-47DC-B078-D55DCC6A8396}"/>
+                <a16:creationId xmlns:a16="http://schemas.microsoft.com/office/drawing/2014/main" id="{52A86F0D-37B8-4358-8185-5EE1222EB047}"/>
               </a:ext>
             </a:extLst>
           </p:cNvPr>
-          <p:cNvSpPr>
-            <a:spLocks noGrp="1"/>
-          </p:cNvSpPr>
-          <p:nvPr>
-            <p:ph type="title"/>
-          </p:nvPr>
-        </p:nvSpPr>
-        <p:spPr>
+          <p:cNvPicPr>
+            <a:picLocks noChangeAspect="1" noChangeArrowheads="1"/>
+          </p:cNvPicPr>
+          <p:nvPr/>
+        </p:nvPicPr>
+        <p:blipFill>
+          <a:blip r:embed="rId2">
+            <a:extLst>
+              <a:ext uri="{28A0092B-C50C-407E-A947-70E740481C1C}">
+                <a14:useLocalDpi xmlns:a14="http://schemas.microsoft.com/office/drawing/2010/main" val="0"/>
+              </a:ext>
+            </a:extLst>
+          </a:blip>
+          <a:srcRect/>
+          <a:stretch>
+            <a:fillRect/>
+          </a:stretch>
+        </p:blipFill>
+        <p:spPr bwMode="auto">
           <a:xfrm>
-            <a:off x="838200" y="161927"/>
-            <a:ext cx="11353800" cy="1325563"/>
+            <a:off x="0" y="0"/>
+            <a:ext cx="9154938" cy="6858000"/>
           </a:xfrm>
+          <a:prstGeom prst="rect">
+            <a:avLst/>
+          </a:prstGeom>
+          <a:noFill/>
+          <a:extLst>
+            <a:ext uri="{909E8E84-426E-40DD-AFC4-6F175D3DCCD1}">
+              <a14:hiddenFill xmlns:a14="http://schemas.microsoft.com/office/drawing/2010/main">
+                <a:solidFill>
+                  <a:srgbClr val="FFFFFF"/>
+                </a:solidFill>
+              </a14:hiddenFill>
+            </a:ext>
+          </a:extLst>
         </p:spPr>
-        <p:txBody>
-          <a:bodyPr/>
-          <a:lstStyle/>
-          <a:p>
-            <a:r>
-              <a:rPr lang="en-US" altLang="zh-CN" b="1" dirty="0"/>
-              <a:t>multiprocessing</a:t>
-            </a:r>
-            <a:r>
-              <a:rPr lang="zh-CN" altLang="zh-CN" b="1" dirty="0"/>
-              <a:t>模块：</a:t>
-            </a:r>
-          </a:p>
-        </p:txBody>
-      </p:sp>
-      <p:sp>
-        <p:nvSpPr>
-          <p:cNvPr id="3" name="内容占位符 2">
+      </p:pic>
+      <p:sp>
+        <p:nvSpPr>
+          <p:cNvPr id="4" name="矩形 3">
             <a:extLst>
               <a:ext uri="{FF2B5EF4-FFF2-40B4-BE49-F238E27FC236}">
-                <a16:creationId xmlns:a16="http://schemas.microsoft.com/office/drawing/2014/main" id="{44A1DDA0-4508-423E-AB2A-F373A289EE57}"/>
+                <a16:creationId xmlns:a16="http://schemas.microsoft.com/office/drawing/2014/main" id="{F85D4276-E183-4D84-B2C9-911B459D5D7E}"/>
               </a:ext>
             </a:extLst>
           </p:cNvPr>
-          <p:cNvSpPr>
-            <a:spLocks noGrp="1"/>
-          </p:cNvSpPr>
-          <p:nvPr>
-            <p:ph idx="1"/>
-          </p:nvPr>
+          <p:cNvSpPr/>
+          <p:nvPr/>
         </p:nvSpPr>
         <p:spPr>
           <a:xfrm>
-            <a:off x="838200" y="1696415"/>
-            <a:ext cx="11353800" cy="3024672"/>
+            <a:off x="9154938" y="2917640"/>
+            <a:ext cx="3140765" cy="1477328"/>
           </a:xfrm>
+          <a:prstGeom prst="rect">
+            <a:avLst/>
+          </a:prstGeom>
         </p:spPr>
         <p:txBody>
-          <a:bodyPr>
-            <a:normAutofit/>
+          <a:bodyPr wrap="square">
+            <a:spAutoFit/>
           </a:bodyPr>
           <a:lstStyle/>
           <a:p>
             <a:r>
-              <a:rPr lang="zh-CN" altLang="zh-CN" dirty="0"/>
-              <a:t>功能：开启子进程并在其中执行定制任务</a:t>
-            </a:r>
-          </a:p>
-          <a:p>
-            <a:r>
-              <a:rPr lang="zh-CN" altLang="zh-CN" dirty="0"/>
-              <a:t>组件：创建进程</a:t>
-            </a:r>
-            <a:r>
-              <a:rPr lang="en-US" altLang="zh-CN" dirty="0"/>
-              <a:t>process</a:t>
-            </a:r>
-            <a:r>
-              <a:rPr lang="zh-CN" altLang="zh-CN" dirty="0"/>
-              <a:t>类、队列</a:t>
-            </a:r>
-            <a:r>
-              <a:rPr lang="en-US" altLang="zh-CN" dirty="0"/>
-              <a:t>queue</a:t>
-            </a:r>
-            <a:r>
-              <a:rPr lang="zh-CN" altLang="zh-CN" dirty="0"/>
-              <a:t>、管道</a:t>
-            </a:r>
-            <a:r>
-              <a:rPr lang="en-US" altLang="zh-CN" dirty="0"/>
-              <a:t>pipe</a:t>
-            </a:r>
-            <a:r>
-              <a:rPr lang="zh-CN" altLang="zh-CN" dirty="0"/>
-              <a:t>、锁</a:t>
-            </a:r>
-            <a:r>
-              <a:rPr lang="en-US" altLang="zh-CN" dirty="0"/>
-              <a:t>lock</a:t>
-            </a:r>
-            <a:endParaRPr lang="zh-CN" altLang="zh-CN" dirty="0"/>
-          </a:p>
-          <a:p>
-            <a:r>
-              <a:rPr lang="zh-CN" altLang="zh-CN" dirty="0"/>
-              <a:t>作用：进程通讯与数据共享（</a:t>
-            </a:r>
-            <a:r>
-              <a:rPr lang="en-US" altLang="zh-CN" dirty="0"/>
-              <a:t>pipe</a:t>
-            </a:r>
-            <a:r>
-              <a:rPr lang="zh-CN" altLang="zh-CN" dirty="0"/>
-              <a:t>），处理僵尸进程（</a:t>
-            </a:r>
-            <a:r>
-              <a:rPr lang="en-US" altLang="zh-CN" dirty="0"/>
-              <a:t>C</a:t>
-            </a:r>
-            <a:r>
-              <a:rPr lang="zh-CN" altLang="zh-CN" dirty="0"/>
-              <a:t>语言需要自己处理），数据同步（</a:t>
-            </a:r>
-            <a:r>
-              <a:rPr lang="en-US" altLang="zh-CN" dirty="0"/>
-              <a:t>queue</a:t>
-            </a:r>
-            <a:r>
-              <a:rPr lang="zh-CN" altLang="zh-CN" dirty="0"/>
-              <a:t>）</a:t>
-            </a:r>
+              <a:rPr lang="zh-CN" altLang="zh-CN" dirty="0">
+                <a:ea typeface="宋体" panose="02010600030101010101" pitchFamily="2" charset="-122"/>
+              </a:rPr>
+              <a:t>多进程：</a:t>
+            </a:r>
+            <a:r>
+              <a:rPr lang="zh-CN" altLang="zh-CN" dirty="0">
+                <a:highlight>
+                  <a:srgbClr val="FFFF00"/>
+                </a:highlight>
+                <a:ea typeface="宋体" panose="02010600030101010101" pitchFamily="2" charset="-122"/>
+              </a:rPr>
+              <a:t>计算密集型</a:t>
+            </a:r>
+            <a:r>
+              <a:rPr lang="zh-CN" altLang="zh-CN" dirty="0">
+                <a:ea typeface="宋体" panose="02010600030101010101" pitchFamily="2" charset="-122"/>
+              </a:rPr>
+              <a:t>的任务，提高计算能力。如金融分析</a:t>
+            </a:r>
+          </a:p>
+          <a:p>
+            <a:endParaRPr lang="en-US" altLang="zh-CN" dirty="0">
+              <a:ea typeface="宋体" panose="02010600030101010101" pitchFamily="2" charset="-122"/>
+            </a:endParaRPr>
+          </a:p>
+          <a:p>
+            <a:r>
+              <a:rPr lang="zh-CN" altLang="zh-CN" dirty="0">
+                <a:ea typeface="宋体" panose="02010600030101010101" pitchFamily="2" charset="-122"/>
+              </a:rPr>
+              <a:t>多线程：</a:t>
+            </a:r>
+            <a:r>
+              <a:rPr lang="en-US" altLang="zh-CN" dirty="0">
+                <a:highlight>
+                  <a:srgbClr val="FFFF00"/>
+                </a:highlight>
+                <a:ea typeface="Calibri" panose="020F0502020204030204" pitchFamily="34" charset="0"/>
+              </a:rPr>
+              <a:t>IO</a:t>
+            </a:r>
+            <a:r>
+              <a:rPr lang="zh-CN" altLang="zh-CN" dirty="0">
+                <a:highlight>
+                  <a:srgbClr val="FFFF00"/>
+                </a:highlight>
+                <a:ea typeface="宋体" panose="02010600030101010101" pitchFamily="2" charset="-122"/>
+              </a:rPr>
+              <a:t>密集型</a:t>
+            </a:r>
+            <a:r>
+              <a:rPr lang="zh-CN" altLang="zh-CN" dirty="0">
+                <a:ea typeface="宋体" panose="02010600030101010101" pitchFamily="2" charset="-122"/>
+              </a:rPr>
+              <a:t>，如网络编程</a:t>
+            </a:r>
+            <a:r>
+              <a:rPr lang="en-US" altLang="zh-CN" dirty="0">
+                <a:highlight>
+                  <a:srgbClr val="FFFF00"/>
+                </a:highlight>
+                <a:ea typeface="宋体" panose="02010600030101010101" pitchFamily="2" charset="-122"/>
+              </a:rPr>
+              <a:t>socket</a:t>
+            </a:r>
+            <a:r>
+              <a:rPr lang="zh-CN" altLang="zh-CN" dirty="0">
+                <a:highlight>
+                  <a:srgbClr val="FFFF00"/>
+                </a:highlight>
+                <a:ea typeface="宋体" panose="02010600030101010101" pitchFamily="2" charset="-122"/>
+              </a:rPr>
+              <a:t>、爬虫、</a:t>
+            </a:r>
+            <a:r>
+              <a:rPr lang="en-US" altLang="zh-CN" dirty="0">
+                <a:highlight>
+                  <a:srgbClr val="FFFF00"/>
+                </a:highlight>
+                <a:ea typeface="宋体" panose="02010600030101010101" pitchFamily="2" charset="-122"/>
+              </a:rPr>
+              <a:t>web</a:t>
+            </a:r>
+            <a:endParaRPr lang="zh-CN" altLang="zh-CN" dirty="0">
+              <a:ea typeface="宋体" panose="02010600030101010101" pitchFamily="2" charset="-122"/>
+            </a:endParaRPr>
           </a:p>
         </p:txBody>
       </p:sp>
     </p:spTree>
     <p:extLst>
       <p:ext uri="{BB962C8B-B14F-4D97-AF65-F5344CB8AC3E}">
-        <p14:creationId xmlns:p14="http://schemas.microsoft.com/office/powerpoint/2010/main" val="1220339165"/>
+        <p14:creationId xmlns:p14="http://schemas.microsoft.com/office/powerpoint/2010/main" val="319827263"/>
       </p:ext>
     </p:extLst>
   </p:cSld>
@@ -4823,7 +5576,7 @@
           <p:cNvPr id="2" name="标题 1">
             <a:extLst>
               <a:ext uri="{FF2B5EF4-FFF2-40B4-BE49-F238E27FC236}">
-                <a16:creationId xmlns:a16="http://schemas.microsoft.com/office/drawing/2014/main" id="{7307A910-1200-48B8-90C3-3A16EF6EBE5A}"/>
+                <a16:creationId xmlns:a16="http://schemas.microsoft.com/office/drawing/2014/main" id="{DE36963B-B8AA-4927-9456-F76329B842DD}"/>
               </a:ext>
             </a:extLst>
           </p:cNvPr>
@@ -4834,34 +5587,32 @@
             <p:ph type="title"/>
           </p:nvPr>
         </p:nvSpPr>
-        <p:spPr>
-          <a:xfrm>
-            <a:off x="838200" y="131447"/>
-            <a:ext cx="10515600" cy="1325563"/>
-          </a:xfrm>
-        </p:spPr>
+        <p:spPr/>
         <p:txBody>
           <a:bodyPr/>
           <a:lstStyle/>
           <a:p>
             <a:r>
-              <a:rPr lang="en-US" altLang="zh-CN" dirty="0"/>
+              <a:rPr lang="zh-CN" altLang="zh-CN" b="1" dirty="0"/>
+              <a:t>进程</a:t>
+            </a:r>
+            <a:r>
+              <a:rPr lang="en-US" altLang="zh-CN" b="1" dirty="0"/>
               <a:t>process</a:t>
             </a:r>
             <a:r>
-              <a:rPr lang="zh-CN" altLang="zh-CN" dirty="0"/>
-              <a:t>类：创建进程类</a:t>
-            </a:r>
-            <a:endParaRPr lang="zh-CN" altLang="en-US" dirty="0"/>
-          </a:p>
-        </p:txBody>
-      </p:sp>
-      <p:sp>
-        <p:nvSpPr>
-          <p:cNvPr id="7" name="内容占位符 6">
+              <a:rPr lang="zh-CN" altLang="zh-CN" b="1" dirty="0"/>
+              <a:t>：</a:t>
+            </a:r>
+          </a:p>
+        </p:txBody>
+      </p:sp>
+      <p:sp>
+        <p:nvSpPr>
+          <p:cNvPr id="3" name="内容占位符 2">
             <a:extLst>
               <a:ext uri="{FF2B5EF4-FFF2-40B4-BE49-F238E27FC236}">
-                <a16:creationId xmlns:a16="http://schemas.microsoft.com/office/drawing/2014/main" id="{732A30F7-3DD8-460A-AD21-38CBD6E9682B}"/>
+                <a16:creationId xmlns:a16="http://schemas.microsoft.com/office/drawing/2014/main" id="{D890B757-4A7D-48DD-8CEF-D39F87DCD7C2}"/>
               </a:ext>
             </a:extLst>
           </p:cNvPr>
@@ -4874,269 +5625,284 @@
         </p:nvSpPr>
         <p:spPr>
           <a:xfrm>
-            <a:off x="838200" y="1316163"/>
-            <a:ext cx="10515600" cy="5541838"/>
+            <a:off x="838200" y="1460498"/>
+            <a:ext cx="10515600" cy="5032375"/>
           </a:xfrm>
         </p:spPr>
         <p:txBody>
           <a:bodyPr>
-            <a:normAutofit fontScale="92500" lnSpcReduction="10000"/>
+            <a:normAutofit/>
           </a:bodyPr>
           <a:lstStyle/>
           <a:p>
             <a:r>
               <a:rPr lang="zh-CN" altLang="zh-CN" dirty="0"/>
-              <a:t>函数原型：Process([group [, target [, name [, args [,kwargs]]]]])</a:t>
-            </a:r>
-          </a:p>
-          <a:p>
-            <a:r>
-              <a:rPr lang="zh-CN" altLang="zh-CN" dirty="0"/>
-              <a:t>方法：创建子任务</a:t>
+              <a:t>进程号</a:t>
+            </a:r>
+            <a:r>
+              <a:rPr lang="en-US" altLang="zh-CN" dirty="0" err="1"/>
+              <a:t>os.getid</a:t>
             </a:r>
             <a:r>
               <a:rPr lang="en-US" altLang="zh-CN" dirty="0"/>
-              <a:t>task</a:t>
-            </a:r>
-            <a:r>
-              <a:rPr lang="zh-CN" altLang="zh-CN" dirty="0"/>
-              <a:t>函数</a:t>
+              <a:t>()</a:t>
+            </a:r>
+            <a:r>
+              <a:rPr lang="zh-CN" altLang="en-US" dirty="0"/>
+              <a:t>：获取当前的进程</a:t>
+            </a:r>
+            <a:r>
+              <a:rPr lang="en-US" altLang="zh-CN" dirty="0"/>
+              <a:t>ID</a:t>
+            </a:r>
+            <a:r>
+              <a:rPr lang="zh-CN" altLang="en-US" dirty="0"/>
+              <a:t>号</a:t>
+            </a:r>
+            <a:endParaRPr lang="zh-CN" altLang="zh-CN" dirty="0"/>
+          </a:p>
+          <a:p>
+            <a:r>
+              <a:rPr lang="zh-CN" altLang="zh-CN" dirty="0"/>
+              <a:t>孤儿进程：</a:t>
+            </a:r>
+          </a:p>
+          <a:p>
+            <a:r>
+              <a:rPr lang="zh-CN" altLang="zh-CN" dirty="0"/>
+              <a:t>一个进程（</a:t>
+            </a:r>
+            <a:r>
+              <a:rPr lang="en-US" altLang="zh-CN" dirty="0" err="1"/>
+              <a:t>linux</a:t>
+            </a:r>
+            <a:r>
+              <a:rPr lang="zh-CN" altLang="zh-CN" dirty="0"/>
+              <a:t>零进程</a:t>
+            </a:r>
+            <a:r>
+              <a:rPr lang="en-US" altLang="zh-CN" dirty="0" err="1"/>
+              <a:t>init</a:t>
+            </a:r>
+            <a:r>
+              <a:rPr lang="zh-CN" altLang="zh-CN" dirty="0"/>
+              <a:t>）</a:t>
+            </a:r>
+            <a:r>
+              <a:rPr lang="en-US" altLang="zh-CN" dirty="0"/>
+              <a:t>----</a:t>
+            </a:r>
+            <a:r>
+              <a:rPr lang="en-US" altLang="zh-CN" dirty="0">
+                <a:highlight>
+                  <a:srgbClr val="FFFF00"/>
+                </a:highlight>
+              </a:rPr>
+              <a:t>fork</a:t>
+            </a:r>
+            <a:r>
+              <a:rPr lang="zh-CN" altLang="zh-CN" dirty="0">
+                <a:highlight>
+                  <a:srgbClr val="FFFF00"/>
+                </a:highlight>
+              </a:rPr>
+              <a:t>分叉</a:t>
+            </a:r>
+            <a:r>
+              <a:rPr lang="zh-CN" altLang="en-US" dirty="0"/>
+              <a:t>（</a:t>
+            </a:r>
+            <a:r>
+              <a:rPr lang="zh-CN" altLang="zh-CN" dirty="0"/>
+              <a:t>父进程，子进程</a:t>
+            </a:r>
+            <a:r>
+              <a:rPr lang="zh-CN" altLang="en-US" dirty="0"/>
+              <a:t>）</a:t>
             </a:r>
             <a:r>
               <a:rPr lang="en-US" altLang="zh-CN" dirty="0"/>
               <a:t>---</a:t>
             </a:r>
             <a:r>
-              <a:rPr lang="zh-CN" altLang="zh-CN" dirty="0"/>
-              <a:t>实例化</a:t>
+              <a:rPr lang="zh-CN" altLang="zh-CN" dirty="0">
+                <a:highlight>
+                  <a:srgbClr val="FFFF00"/>
+                </a:highlight>
+              </a:rPr>
+              <a:t>父进程启动子进程后，提前结束停止</a:t>
             </a:r>
             <a:r>
               <a:rPr lang="en-US" altLang="zh-CN" dirty="0"/>
-              <a:t>process</a:t>
-            </a:r>
-            <a:r>
-              <a:rPr lang="zh-CN" altLang="zh-CN" dirty="0"/>
-              <a:t>类</a:t>
+              <a:t>---OS</a:t>
+            </a:r>
+            <a:r>
+              <a:rPr lang="zh-CN" altLang="zh-CN" dirty="0"/>
+              <a:t>接管子进程</a:t>
+            </a:r>
+            <a:r>
+              <a:rPr lang="zh-CN" altLang="en-US" dirty="0"/>
+              <a:t>，</a:t>
+            </a:r>
+            <a:r>
+              <a:rPr lang="zh-CN" altLang="zh-CN" dirty="0"/>
+              <a:t>待子进程结束后，消除</a:t>
+            </a:r>
+            <a:r>
+              <a:rPr lang="zh-CN" altLang="en-US" dirty="0"/>
+              <a:t>子进程的</a:t>
+            </a:r>
+            <a:r>
+              <a:rPr lang="zh-CN" altLang="zh-CN" dirty="0"/>
+              <a:t>信息（</a:t>
+            </a:r>
+            <a:r>
+              <a:rPr lang="zh-CN" altLang="zh-CN" dirty="0">
+                <a:highlight>
+                  <a:srgbClr val="FFFF00"/>
+                </a:highlight>
+              </a:rPr>
+              <a:t>描述符</a:t>
+            </a:r>
+            <a:r>
+              <a:rPr lang="zh-CN" altLang="zh-CN" dirty="0"/>
+              <a:t>）</a:t>
+            </a:r>
+            <a:r>
+              <a:rPr lang="zh-CN" altLang="en-US" dirty="0"/>
+              <a:t>，这样的</a:t>
+            </a:r>
+            <a:r>
+              <a:rPr lang="zh-CN" altLang="en-US" dirty="0">
+                <a:highlight>
+                  <a:srgbClr val="FFFF00"/>
+                </a:highlight>
+              </a:rPr>
+              <a:t>子进程</a:t>
+            </a:r>
+            <a:r>
+              <a:rPr lang="zh-CN" altLang="en-US" dirty="0"/>
+              <a:t>叫做</a:t>
+            </a:r>
+            <a:r>
+              <a:rPr lang="zh-CN" altLang="en-US" dirty="0">
+                <a:highlight>
+                  <a:srgbClr val="FFFF00"/>
+                </a:highlight>
+              </a:rPr>
+              <a:t>孤儿进程</a:t>
+            </a:r>
+            <a:r>
+              <a:rPr lang="zh-CN" altLang="zh-CN" dirty="0"/>
+              <a:t>。因此，不用担心，有</a:t>
+            </a:r>
+            <a:r>
+              <a:rPr lang="en-US" altLang="zh-CN" dirty="0">
+                <a:highlight>
+                  <a:srgbClr val="FFFF00"/>
+                </a:highlight>
+              </a:rPr>
+              <a:t>OS</a:t>
+            </a:r>
+            <a:r>
+              <a:rPr lang="zh-CN" altLang="zh-CN" dirty="0"/>
+              <a:t>。</a:t>
+            </a:r>
+          </a:p>
+          <a:p>
+            <a:r>
+              <a:rPr lang="zh-CN" altLang="zh-CN" dirty="0"/>
+              <a:t>僵尸进程：</a:t>
+            </a:r>
+            <a:endParaRPr lang="en-US" altLang="zh-CN" dirty="0"/>
+          </a:p>
+          <a:p>
+            <a:r>
+              <a:rPr lang="zh-CN" altLang="zh-CN" dirty="0"/>
+              <a:t>父进程启动子进程</a:t>
             </a:r>
             <a:r>
               <a:rPr lang="en-US" altLang="zh-CN" dirty="0"/>
-              <a:t>---group</a:t>
-            </a:r>
-            <a:r>
-              <a:rPr lang="zh-CN" altLang="zh-CN" dirty="0"/>
-              <a:t>参数始终未</a:t>
+              <a:t>---</a:t>
+            </a:r>
+            <a:r>
+              <a:rPr lang="zh-CN" altLang="zh-CN" dirty="0"/>
+              <a:t>子进程</a:t>
+            </a:r>
+            <a:r>
+              <a:rPr lang="zh-CN" altLang="zh-CN" dirty="0">
+                <a:highlight>
+                  <a:srgbClr val="FFFF00"/>
+                </a:highlight>
+              </a:rPr>
+              <a:t>很快执行完毕，退出</a:t>
             </a:r>
             <a:r>
               <a:rPr lang="en-US" altLang="zh-CN" dirty="0"/>
-              <a:t>NONE</a:t>
-            </a:r>
-            <a:r>
-              <a:rPr lang="zh-CN" altLang="zh-CN" dirty="0"/>
-              <a:t>。参数调用对象</a:t>
+              <a:t>---</a:t>
+            </a:r>
+            <a:r>
+              <a:rPr lang="zh-CN" altLang="zh-CN" dirty="0"/>
+              <a:t>父进程没有用wait或waitoid获取子进程的状态信息，</a:t>
+            </a:r>
+            <a:r>
+              <a:rPr lang="zh-CN" altLang="en-US" dirty="0">
+                <a:highlight>
+                  <a:srgbClr val="FFFF00"/>
+                </a:highlight>
+              </a:rPr>
+              <a:t>没有</a:t>
+            </a:r>
+            <a:r>
+              <a:rPr lang="zh-CN" altLang="zh-CN" dirty="0">
+                <a:highlight>
+                  <a:srgbClr val="FFFF00"/>
+                </a:highlight>
+              </a:rPr>
+              <a:t>消除子进程的信息</a:t>
+            </a:r>
+            <a:r>
+              <a:rPr lang="zh-CN" altLang="zh-CN" dirty="0"/>
+              <a:t>，信息一致保存在内存中，可能拖垮</a:t>
             </a:r>
             <a:r>
               <a:rPr lang="en-US" altLang="zh-CN" dirty="0"/>
-              <a:t>target</a:t>
-            </a:r>
-            <a:r>
-              <a:rPr lang="zh-CN" altLang="zh-CN" dirty="0"/>
-              <a:t>，填写</a:t>
+              <a:t>OS</a:t>
+            </a:r>
+            <a:r>
+              <a:rPr lang="zh-CN" altLang="zh-CN" dirty="0"/>
+              <a:t>。（但是</a:t>
             </a:r>
             <a:r>
               <a:rPr lang="en-US" altLang="zh-CN" dirty="0"/>
-              <a:t>task</a:t>
-            </a:r>
-            <a:r>
-              <a:rPr lang="zh-CN" altLang="zh-CN" dirty="0"/>
-              <a:t>函数，还有</a:t>
-            </a:r>
-            <a:r>
-              <a:rPr lang="en-US" altLang="zh-CN" dirty="0" err="1"/>
-              <a:t>args</a:t>
-            </a:r>
-            <a:r>
-              <a:rPr lang="zh-CN" altLang="zh-CN" dirty="0"/>
-              <a:t>函数（元组，仅有一个参数加逗号）</a:t>
-            </a:r>
-            <a:r>
-              <a:rPr lang="en-US" altLang="zh-CN" dirty="0" err="1"/>
-              <a:t>kwargs</a:t>
-            </a:r>
-            <a:r>
-              <a:rPr lang="zh-CN" altLang="zh-CN" dirty="0"/>
-              <a:t>函数，用于</a:t>
-            </a:r>
-            <a:r>
-              <a:rPr lang="en-US" altLang="zh-CN" dirty="0"/>
-              <a:t>target</a:t>
-            </a:r>
-            <a:r>
-              <a:rPr lang="zh-CN" altLang="zh-CN" dirty="0"/>
-              <a:t>函数。</a:t>
-            </a:r>
-            <a:r>
-              <a:rPr lang="en-US" altLang="zh-CN" dirty="0"/>
-              <a:t>name</a:t>
-            </a:r>
-            <a:r>
-              <a:rPr lang="zh-CN" altLang="zh-CN" dirty="0"/>
-              <a:t>子进程名字。一般用的多。</a:t>
-            </a:r>
-          </a:p>
-          <a:p>
-            <a:r>
-              <a:rPr lang="zh-CN" altLang="zh-CN" dirty="0"/>
-              <a:t>方法</a:t>
-            </a:r>
-            <a:r>
-              <a:rPr lang="en-US" altLang="zh-CN" dirty="0"/>
-              <a:t>2</a:t>
-            </a:r>
-            <a:r>
-              <a:rPr lang="zh-CN" altLang="zh-CN" dirty="0"/>
-              <a:t>：（参数传递不方便）自己定义进程类（继承</a:t>
-            </a:r>
-            <a:r>
-              <a:rPr lang="en-US" altLang="zh-CN" dirty="0"/>
-              <a:t>process</a:t>
-            </a:r>
-            <a:r>
-              <a:rPr lang="zh-CN" altLang="zh-CN" dirty="0"/>
-              <a:t>）：必须定义</a:t>
-            </a:r>
-            <a:r>
-              <a:rPr lang="en-US" altLang="zh-CN" dirty="0"/>
-              <a:t>run</a:t>
-            </a:r>
-            <a:r>
-              <a:rPr lang="zh-CN" altLang="zh-CN" dirty="0"/>
-              <a:t>方法，才能使得类变成一个进程（约定实现）</a:t>
-            </a:r>
-          </a:p>
-          <a:p>
-            <a:r>
-              <a:rPr lang="zh-CN" altLang="zh-CN" dirty="0"/>
-              <a:t>注意：</a:t>
-            </a:r>
-            <a:r>
-              <a:rPr lang="en-US" altLang="zh-CN" dirty="0"/>
-              <a:t>WIN</a:t>
-            </a:r>
-            <a:r>
-              <a:rPr lang="zh-CN" altLang="zh-CN" dirty="0"/>
-              <a:t>中实例化</a:t>
-            </a:r>
-            <a:r>
-              <a:rPr lang="en-US" altLang="zh-CN" dirty="0"/>
-              <a:t>process</a:t>
-            </a:r>
-            <a:r>
-              <a:rPr lang="zh-CN" altLang="zh-CN" dirty="0"/>
-              <a:t>对象必须放在</a:t>
-            </a:r>
-            <a:r>
-              <a:rPr lang="en-US" altLang="zh-CN" dirty="0"/>
-              <a:t>main</a:t>
-            </a:r>
-            <a:r>
-              <a:rPr lang="zh-CN" altLang="zh-CN" dirty="0"/>
-              <a:t>函数中，原因</a:t>
-            </a:r>
-            <a:r>
-              <a:rPr lang="en-US" altLang="zh-CN" dirty="0"/>
-              <a:t>WIN</a:t>
-            </a:r>
-            <a:r>
-              <a:rPr lang="zh-CN" altLang="zh-CN" dirty="0"/>
-              <a:t>不支持</a:t>
-            </a:r>
-            <a:r>
-              <a:rPr lang="en-US" altLang="zh-CN" dirty="0" err="1"/>
-              <a:t>os.fork</a:t>
-            </a:r>
-            <a:r>
-              <a:rPr lang="en-US" altLang="zh-CN" dirty="0"/>
-              <a:t>()</a:t>
-            </a:r>
-            <a:r>
-              <a:rPr lang="zh-CN" altLang="zh-CN" dirty="0"/>
-              <a:t>，重新开一个新虚拟机，把整个</a:t>
-            </a:r>
-            <a:r>
-              <a:rPr lang="en-US" altLang="zh-CN" dirty="0" err="1"/>
-              <a:t>py</a:t>
-            </a:r>
-            <a:r>
-              <a:rPr lang="zh-CN" altLang="zh-CN" dirty="0"/>
-              <a:t>文件</a:t>
-            </a:r>
-            <a:r>
-              <a:rPr lang="en-US" altLang="zh-CN" dirty="0"/>
-              <a:t>import</a:t>
-            </a:r>
-            <a:r>
-              <a:rPr lang="zh-CN" altLang="zh-CN" dirty="0"/>
-              <a:t>进去，迭代</a:t>
-            </a:r>
-            <a:r>
-              <a:rPr lang="en-US" altLang="zh-CN" dirty="0"/>
-              <a:t>import</a:t>
-            </a:r>
-            <a:r>
-              <a:rPr lang="zh-CN" altLang="zh-CN" dirty="0"/>
-              <a:t>，直至内存满！。</a:t>
-            </a:r>
-          </a:p>
-          <a:p>
-            <a:r>
-              <a:rPr lang="en-US" altLang="zh-CN" dirty="0"/>
-              <a:t>demo</a:t>
-            </a:r>
-            <a:r>
-              <a:rPr lang="zh-CN" altLang="zh-CN" dirty="0"/>
-              <a:t>：一定要进行父类的初始化。</a:t>
-            </a:r>
-          </a:p>
-          <a:p>
-            <a:r>
-              <a:rPr lang="en-US" altLang="zh-CN" dirty="0"/>
-              <a:t>demo</a:t>
-            </a:r>
-            <a:r>
-              <a:rPr lang="zh-CN" altLang="zh-CN" dirty="0"/>
-              <a:t>：注意所有子进程先</a:t>
-            </a:r>
-            <a:r>
-              <a:rPr lang="en-US" altLang="zh-CN" dirty="0"/>
-              <a:t>start</a:t>
-            </a:r>
-            <a:r>
-              <a:rPr lang="zh-CN" altLang="zh-CN" dirty="0"/>
-              <a:t>，再一一</a:t>
-            </a:r>
-            <a:r>
-              <a:rPr lang="en-US" altLang="zh-CN" dirty="0"/>
-              <a:t>join</a:t>
-            </a:r>
-            <a:r>
-              <a:rPr lang="zh-CN" altLang="zh-CN" dirty="0"/>
-              <a:t>。不同子进程内存互不干扰，有自己的随机值。所有执行完后，才执行</a:t>
-            </a:r>
-            <a:r>
-              <a:rPr lang="en-US" altLang="zh-CN" dirty="0"/>
-              <a:t>main</a:t>
-            </a:r>
-            <a:r>
-              <a:rPr lang="zh-CN" altLang="zh-CN" dirty="0"/>
-              <a:t>。否则主进程和子进程同时运行。一般希望主进程卡住，等待子进程。</a:t>
-            </a:r>
+              <a:t>python</a:t>
+            </a:r>
+            <a:r>
+              <a:rPr lang="zh-CN" altLang="zh-CN" dirty="0"/>
+              <a:t>大部分情况会清除信息！）这样的</a:t>
+            </a:r>
+            <a:r>
+              <a:rPr lang="zh-CN" altLang="zh-CN" dirty="0">
+                <a:highlight>
+                  <a:srgbClr val="FFFF00"/>
+                </a:highlight>
+              </a:rPr>
+              <a:t>子进程叫做僵尸进程</a:t>
+            </a:r>
+            <a:r>
+              <a:rPr lang="zh-CN" altLang="zh-CN" dirty="0"/>
+              <a:t>。</a:t>
+            </a:r>
+          </a:p>
+          <a:p>
+            <a:endParaRPr lang="zh-CN" altLang="en-US" dirty="0"/>
           </a:p>
         </p:txBody>
       </p:sp>
     </p:spTree>
     <p:extLst>
       <p:ext uri="{BB962C8B-B14F-4D97-AF65-F5344CB8AC3E}">
-        <p14:creationId xmlns:p14="http://schemas.microsoft.com/office/powerpoint/2010/main" val="2119661471"/>
+        <p14:creationId xmlns:p14="http://schemas.microsoft.com/office/powerpoint/2010/main" val="3864424469"/>
       </p:ext>
     </p:extLst>
   </p:cSld>
@@ -5168,7 +5934,7 @@
           <p:cNvPr id="2" name="标题 1">
             <a:extLst>
               <a:ext uri="{FF2B5EF4-FFF2-40B4-BE49-F238E27FC236}">
-                <a16:creationId xmlns:a16="http://schemas.microsoft.com/office/drawing/2014/main" id="{F5C21996-8AC7-45EE-9965-FA9C15110008}"/>
+                <a16:creationId xmlns:a16="http://schemas.microsoft.com/office/drawing/2014/main" id="{D5F72FE8-8649-47DC-B078-D55DCC6A8396}"/>
               </a:ext>
             </a:extLst>
           </p:cNvPr>
@@ -5179,12 +5945,24 @@
             <p:ph type="title"/>
           </p:nvPr>
         </p:nvSpPr>
-        <p:spPr/>
+        <p:spPr>
+          <a:xfrm>
+            <a:off x="838200" y="161927"/>
+            <a:ext cx="11353800" cy="1325563"/>
+          </a:xfrm>
+        </p:spPr>
         <p:txBody>
           <a:bodyPr/>
           <a:lstStyle/>
           <a:p>
-            <a:endParaRPr lang="zh-CN" altLang="en-US" dirty="0"/>
+            <a:r>
+              <a:rPr lang="en-US" altLang="zh-CN" b="1" dirty="0"/>
+              <a:t>multiprocessing</a:t>
+            </a:r>
+            <a:r>
+              <a:rPr lang="zh-CN" altLang="zh-CN" b="1" dirty="0"/>
+              <a:t>模块：</a:t>
+            </a:r>
           </a:p>
         </p:txBody>
       </p:sp>
@@ -5193,7 +5971,7 @@
           <p:cNvPr id="3" name="内容占位符 2">
             <a:extLst>
               <a:ext uri="{FF2B5EF4-FFF2-40B4-BE49-F238E27FC236}">
-                <a16:creationId xmlns:a16="http://schemas.microsoft.com/office/drawing/2014/main" id="{4F5B4D9C-8D9E-405B-81C9-7CD77ED8DA50}"/>
+                <a16:creationId xmlns:a16="http://schemas.microsoft.com/office/drawing/2014/main" id="{44A1DDA0-4508-423E-AB2A-F373A289EE57}"/>
               </a:ext>
             </a:extLst>
           </p:cNvPr>
@@ -5204,105 +5982,144 @@
             <p:ph idx="1"/>
           </p:nvPr>
         </p:nvSpPr>
-        <p:spPr/>
-        <p:txBody>
-          <a:bodyPr/>
-          <a:lstStyle/>
-          <a:p>
-            <a:r>
-              <a:rPr lang="zh-CN" altLang="zh-CN" dirty="0"/>
-              <a:t>启动进程：</a:t>
-            </a:r>
-            <a:r>
-              <a:rPr lang="en-US" altLang="zh-CN" dirty="0" err="1"/>
-              <a:t>p.start</a:t>
-            </a:r>
-            <a:r>
-              <a:rPr lang="en-US" altLang="zh-CN" dirty="0"/>
-              <a:t>()</a:t>
-            </a:r>
-            <a:r>
-              <a:rPr lang="zh-CN" altLang="zh-CN" dirty="0"/>
-              <a:t>，主动调用</a:t>
-            </a:r>
-            <a:r>
-              <a:rPr lang="en-US" altLang="zh-CN" dirty="0"/>
-              <a:t>run</a:t>
-            </a:r>
-            <a:r>
-              <a:rPr lang="zh-CN" altLang="zh-CN" dirty="0"/>
-              <a:t>方法，但还有一些别的方法会被调用。如果启动进程使用</a:t>
-            </a:r>
-            <a:r>
-              <a:rPr lang="en-US" altLang="zh-CN" dirty="0" err="1"/>
-              <a:t>p.run</a:t>
-            </a:r>
-            <a:r>
-              <a:rPr lang="zh-CN" altLang="zh-CN" dirty="0"/>
-              <a:t>，只是调用</a:t>
-            </a:r>
-            <a:r>
-              <a:rPr lang="en-US" altLang="zh-CN" dirty="0"/>
-              <a:t>target</a:t>
-            </a:r>
-            <a:r>
-              <a:rPr lang="zh-CN" altLang="zh-CN" dirty="0"/>
-              <a:t>，还有很多别的事没干</a:t>
-            </a:r>
-          </a:p>
-          <a:p>
-            <a:r>
-              <a:rPr lang="zh-CN" altLang="zh-CN" dirty="0"/>
-              <a:t>强制终止进程：</a:t>
-            </a:r>
-            <a:r>
-              <a:rPr lang="en-US" altLang="zh-CN" dirty="0" err="1"/>
-              <a:t>p.terminate</a:t>
-            </a:r>
-            <a:r>
-              <a:rPr lang="zh-CN" altLang="zh-CN" dirty="0"/>
-              <a:t>，强制终止。如果</a:t>
-            </a:r>
-            <a:r>
-              <a:rPr lang="en-US" altLang="zh-CN" dirty="0"/>
-              <a:t>p</a:t>
-            </a:r>
-            <a:r>
-              <a:rPr lang="zh-CN" altLang="zh-CN" dirty="0"/>
-              <a:t>创建了子进程，该子进程将成为僵尸进程，</a:t>
-            </a:r>
-            <a:r>
-              <a:rPr lang="en-US" altLang="zh-CN" dirty="0"/>
-              <a:t>python</a:t>
-            </a:r>
-            <a:r>
-              <a:rPr lang="zh-CN" altLang="zh-CN" dirty="0"/>
-              <a:t>无法处理。</a:t>
-            </a:r>
-            <a:r>
-              <a:rPr lang="en-US" altLang="zh-CN" dirty="0"/>
-              <a:t>p</a:t>
-            </a:r>
-            <a:r>
-              <a:rPr lang="zh-CN" altLang="zh-CN" dirty="0"/>
-              <a:t>创建的锁不会释放，可能导致死锁！一般不要用，等进程自动停止。</a:t>
-            </a:r>
-          </a:p>
-          <a:p>
-            <a:r>
-              <a:rPr lang="zh-CN" altLang="zh-CN" dirty="0"/>
-              <a:t>注意：分叉创建子进程，各个进程之间是并行的。但是执行顺序和结束顺序不定。先开始的进程不一定且通常不会最先结束，受到环境，随机等待时间的影响！因此不要将程序逻辑和执行顺序关联起来！</a:t>
-            </a:r>
-          </a:p>
-          <a:p>
-            <a:endParaRPr lang="zh-CN" altLang="en-US" dirty="0"/>
+        <p:spPr>
+          <a:xfrm>
+            <a:off x="838200" y="1696415"/>
+            <a:ext cx="11353800" cy="1076602"/>
+          </a:xfrm>
+        </p:spPr>
+        <p:txBody>
+          <a:bodyPr>
+            <a:normAutofit/>
+          </a:bodyPr>
+          <a:lstStyle/>
+          <a:p>
+            <a:r>
+              <a:rPr lang="zh-CN" altLang="zh-CN" dirty="0"/>
+              <a:t>功能：开启</a:t>
+            </a:r>
+            <a:r>
+              <a:rPr lang="zh-CN" altLang="zh-CN" dirty="0">
+                <a:highlight>
+                  <a:srgbClr val="FFFF00"/>
+                </a:highlight>
+              </a:rPr>
+              <a:t>子进程</a:t>
+            </a:r>
+            <a:r>
+              <a:rPr lang="zh-CN" altLang="zh-CN" dirty="0"/>
+              <a:t>并在其中执行定制</a:t>
+            </a:r>
+            <a:r>
+              <a:rPr lang="zh-CN" altLang="zh-CN" dirty="0">
+                <a:highlight>
+                  <a:srgbClr val="FFFF00"/>
+                </a:highlight>
+              </a:rPr>
+              <a:t>任务</a:t>
+            </a:r>
+          </a:p>
+          <a:p>
+            <a:r>
+              <a:rPr lang="zh-CN" altLang="zh-CN" dirty="0"/>
+              <a:t>组件：创建</a:t>
+            </a:r>
+            <a:r>
+              <a:rPr lang="zh-CN" altLang="zh-CN" dirty="0">
+                <a:highlight>
+                  <a:srgbClr val="FFFF00"/>
+                </a:highlight>
+              </a:rPr>
+              <a:t>进程</a:t>
+            </a:r>
+            <a:r>
+              <a:rPr lang="en-US" altLang="zh-CN" dirty="0">
+                <a:highlight>
+                  <a:srgbClr val="FFFF00"/>
+                </a:highlight>
+              </a:rPr>
+              <a:t>process</a:t>
+            </a:r>
+            <a:r>
+              <a:rPr lang="zh-CN" altLang="zh-CN" dirty="0">
+                <a:highlight>
+                  <a:srgbClr val="FFFF00"/>
+                </a:highlight>
+              </a:rPr>
+              <a:t>类</a:t>
+            </a:r>
+            <a:r>
+              <a:rPr lang="zh-CN" altLang="zh-CN" dirty="0"/>
+              <a:t>、</a:t>
+            </a:r>
+            <a:r>
+              <a:rPr lang="zh-CN" altLang="zh-CN" dirty="0">
+                <a:highlight>
+                  <a:srgbClr val="FFFF00"/>
+                </a:highlight>
+              </a:rPr>
+              <a:t>队列</a:t>
+            </a:r>
+            <a:r>
+              <a:rPr lang="en-US" altLang="zh-CN" dirty="0">
+                <a:highlight>
+                  <a:srgbClr val="FFFF00"/>
+                </a:highlight>
+              </a:rPr>
+              <a:t>queue</a:t>
+            </a:r>
+            <a:r>
+              <a:rPr lang="zh-CN" altLang="zh-CN" dirty="0"/>
+              <a:t>、</a:t>
+            </a:r>
+            <a:r>
+              <a:rPr lang="zh-CN" altLang="zh-CN" dirty="0">
+                <a:highlight>
+                  <a:srgbClr val="FFFF00"/>
+                </a:highlight>
+              </a:rPr>
+              <a:t>管道</a:t>
+            </a:r>
+            <a:r>
+              <a:rPr lang="en-US" altLang="zh-CN" dirty="0">
+                <a:highlight>
+                  <a:srgbClr val="FFFF00"/>
+                </a:highlight>
+              </a:rPr>
+              <a:t>pipe</a:t>
+            </a:r>
+            <a:r>
+              <a:rPr lang="zh-CN" altLang="zh-CN" dirty="0"/>
+              <a:t>、</a:t>
+            </a:r>
+            <a:r>
+              <a:rPr lang="zh-CN" altLang="zh-CN" dirty="0">
+                <a:highlight>
+                  <a:srgbClr val="FFFF00"/>
+                </a:highlight>
+              </a:rPr>
+              <a:t>锁</a:t>
+            </a:r>
+            <a:r>
+              <a:rPr lang="en-US" altLang="zh-CN" dirty="0">
+                <a:highlight>
+                  <a:srgbClr val="FFFF00"/>
+                </a:highlight>
+              </a:rPr>
+              <a:t>lock</a:t>
+            </a:r>
+            <a:endParaRPr lang="zh-CN" altLang="zh-CN" dirty="0">
+              <a:highlight>
+                <a:srgbClr val="FFFF00"/>
+              </a:highlight>
+            </a:endParaRPr>
           </a:p>
         </p:txBody>
       </p:sp>
     </p:spTree>
     <p:extLst>
       <p:ext uri="{BB962C8B-B14F-4D97-AF65-F5344CB8AC3E}">
-        <p14:creationId xmlns:p14="http://schemas.microsoft.com/office/powerpoint/2010/main" val="2090253420"/>
+        <p14:creationId xmlns:p14="http://schemas.microsoft.com/office/powerpoint/2010/main" val="1220339165"/>
       </p:ext>
     </p:extLst>
   </p:cSld>
@@ -5334,7 +6151,7 @@
           <p:cNvPr id="2" name="标题 1">
             <a:extLst>
               <a:ext uri="{FF2B5EF4-FFF2-40B4-BE49-F238E27FC236}">
-                <a16:creationId xmlns:a16="http://schemas.microsoft.com/office/drawing/2014/main" id="{15358AED-F2C5-407C-9DBF-42FD1562D013}"/>
+                <a16:creationId xmlns:a16="http://schemas.microsoft.com/office/drawing/2014/main" id="{7307A910-1200-48B8-90C3-3A16EF6EBE5A}"/>
               </a:ext>
             </a:extLst>
           </p:cNvPr>
@@ -5345,28 +6162,34 @@
             <p:ph type="title"/>
           </p:nvPr>
         </p:nvSpPr>
-        <p:spPr/>
+        <p:spPr>
+          <a:xfrm>
+            <a:off x="838200" y="131447"/>
+            <a:ext cx="10515600" cy="1325563"/>
+          </a:xfrm>
+        </p:spPr>
         <p:txBody>
           <a:bodyPr/>
           <a:lstStyle/>
           <a:p>
             <a:r>
-              <a:rPr lang="zh-CN" altLang="zh-CN" dirty="0"/>
-              <a:t>常用属性：</a:t>
-            </a:r>
-            <a:br>
-              <a:rPr lang="zh-CN" altLang="zh-CN" dirty="0"/>
-            </a:br>
+              <a:rPr lang="en-US" altLang="zh-CN" dirty="0"/>
+              <a:t>process</a:t>
+            </a:r>
+            <a:r>
+              <a:rPr lang="zh-CN" altLang="zh-CN" dirty="0"/>
+              <a:t>类：创建进程类</a:t>
+            </a:r>
             <a:endParaRPr lang="zh-CN" altLang="en-US" dirty="0"/>
           </a:p>
         </p:txBody>
       </p:sp>
       <p:sp>
         <p:nvSpPr>
-          <p:cNvPr id="3" name="内容占位符 2">
+          <p:cNvPr id="7" name="内容占位符 6">
             <a:extLst>
               <a:ext uri="{FF2B5EF4-FFF2-40B4-BE49-F238E27FC236}">
-                <a16:creationId xmlns:a16="http://schemas.microsoft.com/office/drawing/2014/main" id="{756620DA-DF2D-4E40-9B16-0952554E873E}"/>
+                <a16:creationId xmlns:a16="http://schemas.microsoft.com/office/drawing/2014/main" id="{732A30F7-3DD8-460A-AD21-38CBD6E9682B}"/>
               </a:ext>
             </a:extLst>
           </p:cNvPr>
@@ -5379,170 +6202,220 @@
         </p:nvSpPr>
         <p:spPr>
           <a:xfrm>
-            <a:off x="838200" y="1368425"/>
-            <a:ext cx="10515600" cy="5032375"/>
+            <a:off x="838200" y="1316163"/>
+            <a:ext cx="10515600" cy="5541838"/>
           </a:xfrm>
         </p:spPr>
         <p:txBody>
           <a:bodyPr>
-            <a:normAutofit fontScale="85000" lnSpcReduction="10000"/>
+            <a:normAutofit/>
           </a:bodyPr>
           <a:lstStyle/>
           <a:p>
             <a:r>
+              <a:rPr lang="zh-CN" altLang="zh-CN" dirty="0"/>
+              <a:t>函数原型：</a:t>
+            </a:r>
+            <a:r>
+              <a:rPr lang="zh-CN" altLang="zh-CN" dirty="0">
+                <a:highlight>
+                  <a:srgbClr val="FFFF00"/>
+                </a:highlight>
+              </a:rPr>
+              <a:t>Process([group [, target [, name [, args [,kwargs]]]]])</a:t>
+            </a:r>
+          </a:p>
+          <a:p>
+            <a:r>
+              <a:rPr lang="zh-CN" altLang="en-US" dirty="0"/>
+              <a:t>使用</a:t>
+            </a:r>
+            <a:r>
+              <a:rPr lang="zh-CN" altLang="zh-CN" dirty="0"/>
+              <a:t>：</a:t>
+            </a:r>
+            <a:r>
+              <a:rPr lang="zh-CN" altLang="en-US" dirty="0"/>
+              <a:t>首先</a:t>
+            </a:r>
+            <a:r>
+              <a:rPr lang="zh-CN" altLang="zh-CN" dirty="0"/>
+              <a:t>创建子任务</a:t>
+            </a:r>
+            <a:r>
               <a:rPr lang="en-US" altLang="zh-CN" dirty="0"/>
-              <a:t>1.</a:t>
-            </a:r>
-            <a:r>
-              <a:rPr lang="zh-CN" altLang="zh-CN" dirty="0"/>
-              <a:t>判断是否还在执行：</a:t>
-            </a:r>
+              <a:t>task</a:t>
+            </a:r>
+            <a:r>
+              <a:rPr lang="zh-CN" altLang="zh-CN" dirty="0"/>
+              <a:t>函数</a:t>
+            </a:r>
+            <a:r>
+              <a:rPr lang="zh-CN" altLang="en-US" dirty="0"/>
+              <a:t>，在</a:t>
+            </a:r>
+            <a:r>
+              <a:rPr lang="zh-CN" altLang="zh-CN" dirty="0"/>
+              <a:t>实例化</a:t>
+            </a:r>
+            <a:r>
+              <a:rPr lang="en-US" altLang="zh-CN" dirty="0"/>
+              <a:t>process</a:t>
+            </a:r>
+            <a:r>
+              <a:rPr lang="zh-CN" altLang="zh-CN" dirty="0"/>
+              <a:t>类</a:t>
+            </a:r>
+            <a:r>
+              <a:rPr lang="zh-CN" altLang="en-US" dirty="0"/>
+              <a:t>的时候</a:t>
+            </a:r>
+            <a:r>
+              <a:rPr lang="zh-CN" altLang="en-US" dirty="0">
+                <a:highlight>
+                  <a:srgbClr val="FFFF00"/>
+                </a:highlight>
+              </a:rPr>
+              <a:t>传给</a:t>
+            </a:r>
+            <a:r>
+              <a:rPr lang="en-US" altLang="zh-CN" dirty="0">
+                <a:highlight>
+                  <a:srgbClr val="FFFF00"/>
+                </a:highlight>
+              </a:rPr>
+              <a:t>target</a:t>
+            </a:r>
+          </a:p>
+          <a:p>
+            <a:r>
+              <a:rPr lang="en-US" altLang="zh-CN" dirty="0"/>
+              <a:t>group</a:t>
+            </a:r>
+            <a:r>
+              <a:rPr lang="zh-CN" altLang="zh-CN" dirty="0"/>
+              <a:t>参数始终</a:t>
+            </a:r>
+            <a:r>
+              <a:rPr lang="zh-CN" altLang="en-US" dirty="0"/>
+              <a:t>为</a:t>
+            </a:r>
+            <a:r>
+              <a:rPr lang="en-US" altLang="zh-CN" dirty="0"/>
+              <a:t>NONE</a:t>
+            </a:r>
+            <a:r>
+              <a:rPr lang="zh-CN" altLang="en-US" dirty="0"/>
+              <a:t>，没有用</a:t>
+            </a:r>
+            <a:r>
+              <a:rPr lang="zh-CN" altLang="zh-CN" dirty="0"/>
+              <a:t>。</a:t>
+            </a:r>
+            <a:endParaRPr lang="en-US" altLang="zh-CN" dirty="0"/>
+          </a:p>
+          <a:p>
+            <a:r>
+              <a:rPr lang="en-US" altLang="zh-CN" dirty="0"/>
+              <a:t>target</a:t>
+            </a:r>
+            <a:r>
+              <a:rPr lang="zh-CN" altLang="zh-CN" dirty="0"/>
+              <a:t>填写</a:t>
+            </a:r>
+            <a:r>
+              <a:rPr lang="en-US" altLang="zh-CN" dirty="0"/>
+              <a:t>task</a:t>
+            </a:r>
+            <a:r>
+              <a:rPr lang="zh-CN" altLang="zh-CN" dirty="0"/>
+              <a:t>函数</a:t>
+            </a:r>
+            <a:endParaRPr lang="en-US" altLang="zh-CN" dirty="0"/>
+          </a:p>
+          <a:p>
             <a:r>
               <a:rPr lang="en-US" altLang="zh-CN" dirty="0" err="1"/>
-              <a:t>is_alive</a:t>
-            </a:r>
-            <a:r>
-              <a:rPr lang="zh-CN" altLang="zh-CN" dirty="0"/>
-              <a:t>，返回布尔值</a:t>
-            </a:r>
-          </a:p>
-          <a:p>
+              <a:t>args</a:t>
+            </a:r>
+            <a:r>
+              <a:rPr lang="zh-CN" altLang="zh-CN" dirty="0"/>
+              <a:t>函数（元组，</a:t>
+            </a:r>
+            <a:r>
+              <a:rPr lang="zh-CN" altLang="zh-CN" dirty="0">
+                <a:highlight>
+                  <a:srgbClr val="FFFF00"/>
+                </a:highlight>
+              </a:rPr>
+              <a:t>仅有一个参数加逗号</a:t>
+            </a:r>
+            <a:r>
+              <a:rPr lang="zh-CN" altLang="zh-CN" dirty="0"/>
+              <a:t>）</a:t>
+            </a:r>
+            <a:r>
+              <a:rPr lang="zh-CN" altLang="en-US" dirty="0"/>
+              <a:t>，</a:t>
+            </a:r>
+            <a:r>
+              <a:rPr lang="en-US" altLang="zh-CN" dirty="0" err="1"/>
+              <a:t>kwargs</a:t>
+            </a:r>
+            <a:r>
+              <a:rPr lang="zh-CN" altLang="zh-CN" dirty="0"/>
+              <a:t>函数，用于</a:t>
+            </a:r>
+            <a:r>
+              <a:rPr lang="zh-CN" altLang="en-US" dirty="0"/>
+              <a:t>传给</a:t>
+            </a:r>
             <a:r>
               <a:rPr lang="en-US" altLang="zh-CN" dirty="0"/>
-              <a:t>2.</a:t>
-            </a:r>
-            <a:r>
-              <a:rPr lang="zh-CN" altLang="zh-CN" dirty="0"/>
-              <a:t>主进程等待子进程停止：</a:t>
-            </a:r>
-            <a:r>
-              <a:rPr lang="en-US" altLang="zh-CN" dirty="0"/>
-              <a:t>join</a:t>
-            </a:r>
-            <a:r>
-              <a:rPr lang="zh-CN" altLang="zh-CN" dirty="0"/>
-              <a:t>函数（</a:t>
-            </a:r>
-            <a:r>
-              <a:rPr lang="en-US" altLang="zh-CN" dirty="0"/>
-              <a:t>start</a:t>
-            </a:r>
-            <a:r>
-              <a:rPr lang="zh-CN" altLang="zh-CN" dirty="0"/>
-              <a:t>之后），只能挡住</a:t>
-            </a:r>
-            <a:r>
-              <a:rPr lang="en-US" altLang="zh-CN" dirty="0"/>
-              <a:t>start</a:t>
-            </a:r>
-            <a:r>
-              <a:rPr lang="zh-CN" altLang="zh-CN" dirty="0"/>
-              <a:t>开启的进程，而不能是</a:t>
-            </a:r>
-            <a:r>
-              <a:rPr lang="en-US" altLang="zh-CN" dirty="0"/>
-              <a:t>run</a:t>
-            </a:r>
-            <a:r>
-              <a:rPr lang="zh-CN" altLang="zh-CN" dirty="0"/>
-              <a:t>开启的进程（因为标识符没有变！）</a:t>
-            </a:r>
-          </a:p>
-          <a:p>
-            <a:r>
-              <a:rPr lang="zh-CN" altLang="zh-CN" dirty="0"/>
-              <a:t>注意：</a:t>
-            </a:r>
-            <a:r>
-              <a:rPr lang="en-US" altLang="zh-CN" dirty="0"/>
-              <a:t>for</a:t>
-            </a:r>
-            <a:r>
-              <a:rPr lang="zh-CN" altLang="zh-CN" dirty="0"/>
-              <a:t>循环，join仍然会卡着等p1运行结束，但其他进程如p2, p3等仍在运行，等p1运行结束后，循环继续，p2,p3等可能也运行结束了，会迅速完成join的检验。join花费的总时间仍然是耗费时间最长的那个进程运行的时间，这样跟我们的目的是一致的。</a:t>
-            </a:r>
-          </a:p>
-          <a:p>
-            <a:r>
-              <a:rPr lang="zh-CN" altLang="zh-CN" dirty="0"/>
-              <a:t>参数：</a:t>
-            </a:r>
-            <a:r>
-              <a:rPr lang="en-US" altLang="zh-CN" dirty="0"/>
-              <a:t>timeout</a:t>
-            </a:r>
-            <a:r>
-              <a:rPr lang="zh-CN" altLang="zh-CN" dirty="0"/>
-              <a:t>超时时间（网络中常用），等待的最长时间，默认是无穷大</a:t>
-            </a:r>
-          </a:p>
-          <a:p>
-            <a:r>
-              <a:rPr lang="en-US" altLang="zh-CN" dirty="0"/>
-              <a:t>3.daemon</a:t>
-            </a:r>
-            <a:r>
-              <a:rPr lang="zh-CN" altLang="zh-CN" dirty="0"/>
-              <a:t>守护进程，后台进程：</a:t>
-            </a:r>
-          </a:p>
-          <a:p>
-            <a:r>
-              <a:rPr lang="zh-CN" altLang="zh-CN" dirty="0"/>
-              <a:t>两个性质：父进程停止自动停止；不能创建子进程；</a:t>
-            </a:r>
-          </a:p>
-          <a:p>
-            <a:r>
-              <a:rPr lang="zh-CN" altLang="zh-CN" dirty="0"/>
-              <a:t>写法：创建一个进程后，在</a:t>
-            </a:r>
-            <a:r>
-              <a:rPr lang="en-US" altLang="zh-CN" dirty="0"/>
-              <a:t>start</a:t>
-            </a:r>
-            <a:r>
-              <a:rPr lang="zh-CN" altLang="zh-CN" dirty="0"/>
-              <a:t>之前设为</a:t>
-            </a:r>
-            <a:r>
-              <a:rPr lang="en-US" altLang="zh-CN" dirty="0"/>
-              <a:t>TRUE</a:t>
-            </a:r>
-            <a:r>
-              <a:rPr lang="zh-CN" altLang="zh-CN" dirty="0"/>
-              <a:t>。或者可以在构造函数里面。</a:t>
-            </a:r>
-          </a:p>
-          <a:p>
-            <a:r>
-              <a:rPr lang="en-US" altLang="zh-CN" dirty="0"/>
-              <a:t>4.name</a:t>
-            </a:r>
-            <a:r>
-              <a:rPr lang="zh-CN" altLang="zh-CN" dirty="0"/>
-              <a:t>进程名字，创建进程或者进程创建后的属性</a:t>
-            </a:r>
-          </a:p>
-          <a:p>
-            <a:r>
-              <a:rPr lang="en-US" altLang="zh-CN" dirty="0"/>
-              <a:t>5.pid</a:t>
-            </a:r>
-            <a:r>
-              <a:rPr lang="zh-CN" altLang="zh-CN" dirty="0"/>
-              <a:t>唯一编码，分配是完全随机的！</a:t>
-            </a:r>
-          </a:p>
-          <a:p>
-            <a:endParaRPr lang="zh-CN" altLang="en-US" dirty="0"/>
+              <a:t>target</a:t>
+            </a:r>
+            <a:r>
+              <a:rPr lang="zh-CN" altLang="zh-CN" dirty="0"/>
+              <a:t>函数。</a:t>
+            </a:r>
+            <a:endParaRPr lang="en-US" altLang="zh-CN" dirty="0"/>
+          </a:p>
+          <a:p>
+            <a:r>
+              <a:rPr lang="en-US" altLang="zh-CN" dirty="0">
+                <a:highlight>
+                  <a:srgbClr val="FFFF00"/>
+                </a:highlight>
+              </a:rPr>
+              <a:t>name</a:t>
+            </a:r>
+            <a:r>
+              <a:rPr lang="zh-CN" altLang="zh-CN" dirty="0">
+                <a:highlight>
+                  <a:srgbClr val="FFFF00"/>
+                </a:highlight>
+              </a:rPr>
+              <a:t>子进程名字</a:t>
+            </a:r>
+            <a:r>
+              <a:rPr lang="zh-CN" altLang="en-US" dirty="0">
+                <a:highlight>
+                  <a:srgbClr val="FFFF00"/>
+                </a:highlight>
+              </a:rPr>
+              <a:t>，</a:t>
+            </a:r>
+            <a:r>
+              <a:rPr lang="zh-CN" altLang="zh-CN" dirty="0"/>
+              <a:t>用的多</a:t>
+            </a:r>
           </a:p>
         </p:txBody>
       </p:sp>
     </p:spTree>
     <p:extLst>
       <p:ext uri="{BB962C8B-B14F-4D97-AF65-F5344CB8AC3E}">
-        <p14:creationId xmlns:p14="http://schemas.microsoft.com/office/powerpoint/2010/main" val="1010228995"/>
+        <p14:creationId xmlns:p14="http://schemas.microsoft.com/office/powerpoint/2010/main" val="2119661471"/>
       </p:ext>
     </p:extLst>
   </p:cSld>
@@ -5574,7 +6447,7 @@
           <p:cNvPr id="2" name="标题 1">
             <a:extLst>
               <a:ext uri="{FF2B5EF4-FFF2-40B4-BE49-F238E27FC236}">
-                <a16:creationId xmlns:a16="http://schemas.microsoft.com/office/drawing/2014/main" id="{50D21A1A-2A40-43E2-8C2C-DEFA0B1E704F}"/>
+                <a16:creationId xmlns:a16="http://schemas.microsoft.com/office/drawing/2014/main" id="{B3BB6047-A448-402D-B0E6-5F569139182C}"/>
               </a:ext>
             </a:extLst>
           </p:cNvPr>
@@ -5591,12 +6464,13 @@
           <a:lstStyle/>
           <a:p>
             <a:r>
-              <a:rPr lang="zh-CN" altLang="zh-CN" b="1" dirty="0"/>
-              <a:t>同步和异步：</a:t>
-            </a:r>
-            <a:br>
-              <a:rPr lang="zh-CN" altLang="zh-CN" b="1" dirty="0"/>
-            </a:br>
+              <a:rPr lang="en-US" altLang="zh-CN" dirty="0"/>
+              <a:t>process</a:t>
+            </a:r>
+            <a:r>
+              <a:rPr lang="zh-CN" altLang="zh-CN" dirty="0"/>
+              <a:t>类：创建进程类</a:t>
+            </a:r>
             <a:endParaRPr lang="zh-CN" altLang="en-US" dirty="0"/>
           </a:p>
         </p:txBody>
@@ -5606,7 +6480,7 @@
           <p:cNvPr id="3" name="内容占位符 2">
             <a:extLst>
               <a:ext uri="{FF2B5EF4-FFF2-40B4-BE49-F238E27FC236}">
-                <a16:creationId xmlns:a16="http://schemas.microsoft.com/office/drawing/2014/main" id="{A49492AE-B6AB-4622-BCD1-C6F46D3F6C12}"/>
+                <a16:creationId xmlns:a16="http://schemas.microsoft.com/office/drawing/2014/main" id="{CD09AD90-468C-42F7-8B55-797A9DC0F468}"/>
               </a:ext>
             </a:extLst>
           </p:cNvPr>
@@ -5617,43 +6491,334 @@
             <p:ph idx="1"/>
           </p:nvPr>
         </p:nvSpPr>
-        <p:spPr/>
-        <p:txBody>
-          <a:bodyPr>
-            <a:normAutofit/>
-          </a:bodyPr>
-          <a:lstStyle/>
-          <a:p>
-            <a:r>
-              <a:rPr lang="zh-CN" altLang="zh-CN" dirty="0"/>
-              <a:t>同步：</a:t>
-            </a:r>
-          </a:p>
-          <a:p>
-            <a:r>
-              <a:rPr lang="zh-CN" altLang="zh-CN" dirty="0"/>
-              <a:t>（主进程的多个子进程）按预定的顺序先后执行，（主进程）调用（子进程）后等待返回结果。同步是保证多进程安全访问竞争资源的一种手段。</a:t>
-            </a:r>
-          </a:p>
-          <a:p>
-            <a:r>
-              <a:rPr lang="zh-CN" altLang="zh-CN" dirty="0"/>
-              <a:t>异步：</a:t>
-            </a:r>
-          </a:p>
-          <a:p>
-            <a:r>
-              <a:rPr lang="zh-CN" altLang="zh-CN" dirty="0"/>
-              <a:t>（子进程）不用挡住（阻塞）当前进程（主进程）来等待处理完成，而是允许后续操作，并回调通知。（主进程给子进程一个回调函数，子进程执行结束后，调用回调函数，通知主进程）</a:t>
-            </a:r>
-          </a:p>
-          <a:p>
-            <a:r>
-              <a:rPr lang="zh-CN" altLang="zh-CN" dirty="0"/>
-              <a:t>例如：网页异步加载，提升用户体验</a:t>
-            </a:r>
-          </a:p>
-          <a:p>
+        <p:spPr>
+          <a:xfrm>
+            <a:off x="838200" y="1825624"/>
+            <a:ext cx="10515600" cy="5032375"/>
+          </a:xfrm>
+        </p:spPr>
+        <p:txBody>
+          <a:bodyPr/>
+          <a:lstStyle/>
+          <a:p>
+            <a:pPr marL="0" indent="0">
+              <a:lnSpc>
+                <a:spcPct val="100000"/>
+              </a:lnSpc>
+              <a:buNone/>
+            </a:pPr>
+            <a:r>
+              <a:rPr lang="zh-CN" altLang="en-US" dirty="0"/>
+              <a:t>在</a:t>
+            </a:r>
+            <a:r>
+              <a:rPr lang="zh-CN" altLang="zh-CN" dirty="0"/>
+              <a:t>参数传递不方便</a:t>
+            </a:r>
+            <a:r>
+              <a:rPr lang="zh-CN" altLang="en-US" dirty="0"/>
+              <a:t>时，可以</a:t>
+            </a:r>
+            <a:r>
+              <a:rPr lang="zh-CN" altLang="zh-CN" dirty="0">
+                <a:highlight>
+                  <a:srgbClr val="FFFF00"/>
+                </a:highlight>
+              </a:rPr>
+              <a:t>自己定义进程类（继承</a:t>
+            </a:r>
+            <a:r>
+              <a:rPr lang="en-US" altLang="zh-CN" dirty="0">
+                <a:highlight>
+                  <a:srgbClr val="FFFF00"/>
+                </a:highlight>
+              </a:rPr>
+              <a:t>process</a:t>
+            </a:r>
+            <a:r>
+              <a:rPr lang="zh-CN" altLang="zh-CN" dirty="0">
+                <a:highlight>
+                  <a:srgbClr val="FFFF00"/>
+                </a:highlight>
+              </a:rPr>
+              <a:t>）</a:t>
+            </a:r>
+            <a:r>
+              <a:rPr lang="zh-CN" altLang="zh-CN" dirty="0"/>
+              <a:t>：必须</a:t>
+            </a:r>
+            <a:r>
+              <a:rPr lang="zh-CN" altLang="zh-CN" dirty="0">
+                <a:highlight>
+                  <a:srgbClr val="FFFF00"/>
+                </a:highlight>
+              </a:rPr>
+              <a:t>定义</a:t>
+            </a:r>
+            <a:r>
+              <a:rPr lang="en-US" altLang="zh-CN" dirty="0">
+                <a:highlight>
+                  <a:srgbClr val="FFFF00"/>
+                </a:highlight>
+              </a:rPr>
+              <a:t>run</a:t>
+            </a:r>
+            <a:r>
+              <a:rPr lang="zh-CN" altLang="zh-CN" dirty="0">
+                <a:highlight>
+                  <a:srgbClr val="FFFF00"/>
+                </a:highlight>
+              </a:rPr>
+              <a:t>方法</a:t>
+            </a:r>
+            <a:r>
+              <a:rPr lang="zh-CN" altLang="en-US" dirty="0">
+                <a:highlight>
+                  <a:srgbClr val="FFFF00"/>
+                </a:highlight>
+              </a:rPr>
+              <a:t>。</a:t>
+            </a:r>
+            <a:r>
+              <a:rPr lang="zh-CN" altLang="zh-CN" dirty="0"/>
+              <a:t>（约定实现）</a:t>
+            </a:r>
+          </a:p>
+          <a:p>
+            <a:pPr>
+              <a:lnSpc>
+                <a:spcPct val="100000"/>
+              </a:lnSpc>
+            </a:pPr>
+            <a:r>
+              <a:rPr lang="zh-CN" altLang="zh-CN" dirty="0"/>
+              <a:t>注意：</a:t>
+            </a:r>
+            <a:r>
+              <a:rPr lang="en-US" altLang="zh-CN" dirty="0"/>
+              <a:t>WIN</a:t>
+            </a:r>
+            <a:r>
+              <a:rPr lang="zh-CN" altLang="zh-CN" dirty="0"/>
+              <a:t>中实例化</a:t>
+            </a:r>
+            <a:r>
+              <a:rPr lang="en-US" altLang="zh-CN" dirty="0"/>
+              <a:t>process</a:t>
+            </a:r>
+            <a:r>
+              <a:rPr lang="zh-CN" altLang="zh-CN" dirty="0"/>
+              <a:t>对象</a:t>
+            </a:r>
+            <a:r>
+              <a:rPr lang="zh-CN" altLang="zh-CN" dirty="0">
+                <a:highlight>
+                  <a:srgbClr val="FFFF00"/>
+                </a:highlight>
+              </a:rPr>
+              <a:t>必须放在</a:t>
+            </a:r>
+            <a:r>
+              <a:rPr lang="en-US" altLang="zh-CN" dirty="0">
+                <a:highlight>
+                  <a:srgbClr val="FFFF00"/>
+                </a:highlight>
+              </a:rPr>
+              <a:t>main</a:t>
+            </a:r>
+            <a:r>
+              <a:rPr lang="zh-CN" altLang="zh-CN" dirty="0">
+                <a:highlight>
+                  <a:srgbClr val="FFFF00"/>
+                </a:highlight>
+              </a:rPr>
+              <a:t>函数中</a:t>
+            </a:r>
+            <a:r>
+              <a:rPr lang="zh-CN" altLang="en-US" dirty="0">
+                <a:highlight>
+                  <a:srgbClr val="FFFF00"/>
+                </a:highlight>
+              </a:rPr>
+              <a:t>。</a:t>
+            </a:r>
+            <a:endParaRPr lang="en-US" altLang="zh-CN" dirty="0">
+              <a:highlight>
+                <a:srgbClr val="FFFF00"/>
+              </a:highlight>
+            </a:endParaRPr>
+          </a:p>
+          <a:p>
+            <a:pPr>
+              <a:lnSpc>
+                <a:spcPct val="100000"/>
+              </a:lnSpc>
+            </a:pPr>
+            <a:r>
+              <a:rPr lang="zh-CN" altLang="zh-CN" dirty="0"/>
+              <a:t>原因</a:t>
+            </a:r>
+            <a:r>
+              <a:rPr lang="zh-CN" altLang="en-US" dirty="0"/>
+              <a:t>：</a:t>
+            </a:r>
+            <a:r>
+              <a:rPr lang="en-US" altLang="zh-CN" dirty="0"/>
+              <a:t>WIN</a:t>
+            </a:r>
+            <a:r>
+              <a:rPr lang="zh-CN" altLang="zh-CN" dirty="0"/>
+              <a:t>不支持</a:t>
+            </a:r>
+            <a:r>
+              <a:rPr lang="en-US" altLang="zh-CN" dirty="0" err="1"/>
+              <a:t>os.fork</a:t>
+            </a:r>
+            <a:r>
+              <a:rPr lang="en-US" altLang="zh-CN" dirty="0"/>
+              <a:t>()</a:t>
+            </a:r>
+            <a:r>
+              <a:rPr lang="zh-CN" altLang="zh-CN" dirty="0"/>
+              <a:t>，重新开一个新虚拟机，把整个</a:t>
+            </a:r>
+            <a:r>
+              <a:rPr lang="en-US" altLang="zh-CN" dirty="0" err="1"/>
+              <a:t>py</a:t>
+            </a:r>
+            <a:r>
+              <a:rPr lang="zh-CN" altLang="zh-CN" dirty="0"/>
+              <a:t>文件</a:t>
+            </a:r>
+            <a:r>
+              <a:rPr lang="en-US" altLang="zh-CN" dirty="0"/>
+              <a:t>import</a:t>
+            </a:r>
+            <a:r>
+              <a:rPr lang="zh-CN" altLang="zh-CN" dirty="0"/>
+              <a:t>进去，</a:t>
+            </a:r>
+            <a:r>
+              <a:rPr lang="zh-CN" altLang="zh-CN" dirty="0">
+                <a:highlight>
+                  <a:srgbClr val="FFFF00"/>
+                </a:highlight>
+              </a:rPr>
+              <a:t>迭代</a:t>
+            </a:r>
+            <a:r>
+              <a:rPr lang="en-US" altLang="zh-CN" dirty="0">
+                <a:highlight>
+                  <a:srgbClr val="FFFF00"/>
+                </a:highlight>
+              </a:rPr>
+              <a:t>import</a:t>
+            </a:r>
+            <a:r>
+              <a:rPr lang="zh-CN" altLang="zh-CN" dirty="0">
+                <a:highlight>
+                  <a:srgbClr val="FFFF00"/>
+                </a:highlight>
+              </a:rPr>
+              <a:t>，直至内存满</a:t>
+            </a:r>
+            <a:r>
+              <a:rPr lang="zh-CN" altLang="en-US" dirty="0">
+                <a:highlight>
+                  <a:srgbClr val="FFFF00"/>
+                </a:highlight>
+              </a:rPr>
+              <a:t>。</a:t>
+            </a:r>
+            <a:endParaRPr lang="zh-CN" altLang="zh-CN" dirty="0"/>
+          </a:p>
+          <a:p>
+            <a:pPr>
+              <a:lnSpc>
+                <a:spcPct val="100000"/>
+              </a:lnSpc>
+            </a:pPr>
+            <a:r>
+              <a:rPr lang="en-US" altLang="zh-CN" dirty="0"/>
+              <a:t>demo</a:t>
+            </a:r>
+            <a:r>
+              <a:rPr lang="zh-CN" altLang="zh-CN" dirty="0"/>
+              <a:t>：注意所有子进程</a:t>
+            </a:r>
+            <a:r>
+              <a:rPr lang="zh-CN" altLang="zh-CN" dirty="0">
+                <a:highlight>
+                  <a:srgbClr val="FFFF00"/>
+                </a:highlight>
+              </a:rPr>
+              <a:t>先</a:t>
+            </a:r>
+            <a:r>
+              <a:rPr lang="en-US" altLang="zh-CN" dirty="0">
+                <a:highlight>
+                  <a:srgbClr val="FFFF00"/>
+                </a:highlight>
+              </a:rPr>
+              <a:t>start</a:t>
+            </a:r>
+            <a:r>
+              <a:rPr lang="zh-CN" altLang="zh-CN" dirty="0">
+                <a:highlight>
+                  <a:srgbClr val="FFFF00"/>
+                </a:highlight>
+              </a:rPr>
+              <a:t>，再一一</a:t>
+            </a:r>
+            <a:r>
+              <a:rPr lang="en-US" altLang="zh-CN" dirty="0">
+                <a:highlight>
+                  <a:srgbClr val="FFFF00"/>
+                </a:highlight>
+              </a:rPr>
+              <a:t>join</a:t>
+            </a:r>
+            <a:r>
+              <a:rPr lang="zh-CN" altLang="zh-CN" dirty="0"/>
+              <a:t>。不同子进程</a:t>
+            </a:r>
+            <a:r>
+              <a:rPr lang="zh-CN" altLang="zh-CN" dirty="0">
+                <a:highlight>
+                  <a:srgbClr val="FFFF00"/>
+                </a:highlight>
+              </a:rPr>
+              <a:t>内存互不干扰，有自己的随机值</a:t>
+            </a:r>
+            <a:r>
+              <a:rPr lang="zh-CN" altLang="zh-CN" dirty="0"/>
+              <a:t>。所有执行完后，才执行</a:t>
+            </a:r>
+            <a:r>
+              <a:rPr lang="en-US" altLang="zh-CN" dirty="0"/>
+              <a:t>main</a:t>
+            </a:r>
+            <a:r>
+              <a:rPr lang="zh-CN" altLang="zh-CN" dirty="0"/>
+              <a:t>。</a:t>
+            </a:r>
+            <a:endParaRPr lang="en-US" altLang="zh-CN" dirty="0"/>
+          </a:p>
+          <a:p>
+            <a:pPr>
+              <a:lnSpc>
+                <a:spcPct val="100000"/>
+              </a:lnSpc>
+            </a:pPr>
+            <a:r>
+              <a:rPr lang="zh-CN" altLang="zh-CN" dirty="0"/>
+              <a:t>一般希望主进程卡住，等待子进程。</a:t>
+            </a:r>
+          </a:p>
+          <a:p>
+            <a:pPr marL="0" indent="0">
+              <a:buNone/>
+            </a:pPr>
             <a:endParaRPr lang="zh-CN" altLang="en-US" dirty="0"/>
           </a:p>
         </p:txBody>
@@ -5661,7 +6826,7 @@
     </p:spTree>
     <p:extLst>
       <p:ext uri="{BB962C8B-B14F-4D97-AF65-F5344CB8AC3E}">
-        <p14:creationId xmlns:p14="http://schemas.microsoft.com/office/powerpoint/2010/main" val="810221684"/>
+        <p14:creationId xmlns:p14="http://schemas.microsoft.com/office/powerpoint/2010/main" val="1656129982"/>
       </p:ext>
     </p:extLst>
   </p:cSld>
@@ -5690,10 +6855,10 @@
       </p:grpSpPr>
       <p:sp>
         <p:nvSpPr>
-          <p:cNvPr id="2" name="标题 1">
+          <p:cNvPr id="3" name="内容占位符 2">
             <a:extLst>
               <a:ext uri="{FF2B5EF4-FFF2-40B4-BE49-F238E27FC236}">
-                <a16:creationId xmlns:a16="http://schemas.microsoft.com/office/drawing/2014/main" id="{1C8D1DF8-D369-4C9F-99AF-5F2EEC35606C}"/>
+                <a16:creationId xmlns:a16="http://schemas.microsoft.com/office/drawing/2014/main" id="{4F5B4D9C-8D9E-405B-81C9-7CD77ED8DA50}"/>
               </a:ext>
             </a:extLst>
           </p:cNvPr>
@@ -5701,75 +6866,271 @@
             <a:spLocks noGrp="1"/>
           </p:cNvSpPr>
           <p:nvPr>
-            <p:ph type="title"/>
-          </p:nvPr>
-        </p:nvSpPr>
-        <p:spPr/>
+            <p:ph idx="1"/>
+          </p:nvPr>
+        </p:nvSpPr>
+        <p:spPr>
+          <a:xfrm>
+            <a:off x="838200" y="1253330"/>
+            <a:ext cx="10515600" cy="4511365"/>
+          </a:xfrm>
+        </p:spPr>
         <p:txBody>
           <a:bodyPr/>
           <a:lstStyle/>
           <a:p>
             <a:r>
-              <a:rPr lang="zh-CN" altLang="zh-CN" b="1" dirty="0"/>
-              <a:t>临界区</a:t>
-            </a:r>
-            <a:r>
-              <a:rPr lang="en-US" altLang="zh-CN" b="1" dirty="0"/>
-              <a:t>critical section</a:t>
-            </a:r>
-            <a:r>
-              <a:rPr lang="zh-CN" altLang="zh-CN" b="1" dirty="0"/>
-              <a:t>：</a:t>
-            </a:r>
-            <a:br>
-              <a:rPr lang="zh-CN" altLang="zh-CN" b="1" dirty="0"/>
-            </a:br>
-            <a:endParaRPr lang="zh-CN" altLang="en-US" dirty="0"/>
-          </a:p>
-        </p:txBody>
-      </p:sp>
-      <p:sp>
-        <p:nvSpPr>
-          <p:cNvPr id="3" name="内容占位符 2">
-            <a:extLst>
-              <a:ext uri="{FF2B5EF4-FFF2-40B4-BE49-F238E27FC236}">
-                <a16:creationId xmlns:a16="http://schemas.microsoft.com/office/drawing/2014/main" id="{B746844E-68E6-471D-A6A6-83868A1E3F77}"/>
-              </a:ext>
-            </a:extLst>
-          </p:cNvPr>
-          <p:cNvSpPr>
-            <a:spLocks noGrp="1"/>
-          </p:cNvSpPr>
-          <p:nvPr>
-            <p:ph idx="1"/>
-          </p:nvPr>
-        </p:nvSpPr>
-        <p:spPr/>
-        <p:txBody>
-          <a:bodyPr/>
-          <a:lstStyle/>
-          <a:p>
-            <a:r>
-              <a:rPr lang="zh-CN" altLang="zh-CN" dirty="0"/>
-              <a:t>临界资源：一次只允许一个进程（或者线程）使用的资源</a:t>
-            </a:r>
-          </a:p>
-          <a:p>
-            <a:r>
-              <a:rPr lang="zh-CN" altLang="zh-CN" dirty="0"/>
-              <a:t>临界区：存取临界资源代码段，可以形象地理解为一个区域</a:t>
-            </a:r>
-          </a:p>
-          <a:p>
-            <a:r>
-              <a:rPr lang="zh-CN" altLang="zh-CN" dirty="0"/>
-              <a:t>过程：多进程要求进入空闲的临界区时，只允许其中一个拿到锁，进入后，锁上这个区域，其他进程无法将进入，执行完成释放锁，其他进程再竞争临界资源。（其他进程只能在临界区外等待）</a:t>
-            </a:r>
-          </a:p>
-          <a:p>
-            <a:r>
-              <a:rPr lang="zh-CN" altLang="zh-CN" dirty="0"/>
-              <a:t>注意：进入临界取的进程需要在有限时间内退出。</a:t>
+              <a:rPr lang="zh-CN" altLang="zh-CN" dirty="0"/>
+              <a:t>启动进程：</a:t>
+            </a:r>
+            <a:r>
+              <a:rPr lang="en-US" altLang="zh-CN" dirty="0" err="1">
+                <a:highlight>
+                  <a:srgbClr val="FFFF00"/>
+                </a:highlight>
+              </a:rPr>
+              <a:t>p.start</a:t>
+            </a:r>
+            <a:r>
+              <a:rPr lang="en-US" altLang="zh-CN" dirty="0">
+                <a:highlight>
+                  <a:srgbClr val="FFFF00"/>
+                </a:highlight>
+              </a:rPr>
+              <a:t>()</a:t>
+            </a:r>
+            <a:r>
+              <a:rPr lang="zh-CN" altLang="zh-CN" dirty="0"/>
+              <a:t>，</a:t>
+            </a:r>
+            <a:r>
+              <a:rPr lang="zh-CN" altLang="en-US" dirty="0"/>
+              <a:t>除了</a:t>
+            </a:r>
+            <a:r>
+              <a:rPr lang="zh-CN" altLang="zh-CN" dirty="0"/>
+              <a:t>主动调用</a:t>
+            </a:r>
+            <a:r>
+              <a:rPr lang="en-US" altLang="zh-CN" dirty="0"/>
+              <a:t>run</a:t>
+            </a:r>
+            <a:r>
+              <a:rPr lang="zh-CN" altLang="zh-CN" dirty="0"/>
+              <a:t>方法，但还有一些别的方法会被调用。</a:t>
+            </a:r>
+            <a:r>
+              <a:rPr lang="zh-CN" altLang="en-US" dirty="0"/>
+              <a:t>不要</a:t>
+            </a:r>
+            <a:r>
+              <a:rPr lang="zh-CN" altLang="zh-CN" dirty="0"/>
+              <a:t>使用</a:t>
+            </a:r>
+            <a:r>
+              <a:rPr lang="en-US" altLang="zh-CN" dirty="0" err="1"/>
+              <a:t>p.run</a:t>
+            </a:r>
+            <a:r>
+              <a:rPr lang="en-US" altLang="zh-CN" dirty="0"/>
+              <a:t>()</a:t>
+            </a:r>
+            <a:r>
+              <a:rPr lang="zh-CN" altLang="zh-CN" dirty="0"/>
+              <a:t>，</a:t>
+            </a:r>
+            <a:r>
+              <a:rPr lang="zh-CN" altLang="en-US" dirty="0"/>
+              <a:t>因为</a:t>
+            </a:r>
+            <a:r>
+              <a:rPr lang="zh-CN" altLang="zh-CN" dirty="0"/>
+              <a:t>只是调用</a:t>
+            </a:r>
+            <a:r>
+              <a:rPr lang="en-US" altLang="zh-CN" dirty="0"/>
+              <a:t>target</a:t>
+            </a:r>
+            <a:r>
+              <a:rPr lang="zh-CN" altLang="en-US" dirty="0"/>
+              <a:t>任务函数</a:t>
+            </a:r>
+            <a:r>
+              <a:rPr lang="zh-CN" altLang="zh-CN" dirty="0"/>
+              <a:t>，还有很多别的事没干</a:t>
+            </a:r>
+            <a:r>
+              <a:rPr lang="zh-CN" altLang="en-US" dirty="0"/>
+              <a:t>。</a:t>
+            </a:r>
+            <a:endParaRPr lang="zh-CN" altLang="zh-CN" dirty="0"/>
+          </a:p>
+          <a:p>
+            <a:r>
+              <a:rPr lang="zh-CN" altLang="zh-CN" dirty="0"/>
+              <a:t>强制终止进程：</a:t>
+            </a:r>
+            <a:r>
+              <a:rPr lang="en-US" altLang="zh-CN" dirty="0" err="1">
+                <a:highlight>
+                  <a:srgbClr val="FFFF00"/>
+                </a:highlight>
+              </a:rPr>
+              <a:t>p.terminate</a:t>
+            </a:r>
+            <a:r>
+              <a:rPr lang="zh-CN" altLang="zh-CN" dirty="0">
+                <a:highlight>
+                  <a:srgbClr val="FFFF00"/>
+                </a:highlight>
+              </a:rPr>
+              <a:t>，强制终止</a:t>
+            </a:r>
+            <a:r>
+              <a:rPr lang="zh-CN" altLang="zh-CN" dirty="0"/>
+              <a:t>。如果</a:t>
+            </a:r>
+            <a:r>
+              <a:rPr lang="en-US" altLang="zh-CN" dirty="0"/>
+              <a:t>p</a:t>
+            </a:r>
+            <a:r>
+              <a:rPr lang="zh-CN" altLang="zh-CN" dirty="0"/>
+              <a:t>创建了子进程，该子进程将成为</a:t>
+            </a:r>
+            <a:r>
+              <a:rPr lang="zh-CN" altLang="zh-CN" dirty="0">
+                <a:highlight>
+                  <a:srgbClr val="FFFF00"/>
+                </a:highlight>
+              </a:rPr>
+              <a:t>僵尸进程</a:t>
+            </a:r>
+            <a:r>
+              <a:rPr lang="zh-CN" altLang="zh-CN" dirty="0"/>
+              <a:t>，</a:t>
+            </a:r>
+            <a:r>
+              <a:rPr lang="en-US" altLang="zh-CN" dirty="0"/>
+              <a:t>python</a:t>
+            </a:r>
+            <a:r>
+              <a:rPr lang="zh-CN" altLang="zh-CN" dirty="0"/>
+              <a:t>无法处理。</a:t>
+            </a:r>
+            <a:r>
+              <a:rPr lang="en-US" altLang="zh-CN" dirty="0"/>
+              <a:t>p</a:t>
+            </a:r>
+            <a:r>
+              <a:rPr lang="zh-CN" altLang="zh-CN" dirty="0"/>
+              <a:t>创建的锁不会释放，可能导致</a:t>
+            </a:r>
+            <a:r>
+              <a:rPr lang="zh-CN" altLang="zh-CN" dirty="0">
+                <a:highlight>
+                  <a:srgbClr val="FFFF00"/>
+                </a:highlight>
+              </a:rPr>
+              <a:t>死锁</a:t>
+            </a:r>
+            <a:r>
+              <a:rPr lang="zh-CN" altLang="zh-CN" dirty="0"/>
+              <a:t>！</a:t>
+            </a:r>
+            <a:r>
+              <a:rPr lang="zh-CN" altLang="zh-CN" dirty="0">
+                <a:highlight>
+                  <a:srgbClr val="FFFF00"/>
+                </a:highlight>
+              </a:rPr>
+              <a:t>一般不要用，等进程自动停止</a:t>
+            </a:r>
+            <a:r>
+              <a:rPr lang="zh-CN" altLang="zh-CN" dirty="0"/>
+              <a:t>。</a:t>
+            </a:r>
+          </a:p>
+          <a:p>
+            <a:r>
+              <a:rPr lang="zh-CN" altLang="zh-CN" dirty="0"/>
+              <a:t>注意：分叉创建子进程，各个进程之间是</a:t>
+            </a:r>
+            <a:r>
+              <a:rPr lang="zh-CN" altLang="zh-CN" dirty="0">
+                <a:highlight>
+                  <a:srgbClr val="FFFF00"/>
+                </a:highlight>
+              </a:rPr>
+              <a:t>并行的</a:t>
+            </a:r>
+            <a:r>
+              <a:rPr lang="zh-CN" altLang="zh-CN" dirty="0"/>
+              <a:t>。但是</a:t>
+            </a:r>
+            <a:r>
+              <a:rPr lang="zh-CN" altLang="zh-CN" dirty="0">
+                <a:highlight>
+                  <a:srgbClr val="FFFF00"/>
+                </a:highlight>
+              </a:rPr>
+              <a:t>结束顺序不定</a:t>
+            </a:r>
+            <a:r>
+              <a:rPr lang="zh-CN" altLang="zh-CN" dirty="0"/>
+              <a:t>。先开始的进程</a:t>
+            </a:r>
+            <a:r>
+              <a:rPr lang="zh-CN" altLang="zh-CN" dirty="0">
+                <a:highlight>
+                  <a:srgbClr val="FFFF00"/>
+                </a:highlight>
+              </a:rPr>
+              <a:t>不一定且通常不会</a:t>
+            </a:r>
+            <a:r>
+              <a:rPr lang="zh-CN" altLang="zh-CN" dirty="0"/>
+              <a:t>最先结束，受到</a:t>
+            </a:r>
+            <a:r>
+              <a:rPr lang="zh-CN" altLang="zh-CN" dirty="0">
+                <a:highlight>
+                  <a:srgbClr val="FFFF00"/>
+                </a:highlight>
+              </a:rPr>
+              <a:t>环境</a:t>
+            </a:r>
+            <a:r>
+              <a:rPr lang="zh-CN" altLang="en-US" dirty="0">
+                <a:highlight>
+                  <a:srgbClr val="FFFF00"/>
+                </a:highlight>
+              </a:rPr>
+              <a:t>、</a:t>
+            </a:r>
+            <a:r>
+              <a:rPr lang="zh-CN" altLang="zh-CN" dirty="0">
+                <a:highlight>
+                  <a:srgbClr val="FFFF00"/>
+                </a:highlight>
+              </a:rPr>
+              <a:t>随机等待时间</a:t>
+            </a:r>
+            <a:r>
+              <a:rPr lang="zh-CN" altLang="zh-CN" dirty="0"/>
+              <a:t>的影响！因此</a:t>
+            </a:r>
+            <a:r>
+              <a:rPr lang="zh-CN" altLang="zh-CN" dirty="0">
+                <a:highlight>
+                  <a:srgbClr val="FFFF00"/>
+                </a:highlight>
+              </a:rPr>
+              <a:t>不要将程序逻辑和执行顺序关联起来</a:t>
+            </a:r>
+            <a:r>
+              <a:rPr lang="zh-CN" altLang="zh-CN" dirty="0"/>
+              <a:t>！</a:t>
             </a:r>
           </a:p>
           <a:p>
@@ -5780,7 +7141,7 @@
     </p:spTree>
     <p:extLst>
       <p:ext uri="{BB962C8B-B14F-4D97-AF65-F5344CB8AC3E}">
-        <p14:creationId xmlns:p14="http://schemas.microsoft.com/office/powerpoint/2010/main" val="3620355052"/>
+        <p14:creationId xmlns:p14="http://schemas.microsoft.com/office/powerpoint/2010/main" val="2090253420"/>
       </p:ext>
     </p:extLst>
   </p:cSld>
@@ -5812,7 +7173,7 @@
           <p:cNvPr id="2" name="标题 1">
             <a:extLst>
               <a:ext uri="{FF2B5EF4-FFF2-40B4-BE49-F238E27FC236}">
-                <a16:creationId xmlns:a16="http://schemas.microsoft.com/office/drawing/2014/main" id="{54762B30-9198-48F6-855A-4EFF6DEFFDFA}"/>
+                <a16:creationId xmlns:a16="http://schemas.microsoft.com/office/drawing/2014/main" id="{15358AED-F2C5-407C-9DBF-42FD1562D013}"/>
               </a:ext>
             </a:extLst>
           </p:cNvPr>
@@ -5823,12 +7184,24 @@
             <p:ph type="title"/>
           </p:nvPr>
         </p:nvSpPr>
-        <p:spPr/>
+        <p:spPr>
+          <a:xfrm>
+            <a:off x="838200" y="166344"/>
+            <a:ext cx="10515600" cy="1325563"/>
+          </a:xfrm>
+        </p:spPr>
         <p:txBody>
           <a:bodyPr/>
           <a:lstStyle/>
           <a:p>
-            <a:endParaRPr lang="zh-CN" altLang="en-US"/>
+            <a:r>
+              <a:rPr lang="zh-CN" altLang="zh-CN" dirty="0"/>
+              <a:t>常用属性：</a:t>
+            </a:r>
+            <a:br>
+              <a:rPr lang="zh-CN" altLang="zh-CN" dirty="0"/>
+            </a:br>
+            <a:endParaRPr lang="zh-CN" altLang="en-US" dirty="0"/>
           </a:p>
         </p:txBody>
       </p:sp>
@@ -5837,7 +7210,7 @@
           <p:cNvPr id="3" name="内容占位符 2">
             <a:extLst>
               <a:ext uri="{FF2B5EF4-FFF2-40B4-BE49-F238E27FC236}">
-                <a16:creationId xmlns:a16="http://schemas.microsoft.com/office/drawing/2014/main" id="{8DDC6D78-49D0-4C07-B7F6-3D1AD2805D6F}"/>
+                <a16:creationId xmlns:a16="http://schemas.microsoft.com/office/drawing/2014/main" id="{756620DA-DF2D-4E40-9B16-0952554E873E}"/>
               </a:ext>
             </a:extLst>
           </p:cNvPr>
@@ -5848,36 +7221,208 @@
             <p:ph idx="1"/>
           </p:nvPr>
         </p:nvSpPr>
-        <p:spPr/>
-        <p:txBody>
-          <a:bodyPr/>
-          <a:lstStyle/>
-          <a:p>
-            <a:r>
-              <a:rPr lang="zh-CN" altLang="zh-CN" dirty="0"/>
-              <a:t>互斥量：</a:t>
-            </a:r>
+        <p:spPr>
+          <a:xfrm>
+            <a:off x="838200" y="954157"/>
+            <a:ext cx="10515600" cy="5903843"/>
+          </a:xfrm>
+        </p:spPr>
+        <p:txBody>
+          <a:bodyPr>
+            <a:normAutofit fontScale="92500" lnSpcReduction="10000"/>
+          </a:bodyPr>
+          <a:lstStyle/>
+          <a:p>
             <a:r>
               <a:rPr lang="en-US" altLang="zh-CN" dirty="0"/>
-              <a:t>mutex</a:t>
-            </a:r>
-            <a:r>
-              <a:rPr lang="zh-CN" altLang="zh-CN" dirty="0"/>
-              <a:t>，只处于两个状态之一：解锁或者加锁</a:t>
-            </a:r>
-          </a:p>
-          <a:p>
-            <a:r>
-              <a:rPr lang="zh-CN" altLang="zh-CN" dirty="0"/>
-              <a:t>理解：原子操作（不能再被切分）</a:t>
-            </a:r>
+              <a:t>1.</a:t>
+            </a:r>
+            <a:r>
+              <a:rPr lang="zh-CN" altLang="zh-CN" dirty="0"/>
+              <a:t>判断是否还在执行：</a:t>
+            </a:r>
+            <a:r>
+              <a:rPr lang="en-US" altLang="zh-CN" dirty="0" err="1"/>
+              <a:t>is_alive</a:t>
+            </a:r>
+            <a:r>
+              <a:rPr lang="zh-CN" altLang="zh-CN" dirty="0"/>
+              <a:t>，返回布尔值</a:t>
+            </a:r>
+          </a:p>
+          <a:p>
+            <a:r>
+              <a:rPr lang="en-US" altLang="zh-CN" dirty="0"/>
+              <a:t>2.</a:t>
+            </a:r>
+            <a:r>
+              <a:rPr lang="zh-CN" altLang="zh-CN" dirty="0"/>
+              <a:t>主进程等待子进程停止：</a:t>
+            </a:r>
+            <a:r>
+              <a:rPr lang="en-US" altLang="zh-CN" dirty="0"/>
+              <a:t>join</a:t>
+            </a:r>
+            <a:r>
+              <a:rPr lang="zh-CN" altLang="zh-CN" dirty="0"/>
+              <a:t>函数（</a:t>
+            </a:r>
+            <a:r>
+              <a:rPr lang="en-US" altLang="zh-CN" dirty="0"/>
+              <a:t>start</a:t>
+            </a:r>
+            <a:r>
+              <a:rPr lang="zh-CN" altLang="zh-CN" dirty="0"/>
+              <a:t>之后），只能挡住</a:t>
+            </a:r>
+            <a:r>
+              <a:rPr lang="en-US" altLang="zh-CN" dirty="0"/>
+              <a:t>start</a:t>
+            </a:r>
+            <a:r>
+              <a:rPr lang="zh-CN" altLang="zh-CN" dirty="0"/>
+              <a:t>开启的进程，而不能是</a:t>
+            </a:r>
+            <a:r>
+              <a:rPr lang="en-US" altLang="zh-CN" dirty="0"/>
+              <a:t>run</a:t>
+            </a:r>
+            <a:r>
+              <a:rPr lang="zh-CN" altLang="zh-CN" dirty="0"/>
+              <a:t>开启的进程（因为标识符没有变！）</a:t>
+            </a:r>
+          </a:p>
+          <a:p>
+            <a:r>
+              <a:rPr lang="zh-CN" altLang="zh-CN" dirty="0"/>
+              <a:t>注意：</a:t>
+            </a:r>
+            <a:r>
+              <a:rPr lang="en-US" altLang="zh-CN" dirty="0"/>
+              <a:t>for</a:t>
+            </a:r>
+            <a:r>
+              <a:rPr lang="zh-CN" altLang="zh-CN" dirty="0"/>
+              <a:t>循环，join仍然会卡着等p1运行结束，但其他进程如p2, p3等仍在运行，等p1运行结束后，循环继续，p2,p3等可能也运行结束了，会迅速完成join的检验。</a:t>
+            </a:r>
+            <a:r>
+              <a:rPr lang="zh-CN" altLang="zh-CN" dirty="0">
+                <a:highlight>
+                  <a:srgbClr val="FFFF00"/>
+                </a:highlight>
+              </a:rPr>
+              <a:t>join花费的总时间仍然是耗费时间最长的那个进程运行的时间</a:t>
+            </a:r>
+            <a:r>
+              <a:rPr lang="zh-CN" altLang="zh-CN" dirty="0"/>
+              <a:t>，这样跟我们的目的是一致的。</a:t>
+            </a:r>
+          </a:p>
+          <a:p>
+            <a:r>
+              <a:rPr lang="zh-CN" altLang="zh-CN" dirty="0"/>
+              <a:t>参数：</a:t>
+            </a:r>
+            <a:r>
+              <a:rPr lang="en-US" altLang="zh-CN" dirty="0"/>
+              <a:t>timeout</a:t>
+            </a:r>
+            <a:r>
+              <a:rPr lang="zh-CN" altLang="zh-CN" dirty="0"/>
+              <a:t>超时时间（网络中常用），等待的最长时间，默认是无穷大</a:t>
+            </a:r>
+          </a:p>
+          <a:p>
+            <a:r>
+              <a:rPr lang="en-US" altLang="zh-CN" dirty="0"/>
+              <a:t>3.daemon</a:t>
+            </a:r>
+            <a:r>
+              <a:rPr lang="zh-CN" altLang="zh-CN" dirty="0"/>
+              <a:t>守护进程，后台进程：</a:t>
+            </a:r>
+          </a:p>
+          <a:p>
+            <a:r>
+              <a:rPr lang="zh-CN" altLang="zh-CN" dirty="0">
+                <a:highlight>
+                  <a:srgbClr val="FFFF00"/>
+                </a:highlight>
+              </a:rPr>
+              <a:t>两个</a:t>
+            </a:r>
+            <a:r>
+              <a:rPr lang="zh-CN" altLang="en-US" dirty="0">
+                <a:highlight>
+                  <a:srgbClr val="FFFF00"/>
+                </a:highlight>
+              </a:rPr>
+              <a:t>特点</a:t>
+            </a:r>
+            <a:r>
+              <a:rPr lang="zh-CN" altLang="zh-CN" dirty="0"/>
+              <a:t>：</a:t>
+            </a:r>
+            <a:r>
+              <a:rPr lang="zh-CN" altLang="zh-CN" dirty="0">
+                <a:highlight>
+                  <a:srgbClr val="FFFF00"/>
+                </a:highlight>
+              </a:rPr>
+              <a:t>父进程停止自动停止；不能创建子进程；</a:t>
+            </a:r>
+          </a:p>
+          <a:p>
+            <a:r>
+              <a:rPr lang="zh-CN" altLang="zh-CN" dirty="0"/>
+              <a:t>写法：创建一个进程后，在</a:t>
+            </a:r>
+            <a:r>
+              <a:rPr lang="en-US" altLang="zh-CN" dirty="0"/>
+              <a:t>start</a:t>
+            </a:r>
+            <a:r>
+              <a:rPr lang="zh-CN" altLang="zh-CN" dirty="0"/>
+              <a:t>之前设为</a:t>
+            </a:r>
+            <a:r>
+              <a:rPr lang="en-US" altLang="zh-CN" dirty="0"/>
+              <a:t>TRUE</a:t>
+            </a:r>
+            <a:r>
+              <a:rPr lang="zh-CN" altLang="zh-CN" dirty="0"/>
+              <a:t>。或者可以在构造函数里面。</a:t>
+            </a:r>
+          </a:p>
+          <a:p>
+            <a:r>
+              <a:rPr lang="en-US" altLang="zh-CN" dirty="0"/>
+              <a:t>4.name</a:t>
+            </a:r>
+            <a:r>
+              <a:rPr lang="zh-CN" altLang="zh-CN" dirty="0"/>
+              <a:t>进程名字，创建进程或者进程创建后的属性</a:t>
+            </a:r>
+          </a:p>
+          <a:p>
+            <a:r>
+              <a:rPr lang="en-US" altLang="zh-CN" dirty="0"/>
+              <a:t>5.pid</a:t>
+            </a:r>
+            <a:r>
+              <a:rPr lang="zh-CN" altLang="zh-CN" dirty="0"/>
+              <a:t>唯一编码，分配是完全随机的！</a:t>
+            </a:r>
+          </a:p>
+          <a:p>
+            <a:endParaRPr lang="zh-CN" altLang="en-US" dirty="0"/>
           </a:p>
         </p:txBody>
       </p:sp>
     </p:spTree>
     <p:extLst>
       <p:ext uri="{BB962C8B-B14F-4D97-AF65-F5344CB8AC3E}">
-        <p14:creationId xmlns:p14="http://schemas.microsoft.com/office/powerpoint/2010/main" val="1346692587"/>
+        <p14:creationId xmlns:p14="http://schemas.microsoft.com/office/powerpoint/2010/main" val="1010228995"/>
       </p:ext>
     </p:extLst>
   </p:cSld>
